--- a/8 - Gaussian Mixture Models/Introduction to Gaussian Mixture Models.pptx
+++ b/8 - Gaussian Mixture Models/Introduction to Gaussian Mixture Models.pptx
@@ -5,13 +5,59 @@
     <p:sldMasterId id="2147483648" r:id="rId1"/>
   </p:sldMasterIdLst>
   <p:notesMasterIdLst>
-    <p:notesMasterId r:id="rId6"/>
+    <p:notesMasterId r:id="rId52"/>
   </p:notesMasterIdLst>
   <p:sldIdLst>
     <p:sldId id="257" r:id="rId2"/>
     <p:sldId id="263" r:id="rId3"/>
-    <p:sldId id="532" r:id="rId4"/>
-    <p:sldId id="531" r:id="rId5"/>
+    <p:sldId id="538" r:id="rId4"/>
+    <p:sldId id="540" r:id="rId5"/>
+    <p:sldId id="541" r:id="rId6"/>
+    <p:sldId id="542" r:id="rId7"/>
+    <p:sldId id="543" r:id="rId8"/>
+    <p:sldId id="544" r:id="rId9"/>
+    <p:sldId id="545" r:id="rId10"/>
+    <p:sldId id="546" r:id="rId11"/>
+    <p:sldId id="547" r:id="rId12"/>
+    <p:sldId id="548" r:id="rId13"/>
+    <p:sldId id="549" r:id="rId14"/>
+    <p:sldId id="534" r:id="rId15"/>
+    <p:sldId id="550" r:id="rId16"/>
+    <p:sldId id="536" r:id="rId17"/>
+    <p:sldId id="537" r:id="rId18"/>
+    <p:sldId id="551" r:id="rId19"/>
+    <p:sldId id="552" r:id="rId20"/>
+    <p:sldId id="535" r:id="rId21"/>
+    <p:sldId id="553" r:id="rId22"/>
+    <p:sldId id="554" r:id="rId23"/>
+    <p:sldId id="555" r:id="rId24"/>
+    <p:sldId id="556" r:id="rId25"/>
+    <p:sldId id="557" r:id="rId26"/>
+    <p:sldId id="558" r:id="rId27"/>
+    <p:sldId id="559" r:id="rId28"/>
+    <p:sldId id="560" r:id="rId29"/>
+    <p:sldId id="561" r:id="rId30"/>
+    <p:sldId id="564" r:id="rId31"/>
+    <p:sldId id="532" r:id="rId32"/>
+    <p:sldId id="562" r:id="rId33"/>
+    <p:sldId id="563" r:id="rId34"/>
+    <p:sldId id="565" r:id="rId35"/>
+    <p:sldId id="568" r:id="rId36"/>
+    <p:sldId id="567" r:id="rId37"/>
+    <p:sldId id="569" r:id="rId38"/>
+    <p:sldId id="570" r:id="rId39"/>
+    <p:sldId id="571" r:id="rId40"/>
+    <p:sldId id="572" r:id="rId41"/>
+    <p:sldId id="573" r:id="rId42"/>
+    <p:sldId id="574" r:id="rId43"/>
+    <p:sldId id="575" r:id="rId44"/>
+    <p:sldId id="576" r:id="rId45"/>
+    <p:sldId id="577" r:id="rId46"/>
+    <p:sldId id="578" r:id="rId47"/>
+    <p:sldId id="579" r:id="rId48"/>
+    <p:sldId id="580" r:id="rId49"/>
+    <p:sldId id="581" r:id="rId50"/>
+    <p:sldId id="531" r:id="rId51"/>
   </p:sldIdLst>
   <p:sldSz cx="12192000" cy="6858000"/>
   <p:notesSz cx="6858000" cy="9144000"/>
@@ -3554,7 +3600,7 @@
                 </a:solidFill>
                 <a:ln w="127000">
                   <a:solidFill>
-                    <a:srgbClr val="00B050"/>
+                    <a:srgbClr val="0070C0"/>
                   </a:solidFill>
                 </a:ln>
                 <a:effectLst/>
@@ -3578,7 +3624,7 @@
                 </a:solidFill>
                 <a:ln w="127000">
                   <a:solidFill>
-                    <a:srgbClr val="FFC000"/>
+                    <a:srgbClr val="0070C0"/>
                   </a:solidFill>
                 </a:ln>
                 <a:effectLst/>
@@ -3602,7 +3648,7 @@
                 </a:solidFill>
                 <a:ln w="127000">
                   <a:solidFill>
-                    <a:srgbClr val="FF0000"/>
+                    <a:srgbClr val="0070C0"/>
                   </a:solidFill>
                 </a:ln>
                 <a:effectLst/>
@@ -3656,27 +3702,48 @@
                   <c:v>1</c:v>
                 </c:pt>
                 <c:pt idx="1">
+                  <c:v>1.5</c:v>
+                </c:pt>
+                <c:pt idx="2">
                   <c:v>2</c:v>
                 </c:pt>
-                <c:pt idx="2">
-                  <c:v>5</c:v>
-                </c:pt>
                 <c:pt idx="3">
-                  <c:v>8</c:v>
+                  <c:v>2.5</c:v>
                 </c:pt>
                 <c:pt idx="4">
                   <c:v>3</c:v>
                 </c:pt>
                 <c:pt idx="5">
-                  <c:v>10</c:v>
+                  <c:v>3.5</c:v>
                 </c:pt>
                 <c:pt idx="6">
+                  <c:v>4</c:v>
+                </c:pt>
+                <c:pt idx="7">
+                  <c:v>4.5</c:v>
+                </c:pt>
+                <c:pt idx="8">
+                  <c:v>2.9</c:v>
+                </c:pt>
+                <c:pt idx="9">
                   <c:v>3</c:v>
                 </c:pt>
-                <c:pt idx="7">
-                  <c:v>9</c:v>
+                <c:pt idx="10">
+                  <c:v>2.8</c:v>
                 </c:pt>
-                <c:pt idx="8">
+                <c:pt idx="11">
+                  <c:v>2.8</c:v>
+                </c:pt>
+                <c:pt idx="12">
+                  <c:v>3</c:v>
+                </c:pt>
+                <c:pt idx="13">
+                  <c:v>2.8</c:v>
+                </c:pt>
+                <c:pt idx="14">
+                  <c:v>2.9</c:v>
+                </c:pt>
+                <c:pt idx="15">
                   <c:v>3</c:v>
                 </c:pt>
               </c:numCache>
@@ -3689,31 +3756,52 @@
                 <c:formatCode>General</c:formatCode>
                 <c:ptCount val="17"/>
                 <c:pt idx="0">
+                  <c:v>2</c:v>
+                </c:pt>
+                <c:pt idx="1">
+                  <c:v>2.4</c:v>
+                </c:pt>
+                <c:pt idx="2">
+                  <c:v>2.1</c:v>
+                </c:pt>
+                <c:pt idx="3">
+                  <c:v>2.6</c:v>
+                </c:pt>
+                <c:pt idx="4">
+                  <c:v>2.2999999999999998</c:v>
+                </c:pt>
+                <c:pt idx="5">
+                  <c:v>2.8</c:v>
+                </c:pt>
+                <c:pt idx="6">
+                  <c:v>2.5</c:v>
+                </c:pt>
+                <c:pt idx="7">
                   <c:v>3</c:v>
                 </c:pt>
-                <c:pt idx="1">
-                  <c:v>2</c:v>
+                <c:pt idx="8">
+                  <c:v>0.8</c:v>
                 </c:pt>
-                <c:pt idx="2">
-                  <c:v>8</c:v>
+                <c:pt idx="9">
+                  <c:v>1.3</c:v>
                 </c:pt>
-                <c:pt idx="3">
-                  <c:v>5</c:v>
+                <c:pt idx="10">
+                  <c:v>1.8</c:v>
                 </c:pt>
-                <c:pt idx="4">
-                  <c:v>9</c:v>
+                <c:pt idx="11">
+                  <c:v>2.2999999999999998</c:v>
                 </c:pt>
-                <c:pt idx="5">
-                  <c:v>7</c:v>
+                <c:pt idx="12">
+                  <c:v>2.8</c:v>
                 </c:pt>
-                <c:pt idx="6">
-                  <c:v>3</c:v>
+                <c:pt idx="13">
+                  <c:v>3.3</c:v>
                 </c:pt>
-                <c:pt idx="7">
-                  <c:v>4</c:v>
+                <c:pt idx="14">
+                  <c:v>3.8</c:v>
                 </c:pt>
-                <c:pt idx="8">
-                  <c:v>7</c:v>
+                <c:pt idx="15">
+                  <c:v>4.3</c:v>
                 </c:pt>
               </c:numCache>
             </c:numRef>
@@ -3771,27 +3859,48 @@
                   <c:v>1</c:v>
                 </c:pt>
                 <c:pt idx="1">
+                  <c:v>1.5</c:v>
+                </c:pt>
+                <c:pt idx="2">
                   <c:v>2</c:v>
                 </c:pt>
-                <c:pt idx="2">
-                  <c:v>5</c:v>
-                </c:pt>
                 <c:pt idx="3">
-                  <c:v>8</c:v>
+                  <c:v>2.5</c:v>
                 </c:pt>
                 <c:pt idx="4">
                   <c:v>3</c:v>
                 </c:pt>
                 <c:pt idx="5">
-                  <c:v>10</c:v>
+                  <c:v>3.5</c:v>
                 </c:pt>
                 <c:pt idx="6">
+                  <c:v>4</c:v>
+                </c:pt>
+                <c:pt idx="7">
+                  <c:v>4.5</c:v>
+                </c:pt>
+                <c:pt idx="8">
+                  <c:v>2.9</c:v>
+                </c:pt>
+                <c:pt idx="9">
                   <c:v>3</c:v>
                 </c:pt>
-                <c:pt idx="7">
-                  <c:v>9</c:v>
+                <c:pt idx="10">
+                  <c:v>2.8</c:v>
                 </c:pt>
-                <c:pt idx="8">
+                <c:pt idx="11">
+                  <c:v>2.8</c:v>
+                </c:pt>
+                <c:pt idx="12">
+                  <c:v>3</c:v>
+                </c:pt>
+                <c:pt idx="13">
+                  <c:v>2.8</c:v>
+                </c:pt>
+                <c:pt idx="14">
+                  <c:v>2.9</c:v>
+                </c:pt>
+                <c:pt idx="15">
                   <c:v>3</c:v>
                 </c:pt>
               </c:numCache>
@@ -3828,7 +3937,7 @@
         <c:axId val="198243231"/>
         <c:scaling>
           <c:orientation val="minMax"/>
-          <c:max val="11"/>
+          <c:max val="5"/>
           <c:min val="0"/>
         </c:scaling>
         <c:delete val="0"/>
@@ -3890,7 +3999,7 @@
         <c:axId val="198242271"/>
         <c:scaling>
           <c:orientation val="minMax"/>
-          <c:max val="11"/>
+          <c:max val="5"/>
         </c:scaling>
         <c:delete val="0"/>
         <c:axPos val="l"/>
@@ -4624,7 +4733,7 @@
           <a:p>
             <a:fld id="{75A99358-0554-3345-871D-48A6BABEE3E1}" type="datetimeFigureOut">
               <a:rPr lang="en-US" smtClean="0"/>
-              <a:t>1/14/26</a:t>
+              <a:t>1/15/2026</a:t>
             </a:fld>
             <a:endParaRPr lang="en-US"/>
           </a:p>
@@ -5151,7 +5260,7 @@
           <a:p>
             <a:fld id="{04BC266F-70C8-954B-9EC8-D842168CE9D2}" type="datetimeFigureOut">
               <a:rPr lang="en-US" smtClean="0"/>
-              <a:t>1/14/26</a:t>
+              <a:t>1/15/2026</a:t>
             </a:fld>
             <a:endParaRPr lang="en-US"/>
           </a:p>
@@ -7100,7 +7209,7 @@
           <a:p>
             <a:fld id="{04BC266F-70C8-954B-9EC8-D842168CE9D2}" type="datetimeFigureOut">
               <a:rPr lang="en-US" smtClean="0"/>
-              <a:t>1/14/26</a:t>
+              <a:t>1/15/2026</a:t>
             </a:fld>
             <a:endParaRPr lang="en-US"/>
           </a:p>
@@ -8758,7 +8867,7 @@
           <a:p>
             <a:fld id="{04BC266F-70C8-954B-9EC8-D842168CE9D2}" type="datetimeFigureOut">
               <a:rPr lang="en-US" smtClean="0"/>
-              <a:t>1/14/26</a:t>
+              <a:t>1/15/2026</a:t>
             </a:fld>
             <a:endParaRPr lang="en-US"/>
           </a:p>
@@ -9203,7 +9312,7 @@
           <a:p>
             <a:fld id="{04BC266F-70C8-954B-9EC8-D842168CE9D2}" type="datetimeFigureOut">
               <a:rPr lang="en-US" smtClean="0"/>
-              <a:t>1/14/26</a:t>
+              <a:t>1/15/2026</a:t>
             </a:fld>
             <a:endParaRPr lang="en-US"/>
           </a:p>
@@ -10873,7 +10982,7 @@
           <a:p>
             <a:fld id="{04BC266F-70C8-954B-9EC8-D842168CE9D2}" type="datetimeFigureOut">
               <a:rPr lang="en-US" smtClean="0"/>
-              <a:t>1/14/26</a:t>
+              <a:t>1/15/2026</a:t>
             </a:fld>
             <a:endParaRPr lang="en-US"/>
           </a:p>
@@ -11385,6 +11494,2260 @@
 </p:sld>
 </file>
 
+<file path=ppt/slides/slide10.xml><?xml version="1.0" encoding="utf-8"?>
+<p:sld xmlns:a="http://schemas.openxmlformats.org/drawingml/2006/main" xmlns:r="http://schemas.openxmlformats.org/officeDocument/2006/relationships" xmlns:p="http://schemas.openxmlformats.org/presentationml/2006/main" showMasterSp="0">
+  <p:cSld>
+    <p:spTree>
+      <p:nvGrpSpPr>
+        <p:cNvPr id="1" name="">
+          <a:extLst>
+            <a:ext uri="{FF2B5EF4-FFF2-40B4-BE49-F238E27FC236}">
+              <a16:creationId xmlns:a16="http://schemas.microsoft.com/office/drawing/2014/main" id="{F026540A-D06A-77C6-624B-9D023F432B74}"/>
+            </a:ext>
+          </a:extLst>
+        </p:cNvPr>
+        <p:cNvGrpSpPr/>
+        <p:nvPr/>
+      </p:nvGrpSpPr>
+      <p:grpSpPr>
+        <a:xfrm>
+          <a:off x="0" y="0"/>
+          <a:ext cx="0" cy="0"/>
+          <a:chOff x="0" y="0"/>
+          <a:chExt cx="0" cy="0"/>
+        </a:xfrm>
+      </p:grpSpPr>
+      <p:pic>
+        <p:nvPicPr>
+          <p:cNvPr id="3" name="Picture 2" descr="A graph of a distribution of heights with Ryugyong Hotel in the background&#10;&#10;AI-generated content may be incorrect.">
+            <a:extLst>
+              <a:ext uri="{FF2B5EF4-FFF2-40B4-BE49-F238E27FC236}">
+                <a16:creationId xmlns:a16="http://schemas.microsoft.com/office/drawing/2014/main" id="{7452E1F1-9CCC-2C8B-D11F-C2C9B48A2A4B}"/>
+              </a:ext>
+            </a:extLst>
+          </p:cNvPr>
+          <p:cNvPicPr>
+            <a:picLocks noChangeAspect="1"/>
+          </p:cNvPicPr>
+          <p:nvPr/>
+        </p:nvPicPr>
+        <p:blipFill>
+          <a:blip r:embed="rId2"/>
+          <a:stretch>
+            <a:fillRect/>
+          </a:stretch>
+        </p:blipFill>
+        <p:spPr>
+          <a:xfrm>
+            <a:off x="2315999" y="0"/>
+            <a:ext cx="7560001" cy="5400000"/>
+          </a:xfrm>
+          <a:prstGeom prst="rect">
+            <a:avLst/>
+          </a:prstGeom>
+        </p:spPr>
+      </p:pic>
+      <p:sp>
+        <p:nvSpPr>
+          <p:cNvPr id="4" name="Rectangle 3">
+            <a:extLst>
+              <a:ext uri="{FF2B5EF4-FFF2-40B4-BE49-F238E27FC236}">
+                <a16:creationId xmlns:a16="http://schemas.microsoft.com/office/drawing/2014/main" id="{C460E127-110B-BA4F-FA48-47E52E345BD8}"/>
+              </a:ext>
+            </a:extLst>
+          </p:cNvPr>
+          <p:cNvSpPr/>
+          <p:nvPr/>
+        </p:nvSpPr>
+        <p:spPr>
+          <a:xfrm>
+            <a:off x="2073285" y="1053462"/>
+            <a:ext cx="914400" cy="3293076"/>
+          </a:xfrm>
+          <a:prstGeom prst="rect">
+            <a:avLst/>
+          </a:prstGeom>
+          <a:solidFill>
+            <a:schemeClr val="bg1"/>
+          </a:solidFill>
+          <a:ln>
+            <a:noFill/>
+          </a:ln>
+        </p:spPr>
+        <p:style>
+          <a:lnRef idx="2">
+            <a:schemeClr val="accent1">
+              <a:shade val="15000"/>
+            </a:schemeClr>
+          </a:lnRef>
+          <a:fillRef idx="1">
+            <a:schemeClr val="accent1"/>
+          </a:fillRef>
+          <a:effectRef idx="0">
+            <a:schemeClr val="accent1"/>
+          </a:effectRef>
+          <a:fontRef idx="minor">
+            <a:schemeClr val="lt1"/>
+          </a:fontRef>
+        </p:style>
+        <p:txBody>
+          <a:bodyPr rtlCol="0" anchor="ctr"/>
+          <a:lstStyle/>
+          <a:p>
+            <a:pPr algn="ctr"/>
+            <a:endParaRPr lang="en-PH"/>
+          </a:p>
+        </p:txBody>
+      </p:sp>
+      <p:sp>
+        <p:nvSpPr>
+          <p:cNvPr id="12" name="TextBox 11">
+            <a:extLst>
+              <a:ext uri="{FF2B5EF4-FFF2-40B4-BE49-F238E27FC236}">
+                <a16:creationId xmlns:a16="http://schemas.microsoft.com/office/drawing/2014/main" id="{86B2FC33-2E80-3D81-9269-694B8CB56108}"/>
+              </a:ext>
+            </a:extLst>
+          </p:cNvPr>
+          <p:cNvSpPr txBox="1"/>
+          <p:nvPr/>
+        </p:nvSpPr>
+        <p:spPr>
+          <a:xfrm>
+            <a:off x="843530" y="5786003"/>
+            <a:ext cx="10504992" cy="861774"/>
+          </a:xfrm>
+          <a:prstGeom prst="rect">
+            <a:avLst/>
+          </a:prstGeom>
+          <a:noFill/>
+        </p:spPr>
+        <p:txBody>
+          <a:bodyPr wrap="none" rtlCol="0">
+            <a:spAutoFit/>
+          </a:bodyPr>
+          <a:lstStyle/>
+          <a:p>
+            <a:pPr algn="ctr"/>
+            <a:r>
+              <a:rPr lang="en-US" sz="2500" dirty="0"/>
+              <a:t>The </a:t>
+            </a:r>
+            <a:r>
+              <a:rPr lang="en-US" sz="2500" b="1" dirty="0"/>
+              <a:t>y-axis represents </a:t>
+            </a:r>
+            <a:r>
+              <a:rPr lang="en-US" sz="2500" dirty="0"/>
+              <a:t>the relative probability of observing someone who is </a:t>
+            </a:r>
+          </a:p>
+          <a:p>
+            <a:pPr algn="ctr"/>
+            <a:r>
+              <a:rPr lang="en-US" sz="2500" dirty="0"/>
+              <a:t>really short or, really tall or, who has an average height</a:t>
+            </a:r>
+            <a:endParaRPr lang="en-PH" sz="2500" b="1" dirty="0"/>
+          </a:p>
+        </p:txBody>
+      </p:sp>
+      <p:sp>
+        <p:nvSpPr>
+          <p:cNvPr id="2" name="TextBox 1">
+            <a:extLst>
+              <a:ext uri="{FF2B5EF4-FFF2-40B4-BE49-F238E27FC236}">
+                <a16:creationId xmlns:a16="http://schemas.microsoft.com/office/drawing/2014/main" id="{E918E0D4-97DB-85F8-8D73-D1F5AF95C08B}"/>
+              </a:ext>
+            </a:extLst>
+          </p:cNvPr>
+          <p:cNvSpPr txBox="1"/>
+          <p:nvPr/>
+        </p:nvSpPr>
+        <p:spPr>
+          <a:xfrm>
+            <a:off x="3279397" y="5215334"/>
+            <a:ext cx="755335" cy="369332"/>
+          </a:xfrm>
+          <a:prstGeom prst="rect">
+            <a:avLst/>
+          </a:prstGeom>
+          <a:noFill/>
+          <a:ln w="38100">
+            <a:noFill/>
+          </a:ln>
+        </p:spPr>
+        <p:txBody>
+          <a:bodyPr wrap="none" rtlCol="0">
+            <a:spAutoFit/>
+          </a:bodyPr>
+          <a:lstStyle/>
+          <a:p>
+            <a:r>
+              <a:rPr lang="en-US" b="1" dirty="0"/>
+              <a:t>Short</a:t>
+            </a:r>
+            <a:endParaRPr lang="en-PH" b="1" dirty="0"/>
+          </a:p>
+        </p:txBody>
+      </p:sp>
+      <p:sp>
+        <p:nvSpPr>
+          <p:cNvPr id="5" name="TextBox 4">
+            <a:extLst>
+              <a:ext uri="{FF2B5EF4-FFF2-40B4-BE49-F238E27FC236}">
+                <a16:creationId xmlns:a16="http://schemas.microsoft.com/office/drawing/2014/main" id="{EF736899-2184-098A-7DF5-5C7E1E2511DA}"/>
+              </a:ext>
+            </a:extLst>
+          </p:cNvPr>
+          <p:cNvSpPr txBox="1"/>
+          <p:nvPr/>
+        </p:nvSpPr>
+        <p:spPr>
+          <a:xfrm>
+            <a:off x="9069122" y="5215334"/>
+            <a:ext cx="548805" cy="369332"/>
+          </a:xfrm>
+          <a:prstGeom prst="rect">
+            <a:avLst/>
+          </a:prstGeom>
+          <a:noFill/>
+          <a:ln w="38100">
+            <a:noFill/>
+          </a:ln>
+        </p:spPr>
+        <p:txBody>
+          <a:bodyPr wrap="none" rtlCol="0">
+            <a:spAutoFit/>
+          </a:bodyPr>
+          <a:lstStyle/>
+          <a:p>
+            <a:r>
+              <a:rPr lang="en-US" b="1" dirty="0"/>
+              <a:t>Tall</a:t>
+            </a:r>
+            <a:endParaRPr lang="en-PH" b="1" dirty="0"/>
+          </a:p>
+        </p:txBody>
+      </p:sp>
+      <p:sp>
+        <p:nvSpPr>
+          <p:cNvPr id="7" name="TextBox 6">
+            <a:extLst>
+              <a:ext uri="{FF2B5EF4-FFF2-40B4-BE49-F238E27FC236}">
+                <a16:creationId xmlns:a16="http://schemas.microsoft.com/office/drawing/2014/main" id="{C156914E-6F46-9080-9440-22E62E0E4DB7}"/>
+              </a:ext>
+            </a:extLst>
+          </p:cNvPr>
+          <p:cNvSpPr txBox="1"/>
+          <p:nvPr/>
+        </p:nvSpPr>
+        <p:spPr>
+          <a:xfrm>
+            <a:off x="1613078" y="1458000"/>
+            <a:ext cx="1298112" cy="369332"/>
+          </a:xfrm>
+          <a:prstGeom prst="rect">
+            <a:avLst/>
+          </a:prstGeom>
+          <a:noFill/>
+          <a:ln w="38100">
+            <a:solidFill>
+              <a:srgbClr val="FF0000"/>
+            </a:solidFill>
+          </a:ln>
+        </p:spPr>
+        <p:txBody>
+          <a:bodyPr wrap="none" rtlCol="0">
+            <a:spAutoFit/>
+          </a:bodyPr>
+          <a:lstStyle/>
+          <a:p>
+            <a:r>
+              <a:rPr lang="en-US" dirty="0"/>
+              <a:t>More Likely</a:t>
+            </a:r>
+            <a:endParaRPr lang="en-PH" dirty="0"/>
+          </a:p>
+        </p:txBody>
+      </p:sp>
+      <p:sp>
+        <p:nvSpPr>
+          <p:cNvPr id="8" name="TextBox 7">
+            <a:extLst>
+              <a:ext uri="{FF2B5EF4-FFF2-40B4-BE49-F238E27FC236}">
+                <a16:creationId xmlns:a16="http://schemas.microsoft.com/office/drawing/2014/main" id="{D37B9660-F16C-140A-FF85-014C707ACEA3}"/>
+              </a:ext>
+            </a:extLst>
+          </p:cNvPr>
+          <p:cNvSpPr txBox="1"/>
+          <p:nvPr/>
+        </p:nvSpPr>
+        <p:spPr>
+          <a:xfrm>
+            <a:off x="1709899" y="3725216"/>
+            <a:ext cx="1199239" cy="369332"/>
+          </a:xfrm>
+          <a:prstGeom prst="rect">
+            <a:avLst/>
+          </a:prstGeom>
+          <a:noFill/>
+          <a:ln w="38100">
+            <a:solidFill>
+              <a:srgbClr val="FF0000"/>
+            </a:solidFill>
+          </a:ln>
+        </p:spPr>
+        <p:txBody>
+          <a:bodyPr wrap="none" rtlCol="0">
+            <a:spAutoFit/>
+          </a:bodyPr>
+          <a:lstStyle/>
+          <a:p>
+            <a:r>
+              <a:rPr lang="en-US" dirty="0"/>
+              <a:t>Less likely</a:t>
+            </a:r>
+            <a:endParaRPr lang="en-PH" dirty="0"/>
+          </a:p>
+        </p:txBody>
+      </p:sp>
+      <p:sp>
+        <p:nvSpPr>
+          <p:cNvPr id="9" name="TextBox 8">
+            <a:extLst>
+              <a:ext uri="{FF2B5EF4-FFF2-40B4-BE49-F238E27FC236}">
+                <a16:creationId xmlns:a16="http://schemas.microsoft.com/office/drawing/2014/main" id="{22719482-E95A-22DC-FB79-78B4A9B3C91F}"/>
+              </a:ext>
+            </a:extLst>
+          </p:cNvPr>
+          <p:cNvSpPr txBox="1"/>
+          <p:nvPr/>
+        </p:nvSpPr>
+        <p:spPr>
+          <a:xfrm>
+            <a:off x="6045089" y="5215334"/>
+            <a:ext cx="1013675" cy="369332"/>
+          </a:xfrm>
+          <a:prstGeom prst="rect">
+            <a:avLst/>
+          </a:prstGeom>
+          <a:noFill/>
+          <a:ln w="38100">
+            <a:noFill/>
+          </a:ln>
+        </p:spPr>
+        <p:txBody>
+          <a:bodyPr wrap="none" rtlCol="0">
+            <a:spAutoFit/>
+          </a:bodyPr>
+          <a:lstStyle/>
+          <a:p>
+            <a:r>
+              <a:rPr lang="en-US" b="1" dirty="0"/>
+              <a:t>Average</a:t>
+            </a:r>
+            <a:endParaRPr lang="en-PH" b="1" dirty="0"/>
+          </a:p>
+        </p:txBody>
+      </p:sp>
+    </p:spTree>
+    <p:extLst>
+      <p:ext uri="{BB962C8B-B14F-4D97-AF65-F5344CB8AC3E}">
+        <p14:creationId xmlns:p14="http://schemas.microsoft.com/office/powerpoint/2010/main" val="2912819228"/>
+      </p:ext>
+    </p:extLst>
+  </p:cSld>
+  <p:clrMapOvr>
+    <a:masterClrMapping/>
+  </p:clrMapOvr>
+</p:sld>
+</file>
+
+<file path=ppt/slides/slide11.xml><?xml version="1.0" encoding="utf-8"?>
+<p:sld xmlns:a="http://schemas.openxmlformats.org/drawingml/2006/main" xmlns:r="http://schemas.openxmlformats.org/officeDocument/2006/relationships" xmlns:p="http://schemas.openxmlformats.org/presentationml/2006/main" showMasterSp="0">
+  <p:cSld>
+    <p:spTree>
+      <p:nvGrpSpPr>
+        <p:cNvPr id="1" name="">
+          <a:extLst>
+            <a:ext uri="{FF2B5EF4-FFF2-40B4-BE49-F238E27FC236}">
+              <a16:creationId xmlns:a16="http://schemas.microsoft.com/office/drawing/2014/main" id="{884750D5-8A13-C697-2085-2925EC0C05BD}"/>
+            </a:ext>
+          </a:extLst>
+        </p:cNvPr>
+        <p:cNvGrpSpPr/>
+        <p:nvPr/>
+      </p:nvGrpSpPr>
+      <p:grpSpPr>
+        <a:xfrm>
+          <a:off x="0" y="0"/>
+          <a:ext cx="0" cy="0"/>
+          <a:chOff x="0" y="0"/>
+          <a:chExt cx="0" cy="0"/>
+        </a:xfrm>
+      </p:grpSpPr>
+      <p:pic>
+        <p:nvPicPr>
+          <p:cNvPr id="3" name="Picture 2" descr="A graph of a distribution of heights with Ryugyong Hotel in the background&#10;&#10;AI-generated content may be incorrect.">
+            <a:extLst>
+              <a:ext uri="{FF2B5EF4-FFF2-40B4-BE49-F238E27FC236}">
+                <a16:creationId xmlns:a16="http://schemas.microsoft.com/office/drawing/2014/main" id="{D04E00CC-C520-617B-43DD-BB4569D5C003}"/>
+              </a:ext>
+            </a:extLst>
+          </p:cNvPr>
+          <p:cNvPicPr>
+            <a:picLocks noChangeAspect="1"/>
+          </p:cNvPicPr>
+          <p:nvPr/>
+        </p:nvPicPr>
+        <p:blipFill>
+          <a:blip r:embed="rId2"/>
+          <a:stretch>
+            <a:fillRect/>
+          </a:stretch>
+        </p:blipFill>
+        <p:spPr>
+          <a:xfrm>
+            <a:off x="2315999" y="0"/>
+            <a:ext cx="7560001" cy="5400000"/>
+          </a:xfrm>
+          <a:prstGeom prst="rect">
+            <a:avLst/>
+          </a:prstGeom>
+        </p:spPr>
+      </p:pic>
+      <p:sp>
+        <p:nvSpPr>
+          <p:cNvPr id="4" name="Rectangle 3">
+            <a:extLst>
+              <a:ext uri="{FF2B5EF4-FFF2-40B4-BE49-F238E27FC236}">
+                <a16:creationId xmlns:a16="http://schemas.microsoft.com/office/drawing/2014/main" id="{F6D93D12-B3A8-BDF1-DD70-B8A9A8E4046A}"/>
+              </a:ext>
+            </a:extLst>
+          </p:cNvPr>
+          <p:cNvSpPr/>
+          <p:nvPr/>
+        </p:nvSpPr>
+        <p:spPr>
+          <a:xfrm>
+            <a:off x="2073285" y="1053462"/>
+            <a:ext cx="914400" cy="3293076"/>
+          </a:xfrm>
+          <a:prstGeom prst="rect">
+            <a:avLst/>
+          </a:prstGeom>
+          <a:solidFill>
+            <a:schemeClr val="bg1"/>
+          </a:solidFill>
+          <a:ln>
+            <a:noFill/>
+          </a:ln>
+        </p:spPr>
+        <p:style>
+          <a:lnRef idx="2">
+            <a:schemeClr val="accent1">
+              <a:shade val="15000"/>
+            </a:schemeClr>
+          </a:lnRef>
+          <a:fillRef idx="1">
+            <a:schemeClr val="accent1"/>
+          </a:fillRef>
+          <a:effectRef idx="0">
+            <a:schemeClr val="accent1"/>
+          </a:effectRef>
+          <a:fontRef idx="minor">
+            <a:schemeClr val="lt1"/>
+          </a:fontRef>
+        </p:style>
+        <p:txBody>
+          <a:bodyPr rtlCol="0" anchor="ctr"/>
+          <a:lstStyle/>
+          <a:p>
+            <a:pPr algn="ctr"/>
+            <a:endParaRPr lang="en-PH"/>
+          </a:p>
+        </p:txBody>
+      </p:sp>
+      <p:sp>
+        <p:nvSpPr>
+          <p:cNvPr id="12" name="TextBox 11">
+            <a:extLst>
+              <a:ext uri="{FF2B5EF4-FFF2-40B4-BE49-F238E27FC236}">
+                <a16:creationId xmlns:a16="http://schemas.microsoft.com/office/drawing/2014/main" id="{61F439BA-E5C3-6B66-EB3A-E897244EFC6D}"/>
+              </a:ext>
+            </a:extLst>
+          </p:cNvPr>
+          <p:cNvSpPr txBox="1"/>
+          <p:nvPr/>
+        </p:nvSpPr>
+        <p:spPr>
+          <a:xfrm>
+            <a:off x="1324060" y="5786003"/>
+            <a:ext cx="9543958" cy="861774"/>
+          </a:xfrm>
+          <a:prstGeom prst="rect">
+            <a:avLst/>
+          </a:prstGeom>
+          <a:noFill/>
+        </p:spPr>
+        <p:txBody>
+          <a:bodyPr wrap="none" rtlCol="0">
+            <a:spAutoFit/>
+          </a:bodyPr>
+          <a:lstStyle/>
+          <a:p>
+            <a:pPr algn="ctr"/>
+            <a:r>
+              <a:rPr lang="en-US" sz="2500" dirty="0"/>
+              <a:t>For example, it is rare to see someone who is super short, so the bell</a:t>
+            </a:r>
+          </a:p>
+          <a:p>
+            <a:pPr algn="ctr"/>
+            <a:r>
+              <a:rPr lang="en-US" sz="2500" dirty="0"/>
+              <a:t>shaped curve is low in this part of the graph</a:t>
+            </a:r>
+            <a:endParaRPr lang="en-PH" sz="2500" dirty="0"/>
+          </a:p>
+        </p:txBody>
+      </p:sp>
+      <p:sp>
+        <p:nvSpPr>
+          <p:cNvPr id="2" name="TextBox 1">
+            <a:extLst>
+              <a:ext uri="{FF2B5EF4-FFF2-40B4-BE49-F238E27FC236}">
+                <a16:creationId xmlns:a16="http://schemas.microsoft.com/office/drawing/2014/main" id="{6FBC861A-45BB-990A-9C7B-1A2E5026C3D5}"/>
+              </a:ext>
+            </a:extLst>
+          </p:cNvPr>
+          <p:cNvSpPr txBox="1"/>
+          <p:nvPr/>
+        </p:nvSpPr>
+        <p:spPr>
+          <a:xfrm>
+            <a:off x="3279397" y="5215334"/>
+            <a:ext cx="755335" cy="369332"/>
+          </a:xfrm>
+          <a:prstGeom prst="rect">
+            <a:avLst/>
+          </a:prstGeom>
+          <a:noFill/>
+          <a:ln w="38100">
+            <a:noFill/>
+          </a:ln>
+        </p:spPr>
+        <p:txBody>
+          <a:bodyPr wrap="none" rtlCol="0">
+            <a:spAutoFit/>
+          </a:bodyPr>
+          <a:lstStyle/>
+          <a:p>
+            <a:r>
+              <a:rPr lang="en-US" b="1" dirty="0"/>
+              <a:t>Short</a:t>
+            </a:r>
+            <a:endParaRPr lang="en-PH" b="1" dirty="0"/>
+          </a:p>
+        </p:txBody>
+      </p:sp>
+      <p:sp>
+        <p:nvSpPr>
+          <p:cNvPr id="5" name="TextBox 4">
+            <a:extLst>
+              <a:ext uri="{FF2B5EF4-FFF2-40B4-BE49-F238E27FC236}">
+                <a16:creationId xmlns:a16="http://schemas.microsoft.com/office/drawing/2014/main" id="{F084FAA8-9E2D-5E23-6C1B-85F59A4FDB7D}"/>
+              </a:ext>
+            </a:extLst>
+          </p:cNvPr>
+          <p:cNvSpPr txBox="1"/>
+          <p:nvPr/>
+        </p:nvSpPr>
+        <p:spPr>
+          <a:xfrm>
+            <a:off x="9069122" y="5215334"/>
+            <a:ext cx="548805" cy="369332"/>
+          </a:xfrm>
+          <a:prstGeom prst="rect">
+            <a:avLst/>
+          </a:prstGeom>
+          <a:noFill/>
+          <a:ln w="38100">
+            <a:noFill/>
+          </a:ln>
+        </p:spPr>
+        <p:txBody>
+          <a:bodyPr wrap="none" rtlCol="0">
+            <a:spAutoFit/>
+          </a:bodyPr>
+          <a:lstStyle/>
+          <a:p>
+            <a:r>
+              <a:rPr lang="en-US" b="1" dirty="0"/>
+              <a:t>Tall</a:t>
+            </a:r>
+            <a:endParaRPr lang="en-PH" b="1" dirty="0"/>
+          </a:p>
+        </p:txBody>
+      </p:sp>
+      <p:sp>
+        <p:nvSpPr>
+          <p:cNvPr id="7" name="TextBox 6">
+            <a:extLst>
+              <a:ext uri="{FF2B5EF4-FFF2-40B4-BE49-F238E27FC236}">
+                <a16:creationId xmlns:a16="http://schemas.microsoft.com/office/drawing/2014/main" id="{D2E30095-B3E0-7B55-889B-1D94AA72B2C4}"/>
+              </a:ext>
+            </a:extLst>
+          </p:cNvPr>
+          <p:cNvSpPr txBox="1"/>
+          <p:nvPr/>
+        </p:nvSpPr>
+        <p:spPr>
+          <a:xfrm>
+            <a:off x="1613078" y="1458000"/>
+            <a:ext cx="1298112" cy="369332"/>
+          </a:xfrm>
+          <a:prstGeom prst="rect">
+            <a:avLst/>
+          </a:prstGeom>
+          <a:noFill/>
+          <a:ln w="38100">
+            <a:noFill/>
+          </a:ln>
+        </p:spPr>
+        <p:txBody>
+          <a:bodyPr wrap="none" rtlCol="0">
+            <a:spAutoFit/>
+          </a:bodyPr>
+          <a:lstStyle/>
+          <a:p>
+            <a:r>
+              <a:rPr lang="en-US" dirty="0"/>
+              <a:t>More Likely</a:t>
+            </a:r>
+            <a:endParaRPr lang="en-PH" dirty="0"/>
+          </a:p>
+        </p:txBody>
+      </p:sp>
+      <p:sp>
+        <p:nvSpPr>
+          <p:cNvPr id="8" name="TextBox 7">
+            <a:extLst>
+              <a:ext uri="{FF2B5EF4-FFF2-40B4-BE49-F238E27FC236}">
+                <a16:creationId xmlns:a16="http://schemas.microsoft.com/office/drawing/2014/main" id="{D962D7AC-517A-D3F3-6BF9-183BF230D7F8}"/>
+              </a:ext>
+            </a:extLst>
+          </p:cNvPr>
+          <p:cNvSpPr txBox="1"/>
+          <p:nvPr/>
+        </p:nvSpPr>
+        <p:spPr>
+          <a:xfrm>
+            <a:off x="1709899" y="3725216"/>
+            <a:ext cx="1199239" cy="369332"/>
+          </a:xfrm>
+          <a:prstGeom prst="rect">
+            <a:avLst/>
+          </a:prstGeom>
+          <a:noFill/>
+          <a:ln w="38100">
+            <a:noFill/>
+          </a:ln>
+        </p:spPr>
+        <p:txBody>
+          <a:bodyPr wrap="none" rtlCol="0">
+            <a:spAutoFit/>
+          </a:bodyPr>
+          <a:lstStyle/>
+          <a:p>
+            <a:r>
+              <a:rPr lang="en-US" dirty="0"/>
+              <a:t>Less likely</a:t>
+            </a:r>
+            <a:endParaRPr lang="en-PH" dirty="0"/>
+          </a:p>
+        </p:txBody>
+      </p:sp>
+      <p:sp>
+        <p:nvSpPr>
+          <p:cNvPr id="6" name="Rectangle 5">
+            <a:extLst>
+              <a:ext uri="{FF2B5EF4-FFF2-40B4-BE49-F238E27FC236}">
+                <a16:creationId xmlns:a16="http://schemas.microsoft.com/office/drawing/2014/main" id="{011F587A-CEE4-7B19-67AD-6FA3F48C8B58}"/>
+              </a:ext>
+            </a:extLst>
+          </p:cNvPr>
+          <p:cNvSpPr/>
+          <p:nvPr/>
+        </p:nvSpPr>
+        <p:spPr>
+          <a:xfrm>
+            <a:off x="3272524" y="3876675"/>
+            <a:ext cx="914400" cy="1724662"/>
+          </a:xfrm>
+          <a:prstGeom prst="rect">
+            <a:avLst/>
+          </a:prstGeom>
+          <a:solidFill>
+            <a:srgbClr val="FF0000">
+              <a:alpha val="26000"/>
+            </a:srgbClr>
+          </a:solidFill>
+          <a:ln>
+            <a:noFill/>
+          </a:ln>
+        </p:spPr>
+        <p:style>
+          <a:lnRef idx="2">
+            <a:schemeClr val="accent1">
+              <a:shade val="15000"/>
+            </a:schemeClr>
+          </a:lnRef>
+          <a:fillRef idx="1">
+            <a:schemeClr val="accent1"/>
+          </a:fillRef>
+          <a:effectRef idx="0">
+            <a:schemeClr val="accent1"/>
+          </a:effectRef>
+          <a:fontRef idx="minor">
+            <a:schemeClr val="lt1"/>
+          </a:fontRef>
+        </p:style>
+        <p:txBody>
+          <a:bodyPr rtlCol="0" anchor="ctr"/>
+          <a:lstStyle/>
+          <a:p>
+            <a:pPr algn="ctr"/>
+            <a:endParaRPr lang="en-PH"/>
+          </a:p>
+        </p:txBody>
+      </p:sp>
+      <p:sp>
+        <p:nvSpPr>
+          <p:cNvPr id="9" name="TextBox 8">
+            <a:extLst>
+              <a:ext uri="{FF2B5EF4-FFF2-40B4-BE49-F238E27FC236}">
+                <a16:creationId xmlns:a16="http://schemas.microsoft.com/office/drawing/2014/main" id="{7DAFB33B-6933-875F-3686-4D0BF8ADE90F}"/>
+              </a:ext>
+            </a:extLst>
+          </p:cNvPr>
+          <p:cNvSpPr txBox="1"/>
+          <p:nvPr/>
+        </p:nvSpPr>
+        <p:spPr>
+          <a:xfrm>
+            <a:off x="6045089" y="5215334"/>
+            <a:ext cx="1013675" cy="369332"/>
+          </a:xfrm>
+          <a:prstGeom prst="rect">
+            <a:avLst/>
+          </a:prstGeom>
+          <a:noFill/>
+          <a:ln w="38100">
+            <a:noFill/>
+          </a:ln>
+        </p:spPr>
+        <p:txBody>
+          <a:bodyPr wrap="none" rtlCol="0">
+            <a:spAutoFit/>
+          </a:bodyPr>
+          <a:lstStyle/>
+          <a:p>
+            <a:r>
+              <a:rPr lang="en-US" b="1" dirty="0"/>
+              <a:t>Average</a:t>
+            </a:r>
+            <a:endParaRPr lang="en-PH" b="1" dirty="0"/>
+          </a:p>
+        </p:txBody>
+      </p:sp>
+    </p:spTree>
+    <p:extLst>
+      <p:ext uri="{BB962C8B-B14F-4D97-AF65-F5344CB8AC3E}">
+        <p14:creationId xmlns:p14="http://schemas.microsoft.com/office/powerpoint/2010/main" val="4174827434"/>
+      </p:ext>
+    </p:extLst>
+  </p:cSld>
+  <p:clrMapOvr>
+    <a:masterClrMapping/>
+  </p:clrMapOvr>
+</p:sld>
+</file>
+
+<file path=ppt/slides/slide12.xml><?xml version="1.0" encoding="utf-8"?>
+<p:sld xmlns:a="http://schemas.openxmlformats.org/drawingml/2006/main" xmlns:r="http://schemas.openxmlformats.org/officeDocument/2006/relationships" xmlns:p="http://schemas.openxmlformats.org/presentationml/2006/main" showMasterSp="0">
+  <p:cSld>
+    <p:spTree>
+      <p:nvGrpSpPr>
+        <p:cNvPr id="1" name="">
+          <a:extLst>
+            <a:ext uri="{FF2B5EF4-FFF2-40B4-BE49-F238E27FC236}">
+              <a16:creationId xmlns:a16="http://schemas.microsoft.com/office/drawing/2014/main" id="{03B94059-02E2-3CBE-B2B2-EC924705B034}"/>
+            </a:ext>
+          </a:extLst>
+        </p:cNvPr>
+        <p:cNvGrpSpPr/>
+        <p:nvPr/>
+      </p:nvGrpSpPr>
+      <p:grpSpPr>
+        <a:xfrm>
+          <a:off x="0" y="0"/>
+          <a:ext cx="0" cy="0"/>
+          <a:chOff x="0" y="0"/>
+          <a:chExt cx="0" cy="0"/>
+        </a:xfrm>
+      </p:grpSpPr>
+      <p:pic>
+        <p:nvPicPr>
+          <p:cNvPr id="3" name="Picture 2" descr="A graph of a distribution of heights with Ryugyong Hotel in the background&#10;&#10;AI-generated content may be incorrect.">
+            <a:extLst>
+              <a:ext uri="{FF2B5EF4-FFF2-40B4-BE49-F238E27FC236}">
+                <a16:creationId xmlns:a16="http://schemas.microsoft.com/office/drawing/2014/main" id="{F1A34B61-1A8D-FFC2-2F58-3C00C414ABCD}"/>
+              </a:ext>
+            </a:extLst>
+          </p:cNvPr>
+          <p:cNvPicPr>
+            <a:picLocks noChangeAspect="1"/>
+          </p:cNvPicPr>
+          <p:nvPr/>
+        </p:nvPicPr>
+        <p:blipFill>
+          <a:blip r:embed="rId2"/>
+          <a:stretch>
+            <a:fillRect/>
+          </a:stretch>
+        </p:blipFill>
+        <p:spPr>
+          <a:xfrm>
+            <a:off x="2315999" y="0"/>
+            <a:ext cx="7560001" cy="5400000"/>
+          </a:xfrm>
+          <a:prstGeom prst="rect">
+            <a:avLst/>
+          </a:prstGeom>
+        </p:spPr>
+      </p:pic>
+      <p:sp>
+        <p:nvSpPr>
+          <p:cNvPr id="4" name="Rectangle 3">
+            <a:extLst>
+              <a:ext uri="{FF2B5EF4-FFF2-40B4-BE49-F238E27FC236}">
+                <a16:creationId xmlns:a16="http://schemas.microsoft.com/office/drawing/2014/main" id="{B7756208-D572-C311-C0DD-B3CCFFF00E12}"/>
+              </a:ext>
+            </a:extLst>
+          </p:cNvPr>
+          <p:cNvSpPr/>
+          <p:nvPr/>
+        </p:nvSpPr>
+        <p:spPr>
+          <a:xfrm>
+            <a:off x="2073285" y="1053462"/>
+            <a:ext cx="914400" cy="3293076"/>
+          </a:xfrm>
+          <a:prstGeom prst="rect">
+            <a:avLst/>
+          </a:prstGeom>
+          <a:solidFill>
+            <a:schemeClr val="bg1"/>
+          </a:solidFill>
+          <a:ln>
+            <a:noFill/>
+          </a:ln>
+        </p:spPr>
+        <p:style>
+          <a:lnRef idx="2">
+            <a:schemeClr val="accent1">
+              <a:shade val="15000"/>
+            </a:schemeClr>
+          </a:lnRef>
+          <a:fillRef idx="1">
+            <a:schemeClr val="accent1"/>
+          </a:fillRef>
+          <a:effectRef idx="0">
+            <a:schemeClr val="accent1"/>
+          </a:effectRef>
+          <a:fontRef idx="minor">
+            <a:schemeClr val="lt1"/>
+          </a:fontRef>
+        </p:style>
+        <p:txBody>
+          <a:bodyPr rtlCol="0" anchor="ctr"/>
+          <a:lstStyle/>
+          <a:p>
+            <a:pPr algn="ctr"/>
+            <a:endParaRPr lang="en-PH"/>
+          </a:p>
+        </p:txBody>
+      </p:sp>
+      <p:sp>
+        <p:nvSpPr>
+          <p:cNvPr id="12" name="TextBox 11">
+            <a:extLst>
+              <a:ext uri="{FF2B5EF4-FFF2-40B4-BE49-F238E27FC236}">
+                <a16:creationId xmlns:a16="http://schemas.microsoft.com/office/drawing/2014/main" id="{198D2093-F3E7-1BC4-842D-49BBBEEC0BFC}"/>
+              </a:ext>
+            </a:extLst>
+          </p:cNvPr>
+          <p:cNvSpPr txBox="1"/>
+          <p:nvPr/>
+        </p:nvSpPr>
+        <p:spPr>
+          <a:xfrm>
+            <a:off x="104190" y="5786003"/>
+            <a:ext cx="11983729" cy="861774"/>
+          </a:xfrm>
+          <a:prstGeom prst="rect">
+            <a:avLst/>
+          </a:prstGeom>
+          <a:noFill/>
+        </p:spPr>
+        <p:txBody>
+          <a:bodyPr wrap="none" rtlCol="0">
+            <a:spAutoFit/>
+          </a:bodyPr>
+          <a:lstStyle/>
+          <a:p>
+            <a:pPr algn="ctr"/>
+            <a:r>
+              <a:rPr lang="en-US" sz="2500" dirty="0"/>
+              <a:t>But it is quite common to see someone who is close to the average height so the curve</a:t>
+            </a:r>
+          </a:p>
+          <a:p>
+            <a:pPr algn="ctr"/>
+            <a:r>
+              <a:rPr lang="en-US" sz="2500" dirty="0"/>
+              <a:t>is very tall in this part of the graph</a:t>
+            </a:r>
+            <a:endParaRPr lang="en-PH" sz="2500" dirty="0"/>
+          </a:p>
+        </p:txBody>
+      </p:sp>
+      <p:sp>
+        <p:nvSpPr>
+          <p:cNvPr id="2" name="TextBox 1">
+            <a:extLst>
+              <a:ext uri="{FF2B5EF4-FFF2-40B4-BE49-F238E27FC236}">
+                <a16:creationId xmlns:a16="http://schemas.microsoft.com/office/drawing/2014/main" id="{76BA227A-DEAC-0B3F-0667-F15FC8D2BC8D}"/>
+              </a:ext>
+            </a:extLst>
+          </p:cNvPr>
+          <p:cNvSpPr txBox="1"/>
+          <p:nvPr/>
+        </p:nvSpPr>
+        <p:spPr>
+          <a:xfrm>
+            <a:off x="3279397" y="5215334"/>
+            <a:ext cx="755335" cy="369332"/>
+          </a:xfrm>
+          <a:prstGeom prst="rect">
+            <a:avLst/>
+          </a:prstGeom>
+          <a:noFill/>
+          <a:ln w="38100">
+            <a:noFill/>
+          </a:ln>
+        </p:spPr>
+        <p:txBody>
+          <a:bodyPr wrap="none" rtlCol="0">
+            <a:spAutoFit/>
+          </a:bodyPr>
+          <a:lstStyle/>
+          <a:p>
+            <a:r>
+              <a:rPr lang="en-US" b="1" dirty="0"/>
+              <a:t>Short</a:t>
+            </a:r>
+            <a:endParaRPr lang="en-PH" b="1" dirty="0"/>
+          </a:p>
+        </p:txBody>
+      </p:sp>
+      <p:sp>
+        <p:nvSpPr>
+          <p:cNvPr id="5" name="TextBox 4">
+            <a:extLst>
+              <a:ext uri="{FF2B5EF4-FFF2-40B4-BE49-F238E27FC236}">
+                <a16:creationId xmlns:a16="http://schemas.microsoft.com/office/drawing/2014/main" id="{301222BC-123A-6E40-AE41-DB6EB586917C}"/>
+              </a:ext>
+            </a:extLst>
+          </p:cNvPr>
+          <p:cNvSpPr txBox="1"/>
+          <p:nvPr/>
+        </p:nvSpPr>
+        <p:spPr>
+          <a:xfrm>
+            <a:off x="9069122" y="5215334"/>
+            <a:ext cx="548805" cy="369332"/>
+          </a:xfrm>
+          <a:prstGeom prst="rect">
+            <a:avLst/>
+          </a:prstGeom>
+          <a:noFill/>
+          <a:ln w="38100">
+            <a:noFill/>
+          </a:ln>
+        </p:spPr>
+        <p:txBody>
+          <a:bodyPr wrap="none" rtlCol="0">
+            <a:spAutoFit/>
+          </a:bodyPr>
+          <a:lstStyle/>
+          <a:p>
+            <a:r>
+              <a:rPr lang="en-US" b="1" dirty="0"/>
+              <a:t>Tall</a:t>
+            </a:r>
+            <a:endParaRPr lang="en-PH" b="1" dirty="0"/>
+          </a:p>
+        </p:txBody>
+      </p:sp>
+      <p:sp>
+        <p:nvSpPr>
+          <p:cNvPr id="7" name="TextBox 6">
+            <a:extLst>
+              <a:ext uri="{FF2B5EF4-FFF2-40B4-BE49-F238E27FC236}">
+                <a16:creationId xmlns:a16="http://schemas.microsoft.com/office/drawing/2014/main" id="{B6F212BE-2461-0C62-2011-311E8833E28C}"/>
+              </a:ext>
+            </a:extLst>
+          </p:cNvPr>
+          <p:cNvSpPr txBox="1"/>
+          <p:nvPr/>
+        </p:nvSpPr>
+        <p:spPr>
+          <a:xfrm>
+            <a:off x="1613078" y="1458000"/>
+            <a:ext cx="1298112" cy="369332"/>
+          </a:xfrm>
+          <a:prstGeom prst="rect">
+            <a:avLst/>
+          </a:prstGeom>
+          <a:noFill/>
+          <a:ln w="38100">
+            <a:noFill/>
+          </a:ln>
+        </p:spPr>
+        <p:txBody>
+          <a:bodyPr wrap="none" rtlCol="0">
+            <a:spAutoFit/>
+          </a:bodyPr>
+          <a:lstStyle/>
+          <a:p>
+            <a:r>
+              <a:rPr lang="en-US" dirty="0"/>
+              <a:t>More Likely</a:t>
+            </a:r>
+            <a:endParaRPr lang="en-PH" dirty="0"/>
+          </a:p>
+        </p:txBody>
+      </p:sp>
+      <p:sp>
+        <p:nvSpPr>
+          <p:cNvPr id="8" name="TextBox 7">
+            <a:extLst>
+              <a:ext uri="{FF2B5EF4-FFF2-40B4-BE49-F238E27FC236}">
+                <a16:creationId xmlns:a16="http://schemas.microsoft.com/office/drawing/2014/main" id="{E749DEC1-329C-FE33-7537-13DEAD530080}"/>
+              </a:ext>
+            </a:extLst>
+          </p:cNvPr>
+          <p:cNvSpPr txBox="1"/>
+          <p:nvPr/>
+        </p:nvSpPr>
+        <p:spPr>
+          <a:xfrm>
+            <a:off x="1709899" y="3725216"/>
+            <a:ext cx="1199239" cy="369332"/>
+          </a:xfrm>
+          <a:prstGeom prst="rect">
+            <a:avLst/>
+          </a:prstGeom>
+          <a:noFill/>
+          <a:ln w="38100">
+            <a:noFill/>
+          </a:ln>
+        </p:spPr>
+        <p:txBody>
+          <a:bodyPr wrap="none" rtlCol="0">
+            <a:spAutoFit/>
+          </a:bodyPr>
+          <a:lstStyle/>
+          <a:p>
+            <a:r>
+              <a:rPr lang="en-US" dirty="0"/>
+              <a:t>Less likely</a:t>
+            </a:r>
+            <a:endParaRPr lang="en-PH" dirty="0"/>
+          </a:p>
+        </p:txBody>
+      </p:sp>
+      <p:sp>
+        <p:nvSpPr>
+          <p:cNvPr id="6" name="Rectangle 5">
+            <a:extLst>
+              <a:ext uri="{FF2B5EF4-FFF2-40B4-BE49-F238E27FC236}">
+                <a16:creationId xmlns:a16="http://schemas.microsoft.com/office/drawing/2014/main" id="{0BCE456D-2DA4-AE8D-58B9-A30032178724}"/>
+              </a:ext>
+            </a:extLst>
+          </p:cNvPr>
+          <p:cNvSpPr/>
+          <p:nvPr/>
+        </p:nvSpPr>
+        <p:spPr>
+          <a:xfrm>
+            <a:off x="5114926" y="942975"/>
+            <a:ext cx="2333624" cy="4658362"/>
+          </a:xfrm>
+          <a:prstGeom prst="rect">
+            <a:avLst/>
+          </a:prstGeom>
+          <a:solidFill>
+            <a:srgbClr val="FF0000">
+              <a:alpha val="26000"/>
+            </a:srgbClr>
+          </a:solidFill>
+          <a:ln>
+            <a:noFill/>
+          </a:ln>
+        </p:spPr>
+        <p:style>
+          <a:lnRef idx="2">
+            <a:schemeClr val="accent1">
+              <a:shade val="15000"/>
+            </a:schemeClr>
+          </a:lnRef>
+          <a:fillRef idx="1">
+            <a:schemeClr val="accent1"/>
+          </a:fillRef>
+          <a:effectRef idx="0">
+            <a:schemeClr val="accent1"/>
+          </a:effectRef>
+          <a:fontRef idx="minor">
+            <a:schemeClr val="lt1"/>
+          </a:fontRef>
+        </p:style>
+        <p:txBody>
+          <a:bodyPr rtlCol="0" anchor="ctr"/>
+          <a:lstStyle/>
+          <a:p>
+            <a:pPr algn="ctr"/>
+            <a:endParaRPr lang="en-PH"/>
+          </a:p>
+        </p:txBody>
+      </p:sp>
+      <p:sp>
+        <p:nvSpPr>
+          <p:cNvPr id="9" name="TextBox 8">
+            <a:extLst>
+              <a:ext uri="{FF2B5EF4-FFF2-40B4-BE49-F238E27FC236}">
+                <a16:creationId xmlns:a16="http://schemas.microsoft.com/office/drawing/2014/main" id="{B0ED60BF-7FCC-98EC-6117-968E3A360875}"/>
+              </a:ext>
+            </a:extLst>
+          </p:cNvPr>
+          <p:cNvSpPr txBox="1"/>
+          <p:nvPr/>
+        </p:nvSpPr>
+        <p:spPr>
+          <a:xfrm>
+            <a:off x="6045089" y="5215334"/>
+            <a:ext cx="1013675" cy="369332"/>
+          </a:xfrm>
+          <a:prstGeom prst="rect">
+            <a:avLst/>
+          </a:prstGeom>
+          <a:noFill/>
+          <a:ln w="38100">
+            <a:noFill/>
+          </a:ln>
+        </p:spPr>
+        <p:txBody>
+          <a:bodyPr wrap="none" rtlCol="0">
+            <a:spAutoFit/>
+          </a:bodyPr>
+          <a:lstStyle/>
+          <a:p>
+            <a:r>
+              <a:rPr lang="en-US" b="1" dirty="0"/>
+              <a:t>Average</a:t>
+            </a:r>
+            <a:endParaRPr lang="en-PH" b="1" dirty="0"/>
+          </a:p>
+        </p:txBody>
+      </p:sp>
+    </p:spTree>
+    <p:extLst>
+      <p:ext uri="{BB962C8B-B14F-4D97-AF65-F5344CB8AC3E}">
+        <p14:creationId xmlns:p14="http://schemas.microsoft.com/office/powerpoint/2010/main" val="2197985849"/>
+      </p:ext>
+    </p:extLst>
+  </p:cSld>
+  <p:clrMapOvr>
+    <a:masterClrMapping/>
+  </p:clrMapOvr>
+</p:sld>
+</file>
+
+<file path=ppt/slides/slide13.xml><?xml version="1.0" encoding="utf-8"?>
+<p:sld xmlns:a="http://schemas.openxmlformats.org/drawingml/2006/main" xmlns:r="http://schemas.openxmlformats.org/officeDocument/2006/relationships" xmlns:p="http://schemas.openxmlformats.org/presentationml/2006/main" showMasterSp="0">
+  <p:cSld>
+    <p:spTree>
+      <p:nvGrpSpPr>
+        <p:cNvPr id="1" name="">
+          <a:extLst>
+            <a:ext uri="{FF2B5EF4-FFF2-40B4-BE49-F238E27FC236}">
+              <a16:creationId xmlns:a16="http://schemas.microsoft.com/office/drawing/2014/main" id="{A41E0F39-6181-A67E-ECB3-300DBB8C511A}"/>
+            </a:ext>
+          </a:extLst>
+        </p:cNvPr>
+        <p:cNvGrpSpPr/>
+        <p:nvPr/>
+      </p:nvGrpSpPr>
+      <p:grpSpPr>
+        <a:xfrm>
+          <a:off x="0" y="0"/>
+          <a:ext cx="0" cy="0"/>
+          <a:chOff x="0" y="0"/>
+          <a:chExt cx="0" cy="0"/>
+        </a:xfrm>
+      </p:grpSpPr>
+      <p:pic>
+        <p:nvPicPr>
+          <p:cNvPr id="3" name="Picture 2" descr="A graph of a distribution of heights with Ryugyong Hotel in the background&#10;&#10;AI-generated content may be incorrect.">
+            <a:extLst>
+              <a:ext uri="{FF2B5EF4-FFF2-40B4-BE49-F238E27FC236}">
+                <a16:creationId xmlns:a16="http://schemas.microsoft.com/office/drawing/2014/main" id="{60BD1DE3-229C-4F8E-FDEB-7D2A62795B7B}"/>
+              </a:ext>
+            </a:extLst>
+          </p:cNvPr>
+          <p:cNvPicPr>
+            <a:picLocks noChangeAspect="1"/>
+          </p:cNvPicPr>
+          <p:nvPr/>
+        </p:nvPicPr>
+        <p:blipFill>
+          <a:blip r:embed="rId2"/>
+          <a:stretch>
+            <a:fillRect/>
+          </a:stretch>
+        </p:blipFill>
+        <p:spPr>
+          <a:xfrm>
+            <a:off x="2315999" y="0"/>
+            <a:ext cx="7560001" cy="5400000"/>
+          </a:xfrm>
+          <a:prstGeom prst="rect">
+            <a:avLst/>
+          </a:prstGeom>
+        </p:spPr>
+      </p:pic>
+      <p:sp>
+        <p:nvSpPr>
+          <p:cNvPr id="4" name="Rectangle 3">
+            <a:extLst>
+              <a:ext uri="{FF2B5EF4-FFF2-40B4-BE49-F238E27FC236}">
+                <a16:creationId xmlns:a16="http://schemas.microsoft.com/office/drawing/2014/main" id="{8DCEB331-EC70-D0D1-2E59-9166BBCCBD2F}"/>
+              </a:ext>
+            </a:extLst>
+          </p:cNvPr>
+          <p:cNvSpPr/>
+          <p:nvPr/>
+        </p:nvSpPr>
+        <p:spPr>
+          <a:xfrm>
+            <a:off x="2073285" y="1053462"/>
+            <a:ext cx="914400" cy="3293076"/>
+          </a:xfrm>
+          <a:prstGeom prst="rect">
+            <a:avLst/>
+          </a:prstGeom>
+          <a:solidFill>
+            <a:schemeClr val="bg1"/>
+          </a:solidFill>
+          <a:ln>
+            <a:noFill/>
+          </a:ln>
+        </p:spPr>
+        <p:style>
+          <a:lnRef idx="2">
+            <a:schemeClr val="accent1">
+              <a:shade val="15000"/>
+            </a:schemeClr>
+          </a:lnRef>
+          <a:fillRef idx="1">
+            <a:schemeClr val="accent1"/>
+          </a:fillRef>
+          <a:effectRef idx="0">
+            <a:schemeClr val="accent1"/>
+          </a:effectRef>
+          <a:fontRef idx="minor">
+            <a:schemeClr val="lt1"/>
+          </a:fontRef>
+        </p:style>
+        <p:txBody>
+          <a:bodyPr rtlCol="0" anchor="ctr"/>
+          <a:lstStyle/>
+          <a:p>
+            <a:pPr algn="ctr"/>
+            <a:endParaRPr lang="en-PH"/>
+          </a:p>
+        </p:txBody>
+      </p:sp>
+      <p:sp>
+        <p:nvSpPr>
+          <p:cNvPr id="12" name="TextBox 11">
+            <a:extLst>
+              <a:ext uri="{FF2B5EF4-FFF2-40B4-BE49-F238E27FC236}">
+                <a16:creationId xmlns:a16="http://schemas.microsoft.com/office/drawing/2014/main" id="{28D0F147-3B4E-5E24-00B6-94975C61E339}"/>
+              </a:ext>
+            </a:extLst>
+          </p:cNvPr>
+          <p:cNvSpPr txBox="1"/>
+          <p:nvPr/>
+        </p:nvSpPr>
+        <p:spPr>
+          <a:xfrm>
+            <a:off x="2275479" y="5786003"/>
+            <a:ext cx="7641194" cy="861774"/>
+          </a:xfrm>
+          <a:prstGeom prst="rect">
+            <a:avLst/>
+          </a:prstGeom>
+          <a:noFill/>
+        </p:spPr>
+        <p:txBody>
+          <a:bodyPr wrap="none" rtlCol="0">
+            <a:spAutoFit/>
+          </a:bodyPr>
+          <a:lstStyle/>
+          <a:p>
+            <a:pPr algn="ctr"/>
+            <a:r>
+              <a:rPr lang="en-US" sz="2500" dirty="0"/>
+              <a:t>And its relatively rare to see someone who is really tall </a:t>
+            </a:r>
+          </a:p>
+          <a:p>
+            <a:pPr algn="ctr"/>
+            <a:r>
+              <a:rPr lang="en-US" sz="2500" dirty="0"/>
+              <a:t>so the bell shaped curve is low in this part</a:t>
+            </a:r>
+            <a:endParaRPr lang="en-PH" sz="2500" dirty="0"/>
+          </a:p>
+        </p:txBody>
+      </p:sp>
+      <p:sp>
+        <p:nvSpPr>
+          <p:cNvPr id="2" name="TextBox 1">
+            <a:extLst>
+              <a:ext uri="{FF2B5EF4-FFF2-40B4-BE49-F238E27FC236}">
+                <a16:creationId xmlns:a16="http://schemas.microsoft.com/office/drawing/2014/main" id="{1ABD4875-4795-42EE-79BC-91E01430F588}"/>
+              </a:ext>
+            </a:extLst>
+          </p:cNvPr>
+          <p:cNvSpPr txBox="1"/>
+          <p:nvPr/>
+        </p:nvSpPr>
+        <p:spPr>
+          <a:xfrm>
+            <a:off x="3279397" y="5215334"/>
+            <a:ext cx="755335" cy="369332"/>
+          </a:xfrm>
+          <a:prstGeom prst="rect">
+            <a:avLst/>
+          </a:prstGeom>
+          <a:noFill/>
+          <a:ln w="38100">
+            <a:noFill/>
+          </a:ln>
+        </p:spPr>
+        <p:txBody>
+          <a:bodyPr wrap="none" rtlCol="0">
+            <a:spAutoFit/>
+          </a:bodyPr>
+          <a:lstStyle/>
+          <a:p>
+            <a:r>
+              <a:rPr lang="en-US" b="1" dirty="0"/>
+              <a:t>Short</a:t>
+            </a:r>
+            <a:endParaRPr lang="en-PH" b="1" dirty="0"/>
+          </a:p>
+        </p:txBody>
+      </p:sp>
+      <p:sp>
+        <p:nvSpPr>
+          <p:cNvPr id="5" name="TextBox 4">
+            <a:extLst>
+              <a:ext uri="{FF2B5EF4-FFF2-40B4-BE49-F238E27FC236}">
+                <a16:creationId xmlns:a16="http://schemas.microsoft.com/office/drawing/2014/main" id="{4A4F2FA1-FA83-9795-C126-4F9F7F03C246}"/>
+              </a:ext>
+            </a:extLst>
+          </p:cNvPr>
+          <p:cNvSpPr txBox="1"/>
+          <p:nvPr/>
+        </p:nvSpPr>
+        <p:spPr>
+          <a:xfrm>
+            <a:off x="9069122" y="5215334"/>
+            <a:ext cx="548805" cy="369332"/>
+          </a:xfrm>
+          <a:prstGeom prst="rect">
+            <a:avLst/>
+          </a:prstGeom>
+          <a:noFill/>
+          <a:ln w="38100">
+            <a:noFill/>
+          </a:ln>
+        </p:spPr>
+        <p:txBody>
+          <a:bodyPr wrap="none" rtlCol="0">
+            <a:spAutoFit/>
+          </a:bodyPr>
+          <a:lstStyle/>
+          <a:p>
+            <a:r>
+              <a:rPr lang="en-US" b="1" dirty="0"/>
+              <a:t>Tall</a:t>
+            </a:r>
+            <a:endParaRPr lang="en-PH" b="1" dirty="0"/>
+          </a:p>
+        </p:txBody>
+      </p:sp>
+      <p:sp>
+        <p:nvSpPr>
+          <p:cNvPr id="7" name="TextBox 6">
+            <a:extLst>
+              <a:ext uri="{FF2B5EF4-FFF2-40B4-BE49-F238E27FC236}">
+                <a16:creationId xmlns:a16="http://schemas.microsoft.com/office/drawing/2014/main" id="{FD62316D-99DF-7637-103F-4646CCCFEBFB}"/>
+              </a:ext>
+            </a:extLst>
+          </p:cNvPr>
+          <p:cNvSpPr txBox="1"/>
+          <p:nvPr/>
+        </p:nvSpPr>
+        <p:spPr>
+          <a:xfrm>
+            <a:off x="1613078" y="1458000"/>
+            <a:ext cx="1298112" cy="369332"/>
+          </a:xfrm>
+          <a:prstGeom prst="rect">
+            <a:avLst/>
+          </a:prstGeom>
+          <a:noFill/>
+          <a:ln w="38100">
+            <a:noFill/>
+          </a:ln>
+        </p:spPr>
+        <p:txBody>
+          <a:bodyPr wrap="none" rtlCol="0">
+            <a:spAutoFit/>
+          </a:bodyPr>
+          <a:lstStyle/>
+          <a:p>
+            <a:r>
+              <a:rPr lang="en-US" dirty="0"/>
+              <a:t>More Likely</a:t>
+            </a:r>
+            <a:endParaRPr lang="en-PH" dirty="0"/>
+          </a:p>
+        </p:txBody>
+      </p:sp>
+      <p:sp>
+        <p:nvSpPr>
+          <p:cNvPr id="8" name="TextBox 7">
+            <a:extLst>
+              <a:ext uri="{FF2B5EF4-FFF2-40B4-BE49-F238E27FC236}">
+                <a16:creationId xmlns:a16="http://schemas.microsoft.com/office/drawing/2014/main" id="{633D4843-3B17-C672-A2A0-48AB710243DA}"/>
+              </a:ext>
+            </a:extLst>
+          </p:cNvPr>
+          <p:cNvSpPr txBox="1"/>
+          <p:nvPr/>
+        </p:nvSpPr>
+        <p:spPr>
+          <a:xfrm>
+            <a:off x="1709899" y="3725216"/>
+            <a:ext cx="1199239" cy="369332"/>
+          </a:xfrm>
+          <a:prstGeom prst="rect">
+            <a:avLst/>
+          </a:prstGeom>
+          <a:noFill/>
+          <a:ln w="38100">
+            <a:noFill/>
+          </a:ln>
+        </p:spPr>
+        <p:txBody>
+          <a:bodyPr wrap="none" rtlCol="0">
+            <a:spAutoFit/>
+          </a:bodyPr>
+          <a:lstStyle/>
+          <a:p>
+            <a:r>
+              <a:rPr lang="en-US" dirty="0"/>
+              <a:t>Less likely</a:t>
+            </a:r>
+            <a:endParaRPr lang="en-PH" dirty="0"/>
+          </a:p>
+        </p:txBody>
+      </p:sp>
+      <p:sp>
+        <p:nvSpPr>
+          <p:cNvPr id="9" name="TextBox 8">
+            <a:extLst>
+              <a:ext uri="{FF2B5EF4-FFF2-40B4-BE49-F238E27FC236}">
+                <a16:creationId xmlns:a16="http://schemas.microsoft.com/office/drawing/2014/main" id="{F93A6C8D-716F-0505-4AB2-6450915777E8}"/>
+              </a:ext>
+            </a:extLst>
+          </p:cNvPr>
+          <p:cNvSpPr txBox="1"/>
+          <p:nvPr/>
+        </p:nvSpPr>
+        <p:spPr>
+          <a:xfrm>
+            <a:off x="6045089" y="5215334"/>
+            <a:ext cx="1013675" cy="369332"/>
+          </a:xfrm>
+          <a:prstGeom prst="rect">
+            <a:avLst/>
+          </a:prstGeom>
+          <a:noFill/>
+          <a:ln w="38100">
+            <a:noFill/>
+          </a:ln>
+        </p:spPr>
+        <p:txBody>
+          <a:bodyPr wrap="none" rtlCol="0">
+            <a:spAutoFit/>
+          </a:bodyPr>
+          <a:lstStyle/>
+          <a:p>
+            <a:r>
+              <a:rPr lang="en-US" b="1" dirty="0"/>
+              <a:t>Average</a:t>
+            </a:r>
+            <a:endParaRPr lang="en-PH" b="1" dirty="0"/>
+          </a:p>
+        </p:txBody>
+      </p:sp>
+      <p:sp>
+        <p:nvSpPr>
+          <p:cNvPr id="10" name="Rectangle 9">
+            <a:extLst>
+              <a:ext uri="{FF2B5EF4-FFF2-40B4-BE49-F238E27FC236}">
+                <a16:creationId xmlns:a16="http://schemas.microsoft.com/office/drawing/2014/main" id="{BE8A026E-E640-6727-69AB-7F64E838AEE0}"/>
+              </a:ext>
+            </a:extLst>
+          </p:cNvPr>
+          <p:cNvSpPr/>
+          <p:nvPr/>
+        </p:nvSpPr>
+        <p:spPr>
+          <a:xfrm>
+            <a:off x="8703527" y="3876675"/>
+            <a:ext cx="914400" cy="1724662"/>
+          </a:xfrm>
+          <a:prstGeom prst="rect">
+            <a:avLst/>
+          </a:prstGeom>
+          <a:solidFill>
+            <a:srgbClr val="FF0000">
+              <a:alpha val="26000"/>
+            </a:srgbClr>
+          </a:solidFill>
+          <a:ln>
+            <a:noFill/>
+          </a:ln>
+        </p:spPr>
+        <p:style>
+          <a:lnRef idx="2">
+            <a:schemeClr val="accent1">
+              <a:shade val="15000"/>
+            </a:schemeClr>
+          </a:lnRef>
+          <a:fillRef idx="1">
+            <a:schemeClr val="accent1"/>
+          </a:fillRef>
+          <a:effectRef idx="0">
+            <a:schemeClr val="accent1"/>
+          </a:effectRef>
+          <a:fontRef idx="minor">
+            <a:schemeClr val="lt1"/>
+          </a:fontRef>
+        </p:style>
+        <p:txBody>
+          <a:bodyPr rtlCol="0" anchor="ctr"/>
+          <a:lstStyle/>
+          <a:p>
+            <a:pPr algn="ctr"/>
+            <a:endParaRPr lang="en-PH"/>
+          </a:p>
+        </p:txBody>
+      </p:sp>
+    </p:spTree>
+    <p:extLst>
+      <p:ext uri="{BB962C8B-B14F-4D97-AF65-F5344CB8AC3E}">
+        <p14:creationId xmlns:p14="http://schemas.microsoft.com/office/powerpoint/2010/main" val="2379896532"/>
+      </p:ext>
+    </p:extLst>
+  </p:cSld>
+  <p:clrMapOvr>
+    <a:masterClrMapping/>
+  </p:clrMapOvr>
+</p:sld>
+</file>
+
+<file path=ppt/slides/slide14.xml><?xml version="1.0" encoding="utf-8"?>
+<p:sld xmlns:a="http://schemas.openxmlformats.org/drawingml/2006/main" xmlns:r="http://schemas.openxmlformats.org/officeDocument/2006/relationships" xmlns:p="http://schemas.openxmlformats.org/presentationml/2006/main" showMasterSp="0">
+  <p:cSld>
+    <p:spTree>
+      <p:nvGrpSpPr>
+        <p:cNvPr id="1" name="">
+          <a:extLst>
+            <a:ext uri="{FF2B5EF4-FFF2-40B4-BE49-F238E27FC236}">
+              <a16:creationId xmlns:a16="http://schemas.microsoft.com/office/drawing/2014/main" id="{4CB165D2-7D4B-8512-B72E-D356C4BF0490}"/>
+            </a:ext>
+          </a:extLst>
+        </p:cNvPr>
+        <p:cNvGrpSpPr/>
+        <p:nvPr/>
+      </p:nvGrpSpPr>
+      <p:grpSpPr>
+        <a:xfrm>
+          <a:off x="0" y="0"/>
+          <a:ext cx="0" cy="0"/>
+          <a:chOff x="0" y="0"/>
+          <a:chExt cx="0" cy="0"/>
+        </a:xfrm>
+      </p:grpSpPr>
+      <p:pic>
+        <p:nvPicPr>
+          <p:cNvPr id="16" name="Picture 15" descr="A graph of women and men&#10;&#10;AI-generated content may be incorrect.">
+            <a:extLst>
+              <a:ext uri="{FF2B5EF4-FFF2-40B4-BE49-F238E27FC236}">
+                <a16:creationId xmlns:a16="http://schemas.microsoft.com/office/drawing/2014/main" id="{09260392-1ED7-E335-3F73-7E9212E97320}"/>
+              </a:ext>
+            </a:extLst>
+          </p:cNvPr>
+          <p:cNvPicPr>
+            <a:picLocks noChangeAspect="1"/>
+          </p:cNvPicPr>
+          <p:nvPr/>
+        </p:nvPicPr>
+        <p:blipFill>
+          <a:blip r:embed="rId2"/>
+          <a:stretch>
+            <a:fillRect/>
+          </a:stretch>
+        </p:blipFill>
+        <p:spPr>
+          <a:xfrm>
+            <a:off x="2677978" y="0"/>
+            <a:ext cx="6836044" cy="5400000"/>
+          </a:xfrm>
+          <a:prstGeom prst="rect">
+            <a:avLst/>
+          </a:prstGeom>
+        </p:spPr>
+      </p:pic>
+      <p:sp>
+        <p:nvSpPr>
+          <p:cNvPr id="18" name="TextBox 17">
+            <a:extLst>
+              <a:ext uri="{FF2B5EF4-FFF2-40B4-BE49-F238E27FC236}">
+                <a16:creationId xmlns:a16="http://schemas.microsoft.com/office/drawing/2014/main" id="{DA39A786-E43A-F9D9-7145-D7045511E95C}"/>
+              </a:ext>
+            </a:extLst>
+          </p:cNvPr>
+          <p:cNvSpPr txBox="1"/>
+          <p:nvPr/>
+        </p:nvSpPr>
+        <p:spPr>
+          <a:xfrm>
+            <a:off x="1245597" y="5786003"/>
+            <a:ext cx="9700990" cy="477054"/>
+          </a:xfrm>
+          <a:prstGeom prst="rect">
+            <a:avLst/>
+          </a:prstGeom>
+          <a:noFill/>
+        </p:spPr>
+        <p:txBody>
+          <a:bodyPr wrap="none" rtlCol="0">
+            <a:spAutoFit/>
+          </a:bodyPr>
+          <a:lstStyle/>
+          <a:p>
+            <a:pPr algn="ctr"/>
+            <a:r>
+              <a:rPr lang="en-US" sz="2500" dirty="0"/>
+              <a:t>Normal distributions can vary depending on how the data is collected</a:t>
+            </a:r>
+            <a:endParaRPr lang="en-PH" sz="2500" dirty="0"/>
+          </a:p>
+        </p:txBody>
+      </p:sp>
+    </p:spTree>
+    <p:extLst>
+      <p:ext uri="{BB962C8B-B14F-4D97-AF65-F5344CB8AC3E}">
+        <p14:creationId xmlns:p14="http://schemas.microsoft.com/office/powerpoint/2010/main" val="4034195793"/>
+      </p:ext>
+    </p:extLst>
+  </p:cSld>
+  <p:clrMapOvr>
+    <a:masterClrMapping/>
+  </p:clrMapOvr>
+</p:sld>
+</file>
+
+<file path=ppt/slides/slide15.xml><?xml version="1.0" encoding="utf-8"?>
+<p:sld xmlns:a="http://schemas.openxmlformats.org/drawingml/2006/main" xmlns:r="http://schemas.openxmlformats.org/officeDocument/2006/relationships" xmlns:p="http://schemas.openxmlformats.org/presentationml/2006/main" showMasterSp="0">
+  <p:cSld>
+    <p:spTree>
+      <p:nvGrpSpPr>
+        <p:cNvPr id="1" name="">
+          <a:extLst>
+            <a:ext uri="{FF2B5EF4-FFF2-40B4-BE49-F238E27FC236}">
+              <a16:creationId xmlns:a16="http://schemas.microsoft.com/office/drawing/2014/main" id="{691D84F7-EF2D-89B4-34CC-C55BF46A4AD7}"/>
+            </a:ext>
+          </a:extLst>
+        </p:cNvPr>
+        <p:cNvGrpSpPr/>
+        <p:nvPr/>
+      </p:nvGrpSpPr>
+      <p:grpSpPr>
+        <a:xfrm>
+          <a:off x="0" y="0"/>
+          <a:ext cx="0" cy="0"/>
+          <a:chOff x="0" y="0"/>
+          <a:chExt cx="0" cy="0"/>
+        </a:xfrm>
+      </p:grpSpPr>
+      <p:pic>
+        <p:nvPicPr>
+          <p:cNvPr id="16" name="Picture 15" descr="A graph of women and men&#10;&#10;AI-generated content may be incorrect.">
+            <a:extLst>
+              <a:ext uri="{FF2B5EF4-FFF2-40B4-BE49-F238E27FC236}">
+                <a16:creationId xmlns:a16="http://schemas.microsoft.com/office/drawing/2014/main" id="{C741DC15-21E6-10A0-043C-ADD7E29392E7}"/>
+              </a:ext>
+            </a:extLst>
+          </p:cNvPr>
+          <p:cNvPicPr>
+            <a:picLocks noChangeAspect="1"/>
+          </p:cNvPicPr>
+          <p:nvPr/>
+        </p:nvPicPr>
+        <p:blipFill>
+          <a:blip r:embed="rId2"/>
+          <a:stretch>
+            <a:fillRect/>
+          </a:stretch>
+        </p:blipFill>
+        <p:spPr>
+          <a:xfrm>
+            <a:off x="2677978" y="0"/>
+            <a:ext cx="6836044" cy="5400000"/>
+          </a:xfrm>
+          <a:prstGeom prst="rect">
+            <a:avLst/>
+          </a:prstGeom>
+        </p:spPr>
+      </p:pic>
+      <p:sp>
+        <p:nvSpPr>
+          <p:cNvPr id="18" name="TextBox 17">
+            <a:extLst>
+              <a:ext uri="{FF2B5EF4-FFF2-40B4-BE49-F238E27FC236}">
+                <a16:creationId xmlns:a16="http://schemas.microsoft.com/office/drawing/2014/main" id="{404AED37-4220-22E9-7171-679F24E66210}"/>
+              </a:ext>
+            </a:extLst>
+          </p:cNvPr>
+          <p:cNvSpPr txBox="1"/>
+          <p:nvPr/>
+        </p:nvSpPr>
+        <p:spPr>
+          <a:xfrm>
+            <a:off x="3129325" y="5786003"/>
+            <a:ext cx="5933548" cy="477054"/>
+          </a:xfrm>
+          <a:prstGeom prst="rect">
+            <a:avLst/>
+          </a:prstGeom>
+          <a:noFill/>
+        </p:spPr>
+        <p:txBody>
+          <a:bodyPr wrap="none" rtlCol="0">
+            <a:spAutoFit/>
+          </a:bodyPr>
+          <a:lstStyle/>
+          <a:p>
+            <a:pPr algn="ctr"/>
+            <a:r>
+              <a:rPr lang="en-US" sz="2500" dirty="0"/>
+              <a:t>Here is a distribution of heights of </a:t>
+            </a:r>
+            <a:r>
+              <a:rPr lang="en-US" sz="2500" b="1" dirty="0">
+                <a:solidFill>
+                  <a:srgbClr val="7030A0"/>
+                </a:solidFill>
+              </a:rPr>
+              <a:t>Women</a:t>
+            </a:r>
+            <a:endParaRPr lang="en-PH" sz="2500" b="1" dirty="0">
+              <a:solidFill>
+                <a:srgbClr val="7030A0"/>
+              </a:solidFill>
+            </a:endParaRPr>
+          </a:p>
+        </p:txBody>
+      </p:sp>
+    </p:spTree>
+    <p:extLst>
+      <p:ext uri="{BB962C8B-B14F-4D97-AF65-F5344CB8AC3E}">
+        <p14:creationId xmlns:p14="http://schemas.microsoft.com/office/powerpoint/2010/main" val="3556143902"/>
+      </p:ext>
+    </p:extLst>
+  </p:cSld>
+  <p:clrMapOvr>
+    <a:masterClrMapping/>
+  </p:clrMapOvr>
+</p:sld>
+</file>
+
+<file path=ppt/slides/slide16.xml><?xml version="1.0" encoding="utf-8"?>
+<p:sld xmlns:a="http://schemas.openxmlformats.org/drawingml/2006/main" xmlns:r="http://schemas.openxmlformats.org/officeDocument/2006/relationships" xmlns:p="http://schemas.openxmlformats.org/presentationml/2006/main" showMasterSp="0">
+  <p:cSld>
+    <p:spTree>
+      <p:nvGrpSpPr>
+        <p:cNvPr id="1" name="">
+          <a:extLst>
+            <a:ext uri="{FF2B5EF4-FFF2-40B4-BE49-F238E27FC236}">
+              <a16:creationId xmlns:a16="http://schemas.microsoft.com/office/drawing/2014/main" id="{E67FE91C-C03D-4F57-5807-3D1807CC8E7B}"/>
+            </a:ext>
+          </a:extLst>
+        </p:cNvPr>
+        <p:cNvGrpSpPr/>
+        <p:nvPr/>
+      </p:nvGrpSpPr>
+      <p:grpSpPr>
+        <a:xfrm>
+          <a:off x="0" y="0"/>
+          <a:ext cx="0" cy="0"/>
+          <a:chOff x="0" y="0"/>
+          <a:chExt cx="0" cy="0"/>
+        </a:xfrm>
+      </p:grpSpPr>
+      <p:pic>
+        <p:nvPicPr>
+          <p:cNvPr id="2" name="Picture 1" descr="A graph of a height distribution&#10;&#10;AI-generated content may be incorrect.">
+            <a:extLst>
+              <a:ext uri="{FF2B5EF4-FFF2-40B4-BE49-F238E27FC236}">
+                <a16:creationId xmlns:a16="http://schemas.microsoft.com/office/drawing/2014/main" id="{A9747994-D3B3-FD77-E52C-BBB2308A72C0}"/>
+              </a:ext>
+            </a:extLst>
+          </p:cNvPr>
+          <p:cNvPicPr>
+            <a:picLocks noChangeAspect="1"/>
+          </p:cNvPicPr>
+          <p:nvPr/>
+        </p:nvPicPr>
+        <p:blipFill>
+          <a:blip r:embed="rId2"/>
+          <a:stretch>
+            <a:fillRect/>
+          </a:stretch>
+        </p:blipFill>
+        <p:spPr>
+          <a:xfrm>
+            <a:off x="2677978" y="94873"/>
+            <a:ext cx="6836044" cy="5400000"/>
+          </a:xfrm>
+          <a:prstGeom prst="rect">
+            <a:avLst/>
+          </a:prstGeom>
+        </p:spPr>
+      </p:pic>
+      <p:sp>
+        <p:nvSpPr>
+          <p:cNvPr id="3" name="TextBox 2">
+            <a:extLst>
+              <a:ext uri="{FF2B5EF4-FFF2-40B4-BE49-F238E27FC236}">
+                <a16:creationId xmlns:a16="http://schemas.microsoft.com/office/drawing/2014/main" id="{62E6AED6-2867-B5B0-1F05-5127CC113E0C}"/>
+              </a:ext>
+            </a:extLst>
+          </p:cNvPr>
+          <p:cNvSpPr txBox="1"/>
+          <p:nvPr/>
+        </p:nvSpPr>
+        <p:spPr>
+          <a:xfrm>
+            <a:off x="3352143" y="5786003"/>
+            <a:ext cx="5487913" cy="477054"/>
+          </a:xfrm>
+          <a:prstGeom prst="rect">
+            <a:avLst/>
+          </a:prstGeom>
+          <a:noFill/>
+        </p:spPr>
+        <p:txBody>
+          <a:bodyPr wrap="none" rtlCol="0">
+            <a:spAutoFit/>
+          </a:bodyPr>
+          <a:lstStyle/>
+          <a:p>
+            <a:pPr algn="ctr"/>
+            <a:r>
+              <a:rPr lang="en-US" sz="2500" dirty="0"/>
+              <a:t>Here is a distribution of heights of </a:t>
+            </a:r>
+            <a:r>
+              <a:rPr lang="en-US" sz="2500" b="1" dirty="0">
+                <a:solidFill>
+                  <a:srgbClr val="FFC000"/>
+                </a:solidFill>
+              </a:rPr>
+              <a:t>Men</a:t>
+            </a:r>
+            <a:endParaRPr lang="en-PH" sz="2500" b="1" dirty="0">
+              <a:solidFill>
+                <a:srgbClr val="FFC000"/>
+              </a:solidFill>
+            </a:endParaRPr>
+          </a:p>
+        </p:txBody>
+      </p:sp>
+    </p:spTree>
+    <p:extLst>
+      <p:ext uri="{BB962C8B-B14F-4D97-AF65-F5344CB8AC3E}">
+        <p14:creationId xmlns:p14="http://schemas.microsoft.com/office/powerpoint/2010/main" val="2692556856"/>
+      </p:ext>
+    </p:extLst>
+  </p:cSld>
+  <p:clrMapOvr>
+    <a:masterClrMapping/>
+  </p:clrMapOvr>
+</p:sld>
+</file>
+
+<file path=ppt/slides/slide17.xml><?xml version="1.0" encoding="utf-8"?>
+<p:sld xmlns:a="http://schemas.openxmlformats.org/drawingml/2006/main" xmlns:r="http://schemas.openxmlformats.org/officeDocument/2006/relationships" xmlns:p="http://schemas.openxmlformats.org/presentationml/2006/main" showMasterSp="0">
+  <p:cSld>
+    <p:spTree>
+      <p:nvGrpSpPr>
+        <p:cNvPr id="1" name="">
+          <a:extLst>
+            <a:ext uri="{FF2B5EF4-FFF2-40B4-BE49-F238E27FC236}">
+              <a16:creationId xmlns:a16="http://schemas.microsoft.com/office/drawing/2014/main" id="{A6B13BAC-7612-DF6A-1760-67FE2532DDA1}"/>
+            </a:ext>
+          </a:extLst>
+        </p:cNvPr>
+        <p:cNvGrpSpPr/>
+        <p:nvPr/>
+      </p:nvGrpSpPr>
+      <p:grpSpPr>
+        <a:xfrm>
+          <a:off x="0" y="0"/>
+          <a:ext cx="0" cy="0"/>
+          <a:chOff x="0" y="0"/>
+          <a:chExt cx="0" cy="0"/>
+        </a:xfrm>
+      </p:grpSpPr>
+      <p:pic>
+        <p:nvPicPr>
+          <p:cNvPr id="3" name="Picture 2" descr="A graph of height distribution&#10;&#10;AI-generated content may be incorrect.">
+            <a:extLst>
+              <a:ext uri="{FF2B5EF4-FFF2-40B4-BE49-F238E27FC236}">
+                <a16:creationId xmlns:a16="http://schemas.microsoft.com/office/drawing/2014/main" id="{F18ACEC3-FFE8-B4BF-6FA1-E8586BA42C46}"/>
+              </a:ext>
+            </a:extLst>
+          </p:cNvPr>
+          <p:cNvPicPr>
+            <a:picLocks noChangeAspect="1"/>
+          </p:cNvPicPr>
+          <p:nvPr/>
+        </p:nvPicPr>
+        <p:blipFill>
+          <a:blip r:embed="rId2"/>
+          <a:stretch>
+            <a:fillRect/>
+          </a:stretch>
+        </p:blipFill>
+        <p:spPr>
+          <a:xfrm>
+            <a:off x="2677978" y="0"/>
+            <a:ext cx="6836044" cy="5400000"/>
+          </a:xfrm>
+          <a:prstGeom prst="rect">
+            <a:avLst/>
+          </a:prstGeom>
+        </p:spPr>
+      </p:pic>
+      <p:sp>
+        <p:nvSpPr>
+          <p:cNvPr id="4" name="TextBox 3">
+            <a:extLst>
+              <a:ext uri="{FF2B5EF4-FFF2-40B4-BE49-F238E27FC236}">
+                <a16:creationId xmlns:a16="http://schemas.microsoft.com/office/drawing/2014/main" id="{A86685F7-8337-B7ED-7BEE-6ACDA0EFC34D}"/>
+              </a:ext>
+            </a:extLst>
+          </p:cNvPr>
+          <p:cNvSpPr txBox="1"/>
+          <p:nvPr/>
+        </p:nvSpPr>
+        <p:spPr>
+          <a:xfrm>
+            <a:off x="2503612" y="5786003"/>
+            <a:ext cx="7184980" cy="477054"/>
+          </a:xfrm>
+          <a:prstGeom prst="rect">
+            <a:avLst/>
+          </a:prstGeom>
+          <a:noFill/>
+        </p:spPr>
+        <p:txBody>
+          <a:bodyPr wrap="none" rtlCol="0">
+            <a:spAutoFit/>
+          </a:bodyPr>
+          <a:lstStyle/>
+          <a:p>
+            <a:pPr algn="ctr"/>
+            <a:r>
+              <a:rPr lang="en-US" sz="2500" dirty="0"/>
+              <a:t>And here is a distribution of heights of </a:t>
+            </a:r>
+            <a:r>
+              <a:rPr lang="en-US" sz="2500" b="1" dirty="0">
+                <a:solidFill>
+                  <a:srgbClr val="00B050"/>
+                </a:solidFill>
+              </a:rPr>
+              <a:t>NBA players</a:t>
+            </a:r>
+            <a:endParaRPr lang="en-PH" sz="2500" b="1" dirty="0">
+              <a:solidFill>
+                <a:srgbClr val="00B050"/>
+              </a:solidFill>
+            </a:endParaRPr>
+          </a:p>
+        </p:txBody>
+      </p:sp>
+    </p:spTree>
+    <p:extLst>
+      <p:ext uri="{BB962C8B-B14F-4D97-AF65-F5344CB8AC3E}">
+        <p14:creationId xmlns:p14="http://schemas.microsoft.com/office/powerpoint/2010/main" val="3167172458"/>
+      </p:ext>
+    </p:extLst>
+  </p:cSld>
+  <p:clrMapOvr>
+    <a:masterClrMapping/>
+  </p:clrMapOvr>
+</p:sld>
+</file>
+
+<file path=ppt/slides/slide18.xml><?xml version="1.0" encoding="utf-8"?>
+<p:sld xmlns:a="http://schemas.openxmlformats.org/drawingml/2006/main" xmlns:r="http://schemas.openxmlformats.org/officeDocument/2006/relationships" xmlns:p="http://schemas.openxmlformats.org/presentationml/2006/main" showMasterSp="0">
+  <p:cSld>
+    <p:spTree>
+      <p:nvGrpSpPr>
+        <p:cNvPr id="1" name="">
+          <a:extLst>
+            <a:ext uri="{FF2B5EF4-FFF2-40B4-BE49-F238E27FC236}">
+              <a16:creationId xmlns:a16="http://schemas.microsoft.com/office/drawing/2014/main" id="{60E132C5-4339-1D43-AEC6-CD144326D108}"/>
+            </a:ext>
+          </a:extLst>
+        </p:cNvPr>
+        <p:cNvGrpSpPr/>
+        <p:nvPr/>
+      </p:nvGrpSpPr>
+      <p:grpSpPr>
+        <a:xfrm>
+          <a:off x="0" y="0"/>
+          <a:ext cx="0" cy="0"/>
+          <a:chOff x="0" y="0"/>
+          <a:chExt cx="0" cy="0"/>
+        </a:xfrm>
+      </p:grpSpPr>
+      <p:pic>
+        <p:nvPicPr>
+          <p:cNvPr id="3" name="Picture 2" descr="A graph of height distribution&#10;&#10;AI-generated content may be incorrect.">
+            <a:extLst>
+              <a:ext uri="{FF2B5EF4-FFF2-40B4-BE49-F238E27FC236}">
+                <a16:creationId xmlns:a16="http://schemas.microsoft.com/office/drawing/2014/main" id="{9F7CB87E-5C6B-4FA9-0AA3-A45EFDDA81AF}"/>
+              </a:ext>
+            </a:extLst>
+          </p:cNvPr>
+          <p:cNvPicPr>
+            <a:picLocks noChangeAspect="1"/>
+          </p:cNvPicPr>
+          <p:nvPr/>
+        </p:nvPicPr>
+        <p:blipFill>
+          <a:blip r:embed="rId2"/>
+          <a:stretch>
+            <a:fillRect/>
+          </a:stretch>
+        </p:blipFill>
+        <p:spPr>
+          <a:xfrm>
+            <a:off x="2677978" y="0"/>
+            <a:ext cx="6836044" cy="5400000"/>
+          </a:xfrm>
+          <a:prstGeom prst="rect">
+            <a:avLst/>
+          </a:prstGeom>
+        </p:spPr>
+      </p:pic>
+      <p:sp>
+        <p:nvSpPr>
+          <p:cNvPr id="4" name="TextBox 3">
+            <a:extLst>
+              <a:ext uri="{FF2B5EF4-FFF2-40B4-BE49-F238E27FC236}">
+                <a16:creationId xmlns:a16="http://schemas.microsoft.com/office/drawing/2014/main" id="{A5E9B1B3-1DDD-A9FA-04EA-18D37D42427A}"/>
+              </a:ext>
+            </a:extLst>
+          </p:cNvPr>
+          <p:cNvSpPr txBox="1"/>
+          <p:nvPr/>
+        </p:nvSpPr>
+        <p:spPr>
+          <a:xfrm>
+            <a:off x="1314331" y="5786003"/>
+            <a:ext cx="9563579" cy="477054"/>
+          </a:xfrm>
+          <a:prstGeom prst="rect">
+            <a:avLst/>
+          </a:prstGeom>
+          <a:noFill/>
+        </p:spPr>
+        <p:txBody>
+          <a:bodyPr wrap="none" rtlCol="0">
+            <a:spAutoFit/>
+          </a:bodyPr>
+          <a:lstStyle/>
+          <a:p>
+            <a:pPr algn="ctr"/>
+            <a:r>
+              <a:rPr lang="en-US" sz="2500" dirty="0"/>
+              <a:t>Notice that the distribution of NBA players moved slightly to the right</a:t>
+            </a:r>
+          </a:p>
+        </p:txBody>
+      </p:sp>
+    </p:spTree>
+    <p:extLst>
+      <p:ext uri="{BB962C8B-B14F-4D97-AF65-F5344CB8AC3E}">
+        <p14:creationId xmlns:p14="http://schemas.microsoft.com/office/powerpoint/2010/main" val="422004166"/>
+      </p:ext>
+    </p:extLst>
+  </p:cSld>
+  <p:clrMapOvr>
+    <a:masterClrMapping/>
+  </p:clrMapOvr>
+</p:sld>
+</file>
+
+<file path=ppt/slides/slide19.xml><?xml version="1.0" encoding="utf-8"?>
+<p:sld xmlns:a="http://schemas.openxmlformats.org/drawingml/2006/main" xmlns:r="http://schemas.openxmlformats.org/officeDocument/2006/relationships" xmlns:p="http://schemas.openxmlformats.org/presentationml/2006/main" showMasterSp="0">
+  <p:cSld>
+    <p:spTree>
+      <p:nvGrpSpPr>
+        <p:cNvPr id="1" name="">
+          <a:extLst>
+            <a:ext uri="{FF2B5EF4-FFF2-40B4-BE49-F238E27FC236}">
+              <a16:creationId xmlns:a16="http://schemas.microsoft.com/office/drawing/2014/main" id="{2327A542-2D1B-6761-CBD4-A4D062855B77}"/>
+            </a:ext>
+          </a:extLst>
+        </p:cNvPr>
+        <p:cNvGrpSpPr/>
+        <p:nvPr/>
+      </p:nvGrpSpPr>
+      <p:grpSpPr>
+        <a:xfrm>
+          <a:off x="0" y="0"/>
+          <a:ext cx="0" cy="0"/>
+          <a:chOff x="0" y="0"/>
+          <a:chExt cx="0" cy="0"/>
+        </a:xfrm>
+      </p:grpSpPr>
+      <p:pic>
+        <p:nvPicPr>
+          <p:cNvPr id="3" name="Picture 2" descr="A graph of height distribution&#10;&#10;AI-generated content may be incorrect.">
+            <a:extLst>
+              <a:ext uri="{FF2B5EF4-FFF2-40B4-BE49-F238E27FC236}">
+                <a16:creationId xmlns:a16="http://schemas.microsoft.com/office/drawing/2014/main" id="{A3F6C858-720B-DBA2-BDF6-E16D66FDFE76}"/>
+              </a:ext>
+            </a:extLst>
+          </p:cNvPr>
+          <p:cNvPicPr>
+            <a:picLocks noChangeAspect="1"/>
+          </p:cNvPicPr>
+          <p:nvPr/>
+        </p:nvPicPr>
+        <p:blipFill>
+          <a:blip r:embed="rId2"/>
+          <a:stretch>
+            <a:fillRect/>
+          </a:stretch>
+        </p:blipFill>
+        <p:spPr>
+          <a:xfrm>
+            <a:off x="2677978" y="0"/>
+            <a:ext cx="6836044" cy="5400000"/>
+          </a:xfrm>
+          <a:prstGeom prst="rect">
+            <a:avLst/>
+          </a:prstGeom>
+        </p:spPr>
+      </p:pic>
+      <p:sp>
+        <p:nvSpPr>
+          <p:cNvPr id="4" name="TextBox 3">
+            <a:extLst>
+              <a:ext uri="{FF2B5EF4-FFF2-40B4-BE49-F238E27FC236}">
+                <a16:creationId xmlns:a16="http://schemas.microsoft.com/office/drawing/2014/main" id="{E960251F-8489-4D13-690E-CCD50E17075D}"/>
+              </a:ext>
+            </a:extLst>
+          </p:cNvPr>
+          <p:cNvSpPr txBox="1"/>
+          <p:nvPr/>
+        </p:nvSpPr>
+        <p:spPr>
+          <a:xfrm>
+            <a:off x="1250417" y="5786003"/>
+            <a:ext cx="9691436" cy="477054"/>
+          </a:xfrm>
+          <a:prstGeom prst="rect">
+            <a:avLst/>
+          </a:prstGeom>
+          <a:noFill/>
+        </p:spPr>
+        <p:txBody>
+          <a:bodyPr wrap="none" rtlCol="0">
+            <a:spAutoFit/>
+          </a:bodyPr>
+          <a:lstStyle/>
+          <a:p>
+            <a:pPr algn="ctr"/>
+            <a:r>
+              <a:rPr lang="en-US" sz="2500" dirty="0"/>
+              <a:t>Which tells us that the average height of NBA players are much higher.</a:t>
+            </a:r>
+          </a:p>
+        </p:txBody>
+      </p:sp>
+    </p:spTree>
+    <p:extLst>
+      <p:ext uri="{BB962C8B-B14F-4D97-AF65-F5344CB8AC3E}">
+        <p14:creationId xmlns:p14="http://schemas.microsoft.com/office/powerpoint/2010/main" val="312412593"/>
+      </p:ext>
+    </p:extLst>
+  </p:cSld>
+  <p:clrMapOvr>
+    <a:masterClrMapping/>
+  </p:clrMapOvr>
+</p:sld>
+</file>
+
 <file path=ppt/slides/slide2.xml><?xml version="1.0" encoding="utf-8"?>
 <p:sld xmlns:a="http://schemas.openxmlformats.org/drawingml/2006/main" xmlns:r="http://schemas.openxmlformats.org/officeDocument/2006/relationships" xmlns:p="http://schemas.openxmlformats.org/presentationml/2006/main">
   <p:cSld>
@@ -11600,7 +13963,7 @@
             </a:pPr>
             <a:r>
               <a:rPr lang="en-US" sz="4000" b="1" dirty="0"/>
-              <a:t>What is Principal Component Analysis?</a:t>
+              <a:t>What is a Gaussian Distribution?</a:t>
             </a:r>
           </a:p>
           <a:p>
@@ -11759,7 +14122,2421 @@
 </p:sld>
 </file>
 
+<file path=ppt/slides/slide20.xml><?xml version="1.0" encoding="utf-8"?>
+<p:sld xmlns:a="http://schemas.openxmlformats.org/drawingml/2006/main" xmlns:r="http://schemas.openxmlformats.org/officeDocument/2006/relationships" xmlns:p="http://schemas.openxmlformats.org/presentationml/2006/main" showMasterSp="0">
+  <p:cSld>
+    <p:spTree>
+      <p:nvGrpSpPr>
+        <p:cNvPr id="1" name="">
+          <a:extLst>
+            <a:ext uri="{FF2B5EF4-FFF2-40B4-BE49-F238E27FC236}">
+              <a16:creationId xmlns:a16="http://schemas.microsoft.com/office/drawing/2014/main" id="{99EC8F32-1E04-C8D1-9C5E-DE224008573F}"/>
+            </a:ext>
+          </a:extLst>
+        </p:cNvPr>
+        <p:cNvGrpSpPr/>
+        <p:nvPr/>
+      </p:nvGrpSpPr>
+      <p:grpSpPr>
+        <a:xfrm>
+          <a:off x="0" y="0"/>
+          <a:ext cx="0" cy="0"/>
+          <a:chOff x="0" y="0"/>
+          <a:chExt cx="0" cy="0"/>
+        </a:xfrm>
+      </p:grpSpPr>
+      <p:pic>
+        <p:nvPicPr>
+          <p:cNvPr id="7" name="Picture 6" descr="A graph of different colored lines&#10;&#10;AI-generated content may be incorrect.">
+            <a:extLst>
+              <a:ext uri="{FF2B5EF4-FFF2-40B4-BE49-F238E27FC236}">
+                <a16:creationId xmlns:a16="http://schemas.microsoft.com/office/drawing/2014/main" id="{74970E56-F319-6B62-3EDA-35006E575993}"/>
+              </a:ext>
+            </a:extLst>
+          </p:cNvPr>
+          <p:cNvPicPr>
+            <a:picLocks noChangeAspect="1"/>
+          </p:cNvPicPr>
+          <p:nvPr/>
+        </p:nvPicPr>
+        <p:blipFill>
+          <a:blip r:embed="rId2"/>
+          <a:stretch>
+            <a:fillRect/>
+          </a:stretch>
+        </p:blipFill>
+        <p:spPr>
+          <a:xfrm>
+            <a:off x="2677978" y="0"/>
+            <a:ext cx="6836044" cy="5400000"/>
+          </a:xfrm>
+          <a:prstGeom prst="rect">
+            <a:avLst/>
+          </a:prstGeom>
+        </p:spPr>
+      </p:pic>
+      <p:sp>
+        <p:nvSpPr>
+          <p:cNvPr id="2" name="TextBox 1">
+            <a:extLst>
+              <a:ext uri="{FF2B5EF4-FFF2-40B4-BE49-F238E27FC236}">
+                <a16:creationId xmlns:a16="http://schemas.microsoft.com/office/drawing/2014/main" id="{482D44A7-D162-77C5-BEB8-EC1E3BEF718F}"/>
+              </a:ext>
+            </a:extLst>
+          </p:cNvPr>
+          <p:cNvSpPr txBox="1"/>
+          <p:nvPr/>
+        </p:nvSpPr>
+        <p:spPr>
+          <a:xfrm>
+            <a:off x="747868" y="5786003"/>
+            <a:ext cx="10696583" cy="861774"/>
+          </a:xfrm>
+          <a:prstGeom prst="rect">
+            <a:avLst/>
+          </a:prstGeom>
+          <a:noFill/>
+        </p:spPr>
+        <p:txBody>
+          <a:bodyPr wrap="none" rtlCol="0">
+            <a:spAutoFit/>
+          </a:bodyPr>
+          <a:lstStyle/>
+          <a:p>
+            <a:pPr algn="ctr"/>
+            <a:r>
+              <a:rPr lang="en-US" sz="2500" dirty="0"/>
+              <a:t>We can see the comparison it by placing the </a:t>
+            </a:r>
+            <a:r>
+              <a:rPr lang="en-US" sz="2500" b="1" dirty="0">
+                <a:solidFill>
+                  <a:srgbClr val="7030A0"/>
+                </a:solidFill>
+              </a:rPr>
+              <a:t>Women</a:t>
+            </a:r>
+            <a:r>
+              <a:rPr lang="en-US" sz="2500" dirty="0"/>
+              <a:t>, </a:t>
+            </a:r>
+            <a:r>
+              <a:rPr lang="en-US" sz="2500" b="1" dirty="0">
+                <a:solidFill>
+                  <a:srgbClr val="FFC000"/>
+                </a:solidFill>
+              </a:rPr>
+              <a:t>Men</a:t>
+            </a:r>
+            <a:r>
+              <a:rPr lang="en-US" sz="2500" dirty="0"/>
+              <a:t> and </a:t>
+            </a:r>
+            <a:r>
+              <a:rPr lang="en-US" sz="2500" b="1" dirty="0">
+                <a:solidFill>
+                  <a:srgbClr val="00B050"/>
+                </a:solidFill>
+              </a:rPr>
+              <a:t>NBA Players </a:t>
+            </a:r>
+          </a:p>
+          <a:p>
+            <a:pPr algn="ctr"/>
+            <a:r>
+              <a:rPr lang="en-US" sz="2500" dirty="0"/>
+              <a:t>distributions side by side</a:t>
+            </a:r>
+          </a:p>
+        </p:txBody>
+      </p:sp>
+    </p:spTree>
+    <p:extLst>
+      <p:ext uri="{BB962C8B-B14F-4D97-AF65-F5344CB8AC3E}">
+        <p14:creationId xmlns:p14="http://schemas.microsoft.com/office/powerpoint/2010/main" val="1585249806"/>
+      </p:ext>
+    </p:extLst>
+  </p:cSld>
+  <p:clrMapOvr>
+    <a:masterClrMapping/>
+  </p:clrMapOvr>
+</p:sld>
+</file>
+
+<file path=ppt/slides/slide21.xml><?xml version="1.0" encoding="utf-8"?>
+<p:sld xmlns:a="http://schemas.openxmlformats.org/drawingml/2006/main" xmlns:r="http://schemas.openxmlformats.org/officeDocument/2006/relationships" xmlns:p="http://schemas.openxmlformats.org/presentationml/2006/main" showMasterSp="0">
+  <p:cSld>
+    <p:spTree>
+      <p:nvGrpSpPr>
+        <p:cNvPr id="1" name="">
+          <a:extLst>
+            <a:ext uri="{FF2B5EF4-FFF2-40B4-BE49-F238E27FC236}">
+              <a16:creationId xmlns:a16="http://schemas.microsoft.com/office/drawing/2014/main" id="{36581AB7-DA60-7BE0-2A21-A62905932B90}"/>
+            </a:ext>
+          </a:extLst>
+        </p:cNvPr>
+        <p:cNvGrpSpPr/>
+        <p:nvPr/>
+      </p:nvGrpSpPr>
+      <p:grpSpPr>
+        <a:xfrm>
+          <a:off x="0" y="0"/>
+          <a:ext cx="0" cy="0"/>
+          <a:chOff x="0" y="0"/>
+          <a:chExt cx="0" cy="0"/>
+        </a:xfrm>
+      </p:grpSpPr>
+      <p:pic>
+        <p:nvPicPr>
+          <p:cNvPr id="7" name="Picture 6" descr="A graph of different colored lines&#10;&#10;AI-generated content may be incorrect.">
+            <a:extLst>
+              <a:ext uri="{FF2B5EF4-FFF2-40B4-BE49-F238E27FC236}">
+                <a16:creationId xmlns:a16="http://schemas.microsoft.com/office/drawing/2014/main" id="{889CE3F0-FAC3-1B65-EE60-074F9179F56A}"/>
+              </a:ext>
+            </a:extLst>
+          </p:cNvPr>
+          <p:cNvPicPr>
+            <a:picLocks noChangeAspect="1"/>
+          </p:cNvPicPr>
+          <p:nvPr/>
+        </p:nvPicPr>
+        <p:blipFill>
+          <a:blip r:embed="rId2"/>
+          <a:stretch>
+            <a:fillRect/>
+          </a:stretch>
+        </p:blipFill>
+        <p:spPr>
+          <a:xfrm>
+            <a:off x="2677978" y="0"/>
+            <a:ext cx="6836044" cy="5400000"/>
+          </a:xfrm>
+          <a:prstGeom prst="rect">
+            <a:avLst/>
+          </a:prstGeom>
+        </p:spPr>
+      </p:pic>
+      <p:sp>
+        <p:nvSpPr>
+          <p:cNvPr id="2" name="TextBox 1">
+            <a:extLst>
+              <a:ext uri="{FF2B5EF4-FFF2-40B4-BE49-F238E27FC236}">
+                <a16:creationId xmlns:a16="http://schemas.microsoft.com/office/drawing/2014/main" id="{86852B0B-D458-F699-612E-500156CB8A8A}"/>
+              </a:ext>
+            </a:extLst>
+          </p:cNvPr>
+          <p:cNvSpPr txBox="1"/>
+          <p:nvPr/>
+        </p:nvSpPr>
+        <p:spPr>
+          <a:xfrm>
+            <a:off x="3125257" y="5786003"/>
+            <a:ext cx="5941819" cy="477054"/>
+          </a:xfrm>
+          <a:prstGeom prst="rect">
+            <a:avLst/>
+          </a:prstGeom>
+          <a:noFill/>
+        </p:spPr>
+        <p:txBody>
+          <a:bodyPr wrap="none" rtlCol="0">
+            <a:spAutoFit/>
+          </a:bodyPr>
+          <a:lstStyle/>
+          <a:p>
+            <a:pPr algn="ctr"/>
+            <a:r>
+              <a:rPr lang="en-US" sz="2500" dirty="0"/>
+              <a:t>The average height of </a:t>
+            </a:r>
+            <a:r>
+              <a:rPr lang="en-US" sz="2500" b="1" dirty="0">
+                <a:solidFill>
+                  <a:srgbClr val="7030A0"/>
+                </a:solidFill>
+              </a:rPr>
+              <a:t>Women</a:t>
+            </a:r>
+            <a:r>
+              <a:rPr lang="en-US" sz="2500" dirty="0"/>
+              <a:t> is </a:t>
+            </a:r>
+            <a:r>
+              <a:rPr lang="en-US" sz="2500" b="1" dirty="0"/>
+              <a:t>161.8 cm</a:t>
+            </a:r>
+          </a:p>
+        </p:txBody>
+      </p:sp>
+      <p:sp>
+        <p:nvSpPr>
+          <p:cNvPr id="3" name="Arrow: Down 2">
+            <a:extLst>
+              <a:ext uri="{FF2B5EF4-FFF2-40B4-BE49-F238E27FC236}">
+                <a16:creationId xmlns:a16="http://schemas.microsoft.com/office/drawing/2014/main" id="{D8B811B4-A24D-7166-1806-0C6FB89B710E}"/>
+              </a:ext>
+            </a:extLst>
+          </p:cNvPr>
+          <p:cNvSpPr/>
+          <p:nvPr/>
+        </p:nvSpPr>
+        <p:spPr>
+          <a:xfrm>
+            <a:off x="4762500" y="479592"/>
+            <a:ext cx="484632" cy="978408"/>
+          </a:xfrm>
+          <a:prstGeom prst="downArrow">
+            <a:avLst/>
+          </a:prstGeom>
+          <a:solidFill>
+            <a:srgbClr val="FF0000"/>
+          </a:solidFill>
+        </p:spPr>
+        <p:style>
+          <a:lnRef idx="2">
+            <a:schemeClr val="accent1">
+              <a:shade val="15000"/>
+            </a:schemeClr>
+          </a:lnRef>
+          <a:fillRef idx="1">
+            <a:schemeClr val="accent1"/>
+          </a:fillRef>
+          <a:effectRef idx="0">
+            <a:schemeClr val="accent1"/>
+          </a:effectRef>
+          <a:fontRef idx="minor">
+            <a:schemeClr val="lt1"/>
+          </a:fontRef>
+        </p:style>
+        <p:txBody>
+          <a:bodyPr rtlCol="0" anchor="ctr"/>
+          <a:lstStyle/>
+          <a:p>
+            <a:pPr algn="ctr"/>
+            <a:endParaRPr lang="en-PH"/>
+          </a:p>
+        </p:txBody>
+      </p:sp>
+    </p:spTree>
+    <p:extLst>
+      <p:ext uri="{BB962C8B-B14F-4D97-AF65-F5344CB8AC3E}">
+        <p14:creationId xmlns:p14="http://schemas.microsoft.com/office/powerpoint/2010/main" val="2585221708"/>
+      </p:ext>
+    </p:extLst>
+  </p:cSld>
+  <p:clrMapOvr>
+    <a:masterClrMapping/>
+  </p:clrMapOvr>
+</p:sld>
+</file>
+
+<file path=ppt/slides/slide22.xml><?xml version="1.0" encoding="utf-8"?>
+<p:sld xmlns:a="http://schemas.openxmlformats.org/drawingml/2006/main" xmlns:r="http://schemas.openxmlformats.org/officeDocument/2006/relationships" xmlns:p="http://schemas.openxmlformats.org/presentationml/2006/main" showMasterSp="0">
+  <p:cSld>
+    <p:spTree>
+      <p:nvGrpSpPr>
+        <p:cNvPr id="1" name="">
+          <a:extLst>
+            <a:ext uri="{FF2B5EF4-FFF2-40B4-BE49-F238E27FC236}">
+              <a16:creationId xmlns:a16="http://schemas.microsoft.com/office/drawing/2014/main" id="{66926F4E-5E5D-8DD8-6B87-332C8195DF73}"/>
+            </a:ext>
+          </a:extLst>
+        </p:cNvPr>
+        <p:cNvGrpSpPr/>
+        <p:nvPr/>
+      </p:nvGrpSpPr>
+      <p:grpSpPr>
+        <a:xfrm>
+          <a:off x="0" y="0"/>
+          <a:ext cx="0" cy="0"/>
+          <a:chOff x="0" y="0"/>
+          <a:chExt cx="0" cy="0"/>
+        </a:xfrm>
+      </p:grpSpPr>
+      <p:pic>
+        <p:nvPicPr>
+          <p:cNvPr id="7" name="Picture 6" descr="A graph of different colored lines&#10;&#10;AI-generated content may be incorrect.">
+            <a:extLst>
+              <a:ext uri="{FF2B5EF4-FFF2-40B4-BE49-F238E27FC236}">
+                <a16:creationId xmlns:a16="http://schemas.microsoft.com/office/drawing/2014/main" id="{321C52A7-2148-FE3D-95C0-73724C939B25}"/>
+              </a:ext>
+            </a:extLst>
+          </p:cNvPr>
+          <p:cNvPicPr>
+            <a:picLocks noChangeAspect="1"/>
+          </p:cNvPicPr>
+          <p:nvPr/>
+        </p:nvPicPr>
+        <p:blipFill>
+          <a:blip r:embed="rId2"/>
+          <a:stretch>
+            <a:fillRect/>
+          </a:stretch>
+        </p:blipFill>
+        <p:spPr>
+          <a:xfrm>
+            <a:off x="2677978" y="0"/>
+            <a:ext cx="6836044" cy="5400000"/>
+          </a:xfrm>
+          <a:prstGeom prst="rect">
+            <a:avLst/>
+          </a:prstGeom>
+        </p:spPr>
+      </p:pic>
+      <p:sp>
+        <p:nvSpPr>
+          <p:cNvPr id="2" name="TextBox 1">
+            <a:extLst>
+              <a:ext uri="{FF2B5EF4-FFF2-40B4-BE49-F238E27FC236}">
+                <a16:creationId xmlns:a16="http://schemas.microsoft.com/office/drawing/2014/main" id="{E8CFF2FB-F773-3694-09CF-FB66C4C2493E}"/>
+              </a:ext>
+            </a:extLst>
+          </p:cNvPr>
+          <p:cNvSpPr txBox="1"/>
+          <p:nvPr/>
+        </p:nvSpPr>
+        <p:spPr>
+          <a:xfrm>
+            <a:off x="3373788" y="5786003"/>
+            <a:ext cx="5444760" cy="477054"/>
+          </a:xfrm>
+          <a:prstGeom prst="rect">
+            <a:avLst/>
+          </a:prstGeom>
+          <a:noFill/>
+        </p:spPr>
+        <p:txBody>
+          <a:bodyPr wrap="none" rtlCol="0">
+            <a:spAutoFit/>
+          </a:bodyPr>
+          <a:lstStyle/>
+          <a:p>
+            <a:pPr algn="ctr"/>
+            <a:r>
+              <a:rPr lang="en-US" sz="2500" dirty="0"/>
+              <a:t>The average height of </a:t>
+            </a:r>
+            <a:r>
+              <a:rPr lang="en-US" sz="2500" b="1" dirty="0">
+                <a:solidFill>
+                  <a:srgbClr val="FFC000"/>
+                </a:solidFill>
+              </a:rPr>
+              <a:t>Men</a:t>
+            </a:r>
+            <a:r>
+              <a:rPr lang="en-US" sz="2500" dirty="0"/>
+              <a:t> is </a:t>
+            </a:r>
+            <a:r>
+              <a:rPr lang="en-US" sz="2500" b="1" dirty="0"/>
+              <a:t>175.6 cm</a:t>
+            </a:r>
+          </a:p>
+        </p:txBody>
+      </p:sp>
+      <p:sp>
+        <p:nvSpPr>
+          <p:cNvPr id="3" name="Arrow: Down 2">
+            <a:extLst>
+              <a:ext uri="{FF2B5EF4-FFF2-40B4-BE49-F238E27FC236}">
+                <a16:creationId xmlns:a16="http://schemas.microsoft.com/office/drawing/2014/main" id="{89023835-8DE7-4C52-2E26-FEB32EDAC389}"/>
+              </a:ext>
+            </a:extLst>
+          </p:cNvPr>
+          <p:cNvSpPr/>
+          <p:nvPr/>
+        </p:nvSpPr>
+        <p:spPr>
+          <a:xfrm>
+            <a:off x="4762500" y="479592"/>
+            <a:ext cx="484632" cy="978408"/>
+          </a:xfrm>
+          <a:prstGeom prst="downArrow">
+            <a:avLst/>
+          </a:prstGeom>
+          <a:solidFill>
+            <a:srgbClr val="FF0000"/>
+          </a:solidFill>
+        </p:spPr>
+        <p:style>
+          <a:lnRef idx="2">
+            <a:schemeClr val="accent1">
+              <a:shade val="15000"/>
+            </a:schemeClr>
+          </a:lnRef>
+          <a:fillRef idx="1">
+            <a:schemeClr val="accent1"/>
+          </a:fillRef>
+          <a:effectRef idx="0">
+            <a:schemeClr val="accent1"/>
+          </a:effectRef>
+          <a:fontRef idx="minor">
+            <a:schemeClr val="lt1"/>
+          </a:fontRef>
+        </p:style>
+        <p:txBody>
+          <a:bodyPr rtlCol="0" anchor="ctr"/>
+          <a:lstStyle/>
+          <a:p>
+            <a:pPr algn="ctr"/>
+            <a:endParaRPr lang="en-PH"/>
+          </a:p>
+        </p:txBody>
+      </p:sp>
+      <p:sp>
+        <p:nvSpPr>
+          <p:cNvPr id="4" name="Arrow: Down 3">
+            <a:extLst>
+              <a:ext uri="{FF2B5EF4-FFF2-40B4-BE49-F238E27FC236}">
+                <a16:creationId xmlns:a16="http://schemas.microsoft.com/office/drawing/2014/main" id="{03E6D9AF-5B6A-3EFE-5A58-40956791CE75}"/>
+              </a:ext>
+            </a:extLst>
+          </p:cNvPr>
+          <p:cNvSpPr/>
+          <p:nvPr/>
+        </p:nvSpPr>
+        <p:spPr>
+          <a:xfrm>
+            <a:off x="5511800" y="1139992"/>
+            <a:ext cx="484632" cy="978408"/>
+          </a:xfrm>
+          <a:prstGeom prst="downArrow">
+            <a:avLst/>
+          </a:prstGeom>
+          <a:solidFill>
+            <a:srgbClr val="FF0000"/>
+          </a:solidFill>
+        </p:spPr>
+        <p:style>
+          <a:lnRef idx="2">
+            <a:schemeClr val="accent1">
+              <a:shade val="15000"/>
+            </a:schemeClr>
+          </a:lnRef>
+          <a:fillRef idx="1">
+            <a:schemeClr val="accent1"/>
+          </a:fillRef>
+          <a:effectRef idx="0">
+            <a:schemeClr val="accent1"/>
+          </a:effectRef>
+          <a:fontRef idx="minor">
+            <a:schemeClr val="lt1"/>
+          </a:fontRef>
+        </p:style>
+        <p:txBody>
+          <a:bodyPr rtlCol="0" anchor="ctr"/>
+          <a:lstStyle/>
+          <a:p>
+            <a:pPr algn="ctr"/>
+            <a:endParaRPr lang="en-PH"/>
+          </a:p>
+        </p:txBody>
+      </p:sp>
+    </p:spTree>
+    <p:extLst>
+      <p:ext uri="{BB962C8B-B14F-4D97-AF65-F5344CB8AC3E}">
+        <p14:creationId xmlns:p14="http://schemas.microsoft.com/office/powerpoint/2010/main" val="2891592385"/>
+      </p:ext>
+    </p:extLst>
+  </p:cSld>
+  <p:clrMapOvr>
+    <a:masterClrMapping/>
+  </p:clrMapOvr>
+</p:sld>
+</file>
+
+<file path=ppt/slides/slide23.xml><?xml version="1.0" encoding="utf-8"?>
+<p:sld xmlns:a="http://schemas.openxmlformats.org/drawingml/2006/main" xmlns:r="http://schemas.openxmlformats.org/officeDocument/2006/relationships" xmlns:p="http://schemas.openxmlformats.org/presentationml/2006/main" showMasterSp="0">
+  <p:cSld>
+    <p:spTree>
+      <p:nvGrpSpPr>
+        <p:cNvPr id="1" name="">
+          <a:extLst>
+            <a:ext uri="{FF2B5EF4-FFF2-40B4-BE49-F238E27FC236}">
+              <a16:creationId xmlns:a16="http://schemas.microsoft.com/office/drawing/2014/main" id="{B9BB51AD-A3A9-DF66-93D0-84FA85F8C19D}"/>
+            </a:ext>
+          </a:extLst>
+        </p:cNvPr>
+        <p:cNvGrpSpPr/>
+        <p:nvPr/>
+      </p:nvGrpSpPr>
+      <p:grpSpPr>
+        <a:xfrm>
+          <a:off x="0" y="0"/>
+          <a:ext cx="0" cy="0"/>
+          <a:chOff x="0" y="0"/>
+          <a:chExt cx="0" cy="0"/>
+        </a:xfrm>
+      </p:grpSpPr>
+      <p:pic>
+        <p:nvPicPr>
+          <p:cNvPr id="7" name="Picture 6" descr="A graph of different colored lines&#10;&#10;AI-generated content may be incorrect.">
+            <a:extLst>
+              <a:ext uri="{FF2B5EF4-FFF2-40B4-BE49-F238E27FC236}">
+                <a16:creationId xmlns:a16="http://schemas.microsoft.com/office/drawing/2014/main" id="{0171282A-86AD-5B00-1F99-4C793E3BFD77}"/>
+              </a:ext>
+            </a:extLst>
+          </p:cNvPr>
+          <p:cNvPicPr>
+            <a:picLocks noChangeAspect="1"/>
+          </p:cNvPicPr>
+          <p:nvPr/>
+        </p:nvPicPr>
+        <p:blipFill>
+          <a:blip r:embed="rId2"/>
+          <a:stretch>
+            <a:fillRect/>
+          </a:stretch>
+        </p:blipFill>
+        <p:spPr>
+          <a:xfrm>
+            <a:off x="2677978" y="0"/>
+            <a:ext cx="6836044" cy="5400000"/>
+          </a:xfrm>
+          <a:prstGeom prst="rect">
+            <a:avLst/>
+          </a:prstGeom>
+        </p:spPr>
+      </p:pic>
+      <p:sp>
+        <p:nvSpPr>
+          <p:cNvPr id="2" name="TextBox 1">
+            <a:extLst>
+              <a:ext uri="{FF2B5EF4-FFF2-40B4-BE49-F238E27FC236}">
+                <a16:creationId xmlns:a16="http://schemas.microsoft.com/office/drawing/2014/main" id="{F64ACB49-DE68-EC78-CA3B-E9DEC570B6F5}"/>
+              </a:ext>
+            </a:extLst>
+          </p:cNvPr>
+          <p:cNvSpPr txBox="1"/>
+          <p:nvPr/>
+        </p:nvSpPr>
+        <p:spPr>
+          <a:xfrm>
+            <a:off x="2802574" y="5786003"/>
+            <a:ext cx="6587189" cy="477054"/>
+          </a:xfrm>
+          <a:prstGeom prst="rect">
+            <a:avLst/>
+          </a:prstGeom>
+          <a:noFill/>
+        </p:spPr>
+        <p:txBody>
+          <a:bodyPr wrap="none" rtlCol="0">
+            <a:spAutoFit/>
+          </a:bodyPr>
+          <a:lstStyle/>
+          <a:p>
+            <a:pPr algn="ctr"/>
+            <a:r>
+              <a:rPr lang="en-US" sz="2500" dirty="0"/>
+              <a:t>The average height of </a:t>
+            </a:r>
+            <a:r>
+              <a:rPr lang="en-US" sz="2500" b="1" dirty="0">
+                <a:solidFill>
+                  <a:srgbClr val="00B050"/>
+                </a:solidFill>
+              </a:rPr>
+              <a:t>NBA Players</a:t>
+            </a:r>
+            <a:r>
+              <a:rPr lang="en-US" sz="2500" dirty="0"/>
+              <a:t> is </a:t>
+            </a:r>
+            <a:r>
+              <a:rPr lang="en-US" sz="2500" b="1" dirty="0"/>
+              <a:t>200.3 cm</a:t>
+            </a:r>
+          </a:p>
+        </p:txBody>
+      </p:sp>
+      <p:sp>
+        <p:nvSpPr>
+          <p:cNvPr id="3" name="Arrow: Down 2">
+            <a:extLst>
+              <a:ext uri="{FF2B5EF4-FFF2-40B4-BE49-F238E27FC236}">
+                <a16:creationId xmlns:a16="http://schemas.microsoft.com/office/drawing/2014/main" id="{4F5C131D-FACC-D390-8DD0-0B075C1FEA80}"/>
+              </a:ext>
+            </a:extLst>
+          </p:cNvPr>
+          <p:cNvSpPr/>
+          <p:nvPr/>
+        </p:nvSpPr>
+        <p:spPr>
+          <a:xfrm>
+            <a:off x="6908800" y="1480392"/>
+            <a:ext cx="484632" cy="978408"/>
+          </a:xfrm>
+          <a:prstGeom prst="downArrow">
+            <a:avLst/>
+          </a:prstGeom>
+          <a:solidFill>
+            <a:srgbClr val="FF0000"/>
+          </a:solidFill>
+        </p:spPr>
+        <p:style>
+          <a:lnRef idx="2">
+            <a:schemeClr val="accent1">
+              <a:shade val="15000"/>
+            </a:schemeClr>
+          </a:lnRef>
+          <a:fillRef idx="1">
+            <a:schemeClr val="accent1"/>
+          </a:fillRef>
+          <a:effectRef idx="0">
+            <a:schemeClr val="accent1"/>
+          </a:effectRef>
+          <a:fontRef idx="minor">
+            <a:schemeClr val="lt1"/>
+          </a:fontRef>
+        </p:style>
+        <p:txBody>
+          <a:bodyPr rtlCol="0" anchor="ctr"/>
+          <a:lstStyle/>
+          <a:p>
+            <a:pPr algn="ctr"/>
+            <a:endParaRPr lang="en-PH"/>
+          </a:p>
+        </p:txBody>
+      </p:sp>
+      <p:sp>
+        <p:nvSpPr>
+          <p:cNvPr id="4" name="Arrow: Down 3">
+            <a:extLst>
+              <a:ext uri="{FF2B5EF4-FFF2-40B4-BE49-F238E27FC236}">
+                <a16:creationId xmlns:a16="http://schemas.microsoft.com/office/drawing/2014/main" id="{391E57EE-E046-9BCC-717A-FCEB6606F551}"/>
+              </a:ext>
+            </a:extLst>
+          </p:cNvPr>
+          <p:cNvSpPr/>
+          <p:nvPr/>
+        </p:nvSpPr>
+        <p:spPr>
+          <a:xfrm>
+            <a:off x="4762500" y="479592"/>
+            <a:ext cx="484632" cy="978408"/>
+          </a:xfrm>
+          <a:prstGeom prst="downArrow">
+            <a:avLst/>
+          </a:prstGeom>
+          <a:solidFill>
+            <a:srgbClr val="FF0000"/>
+          </a:solidFill>
+        </p:spPr>
+        <p:style>
+          <a:lnRef idx="2">
+            <a:schemeClr val="accent1">
+              <a:shade val="15000"/>
+            </a:schemeClr>
+          </a:lnRef>
+          <a:fillRef idx="1">
+            <a:schemeClr val="accent1"/>
+          </a:fillRef>
+          <a:effectRef idx="0">
+            <a:schemeClr val="accent1"/>
+          </a:effectRef>
+          <a:fontRef idx="minor">
+            <a:schemeClr val="lt1"/>
+          </a:fontRef>
+        </p:style>
+        <p:txBody>
+          <a:bodyPr rtlCol="0" anchor="ctr"/>
+          <a:lstStyle/>
+          <a:p>
+            <a:pPr algn="ctr"/>
+            <a:endParaRPr lang="en-PH"/>
+          </a:p>
+        </p:txBody>
+      </p:sp>
+      <p:sp>
+        <p:nvSpPr>
+          <p:cNvPr id="5" name="Arrow: Down 4">
+            <a:extLst>
+              <a:ext uri="{FF2B5EF4-FFF2-40B4-BE49-F238E27FC236}">
+                <a16:creationId xmlns:a16="http://schemas.microsoft.com/office/drawing/2014/main" id="{5B1C39E7-B479-0C75-1E38-45D36784E44D}"/>
+              </a:ext>
+            </a:extLst>
+          </p:cNvPr>
+          <p:cNvSpPr/>
+          <p:nvPr/>
+        </p:nvSpPr>
+        <p:spPr>
+          <a:xfrm>
+            <a:off x="5511800" y="1139992"/>
+            <a:ext cx="484632" cy="978408"/>
+          </a:xfrm>
+          <a:prstGeom prst="downArrow">
+            <a:avLst/>
+          </a:prstGeom>
+          <a:solidFill>
+            <a:srgbClr val="FF0000"/>
+          </a:solidFill>
+        </p:spPr>
+        <p:style>
+          <a:lnRef idx="2">
+            <a:schemeClr val="accent1">
+              <a:shade val="15000"/>
+            </a:schemeClr>
+          </a:lnRef>
+          <a:fillRef idx="1">
+            <a:schemeClr val="accent1"/>
+          </a:fillRef>
+          <a:effectRef idx="0">
+            <a:schemeClr val="accent1"/>
+          </a:effectRef>
+          <a:fontRef idx="minor">
+            <a:schemeClr val="lt1"/>
+          </a:fontRef>
+        </p:style>
+        <p:txBody>
+          <a:bodyPr rtlCol="0" anchor="ctr"/>
+          <a:lstStyle/>
+          <a:p>
+            <a:pPr algn="ctr"/>
+            <a:endParaRPr lang="en-PH"/>
+          </a:p>
+        </p:txBody>
+      </p:sp>
+    </p:spTree>
+    <p:extLst>
+      <p:ext uri="{BB962C8B-B14F-4D97-AF65-F5344CB8AC3E}">
+        <p14:creationId xmlns:p14="http://schemas.microsoft.com/office/powerpoint/2010/main" val="4175330723"/>
+      </p:ext>
+    </p:extLst>
+  </p:cSld>
+  <p:clrMapOvr>
+    <a:masterClrMapping/>
+  </p:clrMapOvr>
+</p:sld>
+</file>
+
+<file path=ppt/slides/slide24.xml><?xml version="1.0" encoding="utf-8"?>
+<p:sld xmlns:a="http://schemas.openxmlformats.org/drawingml/2006/main" xmlns:r="http://schemas.openxmlformats.org/officeDocument/2006/relationships" xmlns:p="http://schemas.openxmlformats.org/presentationml/2006/main" showMasterSp="0">
+  <p:cSld>
+    <p:spTree>
+      <p:nvGrpSpPr>
+        <p:cNvPr id="1" name="">
+          <a:extLst>
+            <a:ext uri="{FF2B5EF4-FFF2-40B4-BE49-F238E27FC236}">
+              <a16:creationId xmlns:a16="http://schemas.microsoft.com/office/drawing/2014/main" id="{0955C5A0-8F76-3FA3-D966-3A06ED37F2FA}"/>
+            </a:ext>
+          </a:extLst>
+        </p:cNvPr>
+        <p:cNvGrpSpPr/>
+        <p:nvPr/>
+      </p:nvGrpSpPr>
+      <p:grpSpPr>
+        <a:xfrm>
+          <a:off x="0" y="0"/>
+          <a:ext cx="0" cy="0"/>
+          <a:chOff x="0" y="0"/>
+          <a:chExt cx="0" cy="0"/>
+        </a:xfrm>
+      </p:grpSpPr>
+      <p:pic>
+        <p:nvPicPr>
+          <p:cNvPr id="7" name="Picture 6" descr="A graph of different colored lines&#10;&#10;AI-generated content may be incorrect.">
+            <a:extLst>
+              <a:ext uri="{FF2B5EF4-FFF2-40B4-BE49-F238E27FC236}">
+                <a16:creationId xmlns:a16="http://schemas.microsoft.com/office/drawing/2014/main" id="{68BFB494-FC17-AC11-2030-9CA7934B0655}"/>
+              </a:ext>
+            </a:extLst>
+          </p:cNvPr>
+          <p:cNvPicPr>
+            <a:picLocks noChangeAspect="1"/>
+          </p:cNvPicPr>
+          <p:nvPr/>
+        </p:nvPicPr>
+        <p:blipFill>
+          <a:blip r:embed="rId2"/>
+          <a:stretch>
+            <a:fillRect/>
+          </a:stretch>
+        </p:blipFill>
+        <p:spPr>
+          <a:xfrm>
+            <a:off x="2677978" y="0"/>
+            <a:ext cx="6836044" cy="5400000"/>
+          </a:xfrm>
+          <a:prstGeom prst="rect">
+            <a:avLst/>
+          </a:prstGeom>
+        </p:spPr>
+      </p:pic>
+      <p:sp>
+        <p:nvSpPr>
+          <p:cNvPr id="2" name="TextBox 1">
+            <a:extLst>
+              <a:ext uri="{FF2B5EF4-FFF2-40B4-BE49-F238E27FC236}">
+                <a16:creationId xmlns:a16="http://schemas.microsoft.com/office/drawing/2014/main" id="{7F9186BE-580D-FBF1-7C72-DF3D7B288E17}"/>
+              </a:ext>
+            </a:extLst>
+          </p:cNvPr>
+          <p:cNvSpPr txBox="1"/>
+          <p:nvPr/>
+        </p:nvSpPr>
+        <p:spPr>
+          <a:xfrm>
+            <a:off x="1708505" y="5786003"/>
+            <a:ext cx="8775351" cy="477054"/>
+          </a:xfrm>
+          <a:prstGeom prst="rect">
+            <a:avLst/>
+          </a:prstGeom>
+          <a:noFill/>
+        </p:spPr>
+        <p:txBody>
+          <a:bodyPr wrap="none" rtlCol="0">
+            <a:spAutoFit/>
+          </a:bodyPr>
+          <a:lstStyle/>
+          <a:p>
+            <a:pPr algn="ctr"/>
+            <a:r>
+              <a:rPr lang="en-US" sz="2500" dirty="0"/>
+              <a:t>Normal Distributions are always centered on the average value</a:t>
+            </a:r>
+            <a:endParaRPr lang="en-US" sz="2500" b="1" dirty="0"/>
+          </a:p>
+        </p:txBody>
+      </p:sp>
+      <p:sp>
+        <p:nvSpPr>
+          <p:cNvPr id="3" name="Arrow: Down 2">
+            <a:extLst>
+              <a:ext uri="{FF2B5EF4-FFF2-40B4-BE49-F238E27FC236}">
+                <a16:creationId xmlns:a16="http://schemas.microsoft.com/office/drawing/2014/main" id="{CBEBFF81-CDF0-6C9D-2D4C-DD40991247E3}"/>
+              </a:ext>
+            </a:extLst>
+          </p:cNvPr>
+          <p:cNvSpPr/>
+          <p:nvPr/>
+        </p:nvSpPr>
+        <p:spPr>
+          <a:xfrm>
+            <a:off x="6908800" y="1480392"/>
+            <a:ext cx="484632" cy="978408"/>
+          </a:xfrm>
+          <a:prstGeom prst="downArrow">
+            <a:avLst/>
+          </a:prstGeom>
+          <a:solidFill>
+            <a:srgbClr val="FF0000"/>
+          </a:solidFill>
+        </p:spPr>
+        <p:style>
+          <a:lnRef idx="2">
+            <a:schemeClr val="accent1">
+              <a:shade val="15000"/>
+            </a:schemeClr>
+          </a:lnRef>
+          <a:fillRef idx="1">
+            <a:schemeClr val="accent1"/>
+          </a:fillRef>
+          <a:effectRef idx="0">
+            <a:schemeClr val="accent1"/>
+          </a:effectRef>
+          <a:fontRef idx="minor">
+            <a:schemeClr val="lt1"/>
+          </a:fontRef>
+        </p:style>
+        <p:txBody>
+          <a:bodyPr rtlCol="0" anchor="ctr"/>
+          <a:lstStyle/>
+          <a:p>
+            <a:pPr algn="ctr"/>
+            <a:endParaRPr lang="en-PH"/>
+          </a:p>
+        </p:txBody>
+      </p:sp>
+      <p:sp>
+        <p:nvSpPr>
+          <p:cNvPr id="4" name="Arrow: Down 3">
+            <a:extLst>
+              <a:ext uri="{FF2B5EF4-FFF2-40B4-BE49-F238E27FC236}">
+                <a16:creationId xmlns:a16="http://schemas.microsoft.com/office/drawing/2014/main" id="{DA1BEE01-5BF2-012B-753C-2F007066D183}"/>
+              </a:ext>
+            </a:extLst>
+          </p:cNvPr>
+          <p:cNvSpPr/>
+          <p:nvPr/>
+        </p:nvSpPr>
+        <p:spPr>
+          <a:xfrm>
+            <a:off x="4762500" y="479592"/>
+            <a:ext cx="484632" cy="978408"/>
+          </a:xfrm>
+          <a:prstGeom prst="downArrow">
+            <a:avLst/>
+          </a:prstGeom>
+          <a:solidFill>
+            <a:srgbClr val="FF0000"/>
+          </a:solidFill>
+        </p:spPr>
+        <p:style>
+          <a:lnRef idx="2">
+            <a:schemeClr val="accent1">
+              <a:shade val="15000"/>
+            </a:schemeClr>
+          </a:lnRef>
+          <a:fillRef idx="1">
+            <a:schemeClr val="accent1"/>
+          </a:fillRef>
+          <a:effectRef idx="0">
+            <a:schemeClr val="accent1"/>
+          </a:effectRef>
+          <a:fontRef idx="minor">
+            <a:schemeClr val="lt1"/>
+          </a:fontRef>
+        </p:style>
+        <p:txBody>
+          <a:bodyPr rtlCol="0" anchor="ctr"/>
+          <a:lstStyle/>
+          <a:p>
+            <a:pPr algn="ctr"/>
+            <a:endParaRPr lang="en-PH"/>
+          </a:p>
+        </p:txBody>
+      </p:sp>
+      <p:sp>
+        <p:nvSpPr>
+          <p:cNvPr id="5" name="Arrow: Down 4">
+            <a:extLst>
+              <a:ext uri="{FF2B5EF4-FFF2-40B4-BE49-F238E27FC236}">
+                <a16:creationId xmlns:a16="http://schemas.microsoft.com/office/drawing/2014/main" id="{50213F95-57AE-D2E9-DA93-B4CDD6B23377}"/>
+              </a:ext>
+            </a:extLst>
+          </p:cNvPr>
+          <p:cNvSpPr/>
+          <p:nvPr/>
+        </p:nvSpPr>
+        <p:spPr>
+          <a:xfrm>
+            <a:off x="5511800" y="1139992"/>
+            <a:ext cx="484632" cy="978408"/>
+          </a:xfrm>
+          <a:prstGeom prst="downArrow">
+            <a:avLst/>
+          </a:prstGeom>
+          <a:solidFill>
+            <a:srgbClr val="FF0000"/>
+          </a:solidFill>
+        </p:spPr>
+        <p:style>
+          <a:lnRef idx="2">
+            <a:schemeClr val="accent1">
+              <a:shade val="15000"/>
+            </a:schemeClr>
+          </a:lnRef>
+          <a:fillRef idx="1">
+            <a:schemeClr val="accent1"/>
+          </a:fillRef>
+          <a:effectRef idx="0">
+            <a:schemeClr val="accent1"/>
+          </a:effectRef>
+          <a:fontRef idx="minor">
+            <a:schemeClr val="lt1"/>
+          </a:fontRef>
+        </p:style>
+        <p:txBody>
+          <a:bodyPr rtlCol="0" anchor="ctr"/>
+          <a:lstStyle/>
+          <a:p>
+            <a:pPr algn="ctr"/>
+            <a:endParaRPr lang="en-PH"/>
+          </a:p>
+        </p:txBody>
+      </p:sp>
+    </p:spTree>
+    <p:extLst>
+      <p:ext uri="{BB962C8B-B14F-4D97-AF65-F5344CB8AC3E}">
+        <p14:creationId xmlns:p14="http://schemas.microsoft.com/office/powerpoint/2010/main" val="3036682497"/>
+      </p:ext>
+    </p:extLst>
+  </p:cSld>
+  <p:clrMapOvr>
+    <a:masterClrMapping/>
+  </p:clrMapOvr>
+</p:sld>
+</file>
+
+<file path=ppt/slides/slide25.xml><?xml version="1.0" encoding="utf-8"?>
+<p:sld xmlns:a="http://schemas.openxmlformats.org/drawingml/2006/main" xmlns:r="http://schemas.openxmlformats.org/officeDocument/2006/relationships" xmlns:p="http://schemas.openxmlformats.org/presentationml/2006/main" showMasterSp="0">
+  <p:cSld>
+    <p:spTree>
+      <p:nvGrpSpPr>
+        <p:cNvPr id="1" name="">
+          <a:extLst>
+            <a:ext uri="{FF2B5EF4-FFF2-40B4-BE49-F238E27FC236}">
+              <a16:creationId xmlns:a16="http://schemas.microsoft.com/office/drawing/2014/main" id="{6990F719-554B-AB13-1986-4C1156A936AB}"/>
+            </a:ext>
+          </a:extLst>
+        </p:cNvPr>
+        <p:cNvGrpSpPr/>
+        <p:nvPr/>
+      </p:nvGrpSpPr>
+      <p:grpSpPr>
+        <a:xfrm>
+          <a:off x="0" y="0"/>
+          <a:ext cx="0" cy="0"/>
+          <a:chOff x="0" y="0"/>
+          <a:chExt cx="0" cy="0"/>
+        </a:xfrm>
+      </p:grpSpPr>
+      <p:pic>
+        <p:nvPicPr>
+          <p:cNvPr id="7" name="Picture 6" descr="A graph of different colored lines&#10;&#10;AI-generated content may be incorrect.">
+            <a:extLst>
+              <a:ext uri="{FF2B5EF4-FFF2-40B4-BE49-F238E27FC236}">
+                <a16:creationId xmlns:a16="http://schemas.microsoft.com/office/drawing/2014/main" id="{5E513D41-431F-43DA-8E8F-E1C431A25E7B}"/>
+              </a:ext>
+            </a:extLst>
+          </p:cNvPr>
+          <p:cNvPicPr>
+            <a:picLocks noChangeAspect="1"/>
+          </p:cNvPicPr>
+          <p:nvPr/>
+        </p:nvPicPr>
+        <p:blipFill>
+          <a:blip r:embed="rId2"/>
+          <a:stretch>
+            <a:fillRect/>
+          </a:stretch>
+        </p:blipFill>
+        <p:spPr>
+          <a:xfrm>
+            <a:off x="2677978" y="0"/>
+            <a:ext cx="6836044" cy="5400000"/>
+          </a:xfrm>
+          <a:prstGeom prst="rect">
+            <a:avLst/>
+          </a:prstGeom>
+        </p:spPr>
+      </p:pic>
+      <p:sp>
+        <p:nvSpPr>
+          <p:cNvPr id="2" name="TextBox 1">
+            <a:extLst>
+              <a:ext uri="{FF2B5EF4-FFF2-40B4-BE49-F238E27FC236}">
+                <a16:creationId xmlns:a16="http://schemas.microsoft.com/office/drawing/2014/main" id="{F3C95500-E0EC-1E12-5056-88FFDC2C81CC}"/>
+              </a:ext>
+            </a:extLst>
+          </p:cNvPr>
+          <p:cNvSpPr txBox="1"/>
+          <p:nvPr/>
+        </p:nvSpPr>
+        <p:spPr>
+          <a:xfrm>
+            <a:off x="1243846" y="5786003"/>
+            <a:ext cx="9704708" cy="861774"/>
+          </a:xfrm>
+          <a:prstGeom prst="rect">
+            <a:avLst/>
+          </a:prstGeom>
+          <a:noFill/>
+        </p:spPr>
+        <p:txBody>
+          <a:bodyPr wrap="none" rtlCol="0">
+            <a:spAutoFit/>
+          </a:bodyPr>
+          <a:lstStyle/>
+          <a:p>
+            <a:pPr algn="ctr"/>
+            <a:r>
+              <a:rPr lang="en-US" sz="2500" dirty="0"/>
+              <a:t>Just by looking at the graph, we can tell that there is a high probability </a:t>
+            </a:r>
+          </a:p>
+          <a:p>
+            <a:pPr algn="ctr"/>
+            <a:r>
+              <a:rPr lang="en-US" sz="2500" dirty="0"/>
+              <a:t>that a </a:t>
+            </a:r>
+            <a:r>
+              <a:rPr lang="en-US" sz="2500" b="1" dirty="0">
+                <a:solidFill>
+                  <a:srgbClr val="7030A0"/>
+                </a:solidFill>
+              </a:rPr>
+              <a:t>woman</a:t>
+            </a:r>
+            <a:r>
+              <a:rPr lang="en-US" sz="2500" dirty="0"/>
+              <a:t> will be between 150 to 170 cm</a:t>
+            </a:r>
+            <a:endParaRPr lang="en-US" sz="2500" b="1" dirty="0"/>
+          </a:p>
+        </p:txBody>
+      </p:sp>
+      <p:sp>
+        <p:nvSpPr>
+          <p:cNvPr id="4" name="Arrow: Down 3">
+            <a:extLst>
+              <a:ext uri="{FF2B5EF4-FFF2-40B4-BE49-F238E27FC236}">
+                <a16:creationId xmlns:a16="http://schemas.microsoft.com/office/drawing/2014/main" id="{CE8C19A3-DEE2-B8A2-FD32-3C3B19F52DDC}"/>
+              </a:ext>
+            </a:extLst>
+          </p:cNvPr>
+          <p:cNvSpPr/>
+          <p:nvPr/>
+        </p:nvSpPr>
+        <p:spPr>
+          <a:xfrm>
+            <a:off x="4762500" y="479592"/>
+            <a:ext cx="484632" cy="978408"/>
+          </a:xfrm>
+          <a:prstGeom prst="downArrow">
+            <a:avLst/>
+          </a:prstGeom>
+          <a:solidFill>
+            <a:srgbClr val="FF0000"/>
+          </a:solidFill>
+        </p:spPr>
+        <p:style>
+          <a:lnRef idx="2">
+            <a:schemeClr val="accent1">
+              <a:shade val="15000"/>
+            </a:schemeClr>
+          </a:lnRef>
+          <a:fillRef idx="1">
+            <a:schemeClr val="accent1"/>
+          </a:fillRef>
+          <a:effectRef idx="0">
+            <a:schemeClr val="accent1"/>
+          </a:effectRef>
+          <a:fontRef idx="minor">
+            <a:schemeClr val="lt1"/>
+          </a:fontRef>
+        </p:style>
+        <p:txBody>
+          <a:bodyPr rtlCol="0" anchor="ctr"/>
+          <a:lstStyle/>
+          <a:p>
+            <a:pPr algn="ctr"/>
+            <a:endParaRPr lang="en-PH"/>
+          </a:p>
+        </p:txBody>
+      </p:sp>
+      <p:sp>
+        <p:nvSpPr>
+          <p:cNvPr id="6" name="Rectangle 5">
+            <a:extLst>
+              <a:ext uri="{FF2B5EF4-FFF2-40B4-BE49-F238E27FC236}">
+                <a16:creationId xmlns:a16="http://schemas.microsoft.com/office/drawing/2014/main" id="{CD8C92CB-FECC-3CAD-9B48-7D42BCA333A4}"/>
+              </a:ext>
+            </a:extLst>
+          </p:cNvPr>
+          <p:cNvSpPr/>
+          <p:nvPr/>
+        </p:nvSpPr>
+        <p:spPr>
+          <a:xfrm>
+            <a:off x="4343400" y="370819"/>
+            <a:ext cx="1244600" cy="4658362"/>
+          </a:xfrm>
+          <a:prstGeom prst="rect">
+            <a:avLst/>
+          </a:prstGeom>
+          <a:solidFill>
+            <a:srgbClr val="FF0000">
+              <a:alpha val="26000"/>
+            </a:srgbClr>
+          </a:solidFill>
+          <a:ln>
+            <a:noFill/>
+          </a:ln>
+        </p:spPr>
+        <p:style>
+          <a:lnRef idx="2">
+            <a:schemeClr val="accent1">
+              <a:shade val="15000"/>
+            </a:schemeClr>
+          </a:lnRef>
+          <a:fillRef idx="1">
+            <a:schemeClr val="accent1"/>
+          </a:fillRef>
+          <a:effectRef idx="0">
+            <a:schemeClr val="accent1"/>
+          </a:effectRef>
+          <a:fontRef idx="minor">
+            <a:schemeClr val="lt1"/>
+          </a:fontRef>
+        </p:style>
+        <p:txBody>
+          <a:bodyPr rtlCol="0" anchor="ctr"/>
+          <a:lstStyle/>
+          <a:p>
+            <a:pPr algn="ctr"/>
+            <a:endParaRPr lang="en-PH"/>
+          </a:p>
+        </p:txBody>
+      </p:sp>
+    </p:spTree>
+    <p:extLst>
+      <p:ext uri="{BB962C8B-B14F-4D97-AF65-F5344CB8AC3E}">
+        <p14:creationId xmlns:p14="http://schemas.microsoft.com/office/powerpoint/2010/main" val="280312093"/>
+      </p:ext>
+    </p:extLst>
+  </p:cSld>
+  <p:clrMapOvr>
+    <a:masterClrMapping/>
+  </p:clrMapOvr>
+</p:sld>
+</file>
+
+<file path=ppt/slides/slide26.xml><?xml version="1.0" encoding="utf-8"?>
+<p:sld xmlns:a="http://schemas.openxmlformats.org/drawingml/2006/main" xmlns:r="http://schemas.openxmlformats.org/officeDocument/2006/relationships" xmlns:p="http://schemas.openxmlformats.org/presentationml/2006/main" showMasterSp="0">
+  <p:cSld>
+    <p:spTree>
+      <p:nvGrpSpPr>
+        <p:cNvPr id="1" name="">
+          <a:extLst>
+            <a:ext uri="{FF2B5EF4-FFF2-40B4-BE49-F238E27FC236}">
+              <a16:creationId xmlns:a16="http://schemas.microsoft.com/office/drawing/2014/main" id="{A1E37B01-EFE6-2439-1A64-3CC8130421C6}"/>
+            </a:ext>
+          </a:extLst>
+        </p:cNvPr>
+        <p:cNvGrpSpPr/>
+        <p:nvPr/>
+      </p:nvGrpSpPr>
+      <p:grpSpPr>
+        <a:xfrm>
+          <a:off x="0" y="0"/>
+          <a:ext cx="0" cy="0"/>
+          <a:chOff x="0" y="0"/>
+          <a:chExt cx="0" cy="0"/>
+        </a:xfrm>
+      </p:grpSpPr>
+      <p:pic>
+        <p:nvPicPr>
+          <p:cNvPr id="7" name="Picture 6" descr="A graph of different colored lines&#10;&#10;AI-generated content may be incorrect.">
+            <a:extLst>
+              <a:ext uri="{FF2B5EF4-FFF2-40B4-BE49-F238E27FC236}">
+                <a16:creationId xmlns:a16="http://schemas.microsoft.com/office/drawing/2014/main" id="{A716B36D-24D1-266D-01D5-A746EAFAB118}"/>
+              </a:ext>
+            </a:extLst>
+          </p:cNvPr>
+          <p:cNvPicPr>
+            <a:picLocks noChangeAspect="1"/>
+          </p:cNvPicPr>
+          <p:nvPr/>
+        </p:nvPicPr>
+        <p:blipFill>
+          <a:blip r:embed="rId2"/>
+          <a:stretch>
+            <a:fillRect/>
+          </a:stretch>
+        </p:blipFill>
+        <p:spPr>
+          <a:xfrm>
+            <a:off x="2677978" y="0"/>
+            <a:ext cx="6836044" cy="5400000"/>
+          </a:xfrm>
+          <a:prstGeom prst="rect">
+            <a:avLst/>
+          </a:prstGeom>
+        </p:spPr>
+      </p:pic>
+      <p:sp>
+        <p:nvSpPr>
+          <p:cNvPr id="2" name="TextBox 1">
+            <a:extLst>
+              <a:ext uri="{FF2B5EF4-FFF2-40B4-BE49-F238E27FC236}">
+                <a16:creationId xmlns:a16="http://schemas.microsoft.com/office/drawing/2014/main" id="{C6C2CE87-5837-59EF-ABE5-087EDAE34D20}"/>
+              </a:ext>
+            </a:extLst>
+          </p:cNvPr>
+          <p:cNvSpPr txBox="1"/>
+          <p:nvPr/>
+        </p:nvSpPr>
+        <p:spPr>
+          <a:xfrm>
+            <a:off x="2523588" y="5786003"/>
+            <a:ext cx="7145226" cy="861774"/>
+          </a:xfrm>
+          <a:prstGeom prst="rect">
+            <a:avLst/>
+          </a:prstGeom>
+          <a:noFill/>
+        </p:spPr>
+        <p:txBody>
+          <a:bodyPr wrap="none" rtlCol="0">
+            <a:spAutoFit/>
+          </a:bodyPr>
+          <a:lstStyle/>
+          <a:p>
+            <a:pPr algn="ctr"/>
+            <a:r>
+              <a:rPr lang="en-US" sz="2500" dirty="0"/>
+              <a:t>For </a:t>
+            </a:r>
+            <a:r>
+              <a:rPr lang="en-US" sz="2500" b="1" dirty="0">
+                <a:solidFill>
+                  <a:srgbClr val="0070C0"/>
+                </a:solidFill>
+              </a:rPr>
+              <a:t>men</a:t>
+            </a:r>
+            <a:r>
+              <a:rPr lang="en-US" sz="2500" dirty="0"/>
+              <a:t>, we can tell that there is a high probability </a:t>
+            </a:r>
+          </a:p>
+          <a:p>
+            <a:pPr algn="ctr"/>
+            <a:r>
+              <a:rPr lang="en-US" sz="2500" dirty="0"/>
+              <a:t>that a man will be between 165 to 182 cm</a:t>
+            </a:r>
+            <a:endParaRPr lang="en-US" sz="2500" b="1" dirty="0"/>
+          </a:p>
+        </p:txBody>
+      </p:sp>
+      <p:sp>
+        <p:nvSpPr>
+          <p:cNvPr id="6" name="Rectangle 5">
+            <a:extLst>
+              <a:ext uri="{FF2B5EF4-FFF2-40B4-BE49-F238E27FC236}">
+                <a16:creationId xmlns:a16="http://schemas.microsoft.com/office/drawing/2014/main" id="{8B1BDE98-8E56-6398-CB67-5C459E4580E9}"/>
+              </a:ext>
+            </a:extLst>
+          </p:cNvPr>
+          <p:cNvSpPr/>
+          <p:nvPr/>
+        </p:nvSpPr>
+        <p:spPr>
+          <a:xfrm>
+            <a:off x="5118100" y="370819"/>
+            <a:ext cx="1257300" cy="4658362"/>
+          </a:xfrm>
+          <a:prstGeom prst="rect">
+            <a:avLst/>
+          </a:prstGeom>
+          <a:solidFill>
+            <a:srgbClr val="FF0000">
+              <a:alpha val="26000"/>
+            </a:srgbClr>
+          </a:solidFill>
+          <a:ln>
+            <a:noFill/>
+          </a:ln>
+        </p:spPr>
+        <p:style>
+          <a:lnRef idx="2">
+            <a:schemeClr val="accent1">
+              <a:shade val="15000"/>
+            </a:schemeClr>
+          </a:lnRef>
+          <a:fillRef idx="1">
+            <a:schemeClr val="accent1"/>
+          </a:fillRef>
+          <a:effectRef idx="0">
+            <a:schemeClr val="accent1"/>
+          </a:effectRef>
+          <a:fontRef idx="minor">
+            <a:schemeClr val="lt1"/>
+          </a:fontRef>
+        </p:style>
+        <p:txBody>
+          <a:bodyPr rtlCol="0" anchor="ctr"/>
+          <a:lstStyle/>
+          <a:p>
+            <a:pPr algn="ctr"/>
+            <a:endParaRPr lang="en-PH"/>
+          </a:p>
+        </p:txBody>
+      </p:sp>
+      <p:sp>
+        <p:nvSpPr>
+          <p:cNvPr id="3" name="Arrow: Down 2">
+            <a:extLst>
+              <a:ext uri="{FF2B5EF4-FFF2-40B4-BE49-F238E27FC236}">
+                <a16:creationId xmlns:a16="http://schemas.microsoft.com/office/drawing/2014/main" id="{B871AE09-80FB-277F-B7D9-A56B26F38018}"/>
+              </a:ext>
+            </a:extLst>
+          </p:cNvPr>
+          <p:cNvSpPr/>
+          <p:nvPr/>
+        </p:nvSpPr>
+        <p:spPr>
+          <a:xfrm>
+            <a:off x="5511800" y="1139992"/>
+            <a:ext cx="484632" cy="978408"/>
+          </a:xfrm>
+          <a:prstGeom prst="downArrow">
+            <a:avLst/>
+          </a:prstGeom>
+          <a:solidFill>
+            <a:srgbClr val="FF0000"/>
+          </a:solidFill>
+        </p:spPr>
+        <p:style>
+          <a:lnRef idx="2">
+            <a:schemeClr val="accent1">
+              <a:shade val="15000"/>
+            </a:schemeClr>
+          </a:lnRef>
+          <a:fillRef idx="1">
+            <a:schemeClr val="accent1"/>
+          </a:fillRef>
+          <a:effectRef idx="0">
+            <a:schemeClr val="accent1"/>
+          </a:effectRef>
+          <a:fontRef idx="minor">
+            <a:schemeClr val="lt1"/>
+          </a:fontRef>
+        </p:style>
+        <p:txBody>
+          <a:bodyPr rtlCol="0" anchor="ctr"/>
+          <a:lstStyle/>
+          <a:p>
+            <a:pPr algn="ctr"/>
+            <a:endParaRPr lang="en-PH"/>
+          </a:p>
+        </p:txBody>
+      </p:sp>
+    </p:spTree>
+    <p:extLst>
+      <p:ext uri="{BB962C8B-B14F-4D97-AF65-F5344CB8AC3E}">
+        <p14:creationId xmlns:p14="http://schemas.microsoft.com/office/powerpoint/2010/main" val="3247680269"/>
+      </p:ext>
+    </p:extLst>
+  </p:cSld>
+  <p:clrMapOvr>
+    <a:masterClrMapping/>
+  </p:clrMapOvr>
+</p:sld>
+</file>
+
+<file path=ppt/slides/slide27.xml><?xml version="1.0" encoding="utf-8"?>
+<p:sld xmlns:a="http://schemas.openxmlformats.org/drawingml/2006/main" xmlns:r="http://schemas.openxmlformats.org/officeDocument/2006/relationships" xmlns:p="http://schemas.openxmlformats.org/presentationml/2006/main" showMasterSp="0">
+  <p:cSld>
+    <p:spTree>
+      <p:nvGrpSpPr>
+        <p:cNvPr id="1" name="">
+          <a:extLst>
+            <a:ext uri="{FF2B5EF4-FFF2-40B4-BE49-F238E27FC236}">
+              <a16:creationId xmlns:a16="http://schemas.microsoft.com/office/drawing/2014/main" id="{2425D8FD-3617-E60D-0DC4-0BD333A1D432}"/>
+            </a:ext>
+          </a:extLst>
+        </p:cNvPr>
+        <p:cNvGrpSpPr/>
+        <p:nvPr/>
+      </p:nvGrpSpPr>
+      <p:grpSpPr>
+        <a:xfrm>
+          <a:off x="0" y="0"/>
+          <a:ext cx="0" cy="0"/>
+          <a:chOff x="0" y="0"/>
+          <a:chExt cx="0" cy="0"/>
+        </a:xfrm>
+      </p:grpSpPr>
+      <p:pic>
+        <p:nvPicPr>
+          <p:cNvPr id="7" name="Picture 6" descr="A graph of different colored lines&#10;&#10;AI-generated content may be incorrect.">
+            <a:extLst>
+              <a:ext uri="{FF2B5EF4-FFF2-40B4-BE49-F238E27FC236}">
+                <a16:creationId xmlns:a16="http://schemas.microsoft.com/office/drawing/2014/main" id="{7C549CF9-D4DA-7DD9-F803-5D447C01784E}"/>
+              </a:ext>
+            </a:extLst>
+          </p:cNvPr>
+          <p:cNvPicPr>
+            <a:picLocks noChangeAspect="1"/>
+          </p:cNvPicPr>
+          <p:nvPr/>
+        </p:nvPicPr>
+        <p:blipFill>
+          <a:blip r:embed="rId2"/>
+          <a:stretch>
+            <a:fillRect/>
+          </a:stretch>
+        </p:blipFill>
+        <p:spPr>
+          <a:xfrm>
+            <a:off x="2677978" y="0"/>
+            <a:ext cx="6836044" cy="5400000"/>
+          </a:xfrm>
+          <a:prstGeom prst="rect">
+            <a:avLst/>
+          </a:prstGeom>
+        </p:spPr>
+      </p:pic>
+      <p:sp>
+        <p:nvSpPr>
+          <p:cNvPr id="2" name="TextBox 1">
+            <a:extLst>
+              <a:ext uri="{FF2B5EF4-FFF2-40B4-BE49-F238E27FC236}">
+                <a16:creationId xmlns:a16="http://schemas.microsoft.com/office/drawing/2014/main" id="{D24F72E2-3662-E5EC-6309-717A263CE789}"/>
+              </a:ext>
+            </a:extLst>
+          </p:cNvPr>
+          <p:cNvSpPr txBox="1"/>
+          <p:nvPr/>
+        </p:nvSpPr>
+        <p:spPr>
+          <a:xfrm>
+            <a:off x="1679067" y="5786003"/>
+            <a:ext cx="8834278" cy="861774"/>
+          </a:xfrm>
+          <a:prstGeom prst="rect">
+            <a:avLst/>
+          </a:prstGeom>
+          <a:noFill/>
+        </p:spPr>
+        <p:txBody>
+          <a:bodyPr wrap="none" rtlCol="0">
+            <a:spAutoFit/>
+          </a:bodyPr>
+          <a:lstStyle/>
+          <a:p>
+            <a:pPr algn="ctr"/>
+            <a:r>
+              <a:rPr lang="en-US" sz="2500" dirty="0"/>
+              <a:t>And for </a:t>
+            </a:r>
+            <a:r>
+              <a:rPr lang="en-US" sz="2500" b="1" dirty="0">
+                <a:solidFill>
+                  <a:srgbClr val="00B050"/>
+                </a:solidFill>
+              </a:rPr>
+              <a:t>NBA Players</a:t>
+            </a:r>
+            <a:r>
+              <a:rPr lang="en-US" sz="2500" dirty="0"/>
+              <a:t>, we can tell that there is a high probability </a:t>
+            </a:r>
+          </a:p>
+          <a:p>
+            <a:pPr algn="ctr"/>
+            <a:r>
+              <a:rPr lang="en-US" sz="2500" dirty="0"/>
+              <a:t>that a player will be between 185 to 210 cm</a:t>
+            </a:r>
+            <a:endParaRPr lang="en-US" sz="2500" b="1" dirty="0"/>
+          </a:p>
+        </p:txBody>
+      </p:sp>
+      <p:sp>
+        <p:nvSpPr>
+          <p:cNvPr id="6" name="Rectangle 5">
+            <a:extLst>
+              <a:ext uri="{FF2B5EF4-FFF2-40B4-BE49-F238E27FC236}">
+                <a16:creationId xmlns:a16="http://schemas.microsoft.com/office/drawing/2014/main" id="{1F0DD76E-AF6A-6492-482B-630DBBB12B4B}"/>
+              </a:ext>
+            </a:extLst>
+          </p:cNvPr>
+          <p:cNvSpPr/>
+          <p:nvPr/>
+        </p:nvSpPr>
+        <p:spPr>
+          <a:xfrm>
+            <a:off x="6248400" y="370819"/>
+            <a:ext cx="1778000" cy="4658362"/>
+          </a:xfrm>
+          <a:prstGeom prst="rect">
+            <a:avLst/>
+          </a:prstGeom>
+          <a:solidFill>
+            <a:srgbClr val="FF0000">
+              <a:alpha val="26000"/>
+            </a:srgbClr>
+          </a:solidFill>
+          <a:ln>
+            <a:noFill/>
+          </a:ln>
+        </p:spPr>
+        <p:style>
+          <a:lnRef idx="2">
+            <a:schemeClr val="accent1">
+              <a:shade val="15000"/>
+            </a:schemeClr>
+          </a:lnRef>
+          <a:fillRef idx="1">
+            <a:schemeClr val="accent1"/>
+          </a:fillRef>
+          <a:effectRef idx="0">
+            <a:schemeClr val="accent1"/>
+          </a:effectRef>
+          <a:fontRef idx="minor">
+            <a:schemeClr val="lt1"/>
+          </a:fontRef>
+        </p:style>
+        <p:txBody>
+          <a:bodyPr rtlCol="0" anchor="ctr"/>
+          <a:lstStyle/>
+          <a:p>
+            <a:pPr algn="ctr"/>
+            <a:endParaRPr lang="en-PH"/>
+          </a:p>
+        </p:txBody>
+      </p:sp>
+      <p:sp>
+        <p:nvSpPr>
+          <p:cNvPr id="3" name="Arrow: Down 2">
+            <a:extLst>
+              <a:ext uri="{FF2B5EF4-FFF2-40B4-BE49-F238E27FC236}">
+                <a16:creationId xmlns:a16="http://schemas.microsoft.com/office/drawing/2014/main" id="{3E57837B-B86F-89B8-22CB-E505428EB030}"/>
+              </a:ext>
+            </a:extLst>
+          </p:cNvPr>
+          <p:cNvSpPr/>
+          <p:nvPr/>
+        </p:nvSpPr>
+        <p:spPr>
+          <a:xfrm>
+            <a:off x="6943443" y="1368592"/>
+            <a:ext cx="484632" cy="978408"/>
+          </a:xfrm>
+          <a:prstGeom prst="downArrow">
+            <a:avLst/>
+          </a:prstGeom>
+          <a:solidFill>
+            <a:srgbClr val="FF0000"/>
+          </a:solidFill>
+        </p:spPr>
+        <p:style>
+          <a:lnRef idx="2">
+            <a:schemeClr val="accent1">
+              <a:shade val="15000"/>
+            </a:schemeClr>
+          </a:lnRef>
+          <a:fillRef idx="1">
+            <a:schemeClr val="accent1"/>
+          </a:fillRef>
+          <a:effectRef idx="0">
+            <a:schemeClr val="accent1"/>
+          </a:effectRef>
+          <a:fontRef idx="minor">
+            <a:schemeClr val="lt1"/>
+          </a:fontRef>
+        </p:style>
+        <p:txBody>
+          <a:bodyPr rtlCol="0" anchor="ctr"/>
+          <a:lstStyle/>
+          <a:p>
+            <a:pPr algn="ctr"/>
+            <a:endParaRPr lang="en-PH"/>
+          </a:p>
+        </p:txBody>
+      </p:sp>
+    </p:spTree>
+    <p:extLst>
+      <p:ext uri="{BB962C8B-B14F-4D97-AF65-F5344CB8AC3E}">
+        <p14:creationId xmlns:p14="http://schemas.microsoft.com/office/powerpoint/2010/main" val="279531280"/>
+      </p:ext>
+    </p:extLst>
+  </p:cSld>
+  <p:clrMapOvr>
+    <a:masterClrMapping/>
+  </p:clrMapOvr>
+</p:sld>
+</file>
+
+<file path=ppt/slides/slide28.xml><?xml version="1.0" encoding="utf-8"?>
+<p:sld xmlns:a="http://schemas.openxmlformats.org/drawingml/2006/main" xmlns:r="http://schemas.openxmlformats.org/officeDocument/2006/relationships" xmlns:p="http://schemas.openxmlformats.org/presentationml/2006/main" showMasterSp="0">
+  <p:cSld>
+    <p:spTree>
+      <p:nvGrpSpPr>
+        <p:cNvPr id="1" name="">
+          <a:extLst>
+            <a:ext uri="{FF2B5EF4-FFF2-40B4-BE49-F238E27FC236}">
+              <a16:creationId xmlns:a16="http://schemas.microsoft.com/office/drawing/2014/main" id="{D20D77C2-C735-A00B-E577-F4917AB7CF10}"/>
+            </a:ext>
+          </a:extLst>
+        </p:cNvPr>
+        <p:cNvGrpSpPr/>
+        <p:nvPr/>
+      </p:nvGrpSpPr>
+      <p:grpSpPr>
+        <a:xfrm>
+          <a:off x="0" y="0"/>
+          <a:ext cx="0" cy="0"/>
+          <a:chOff x="0" y="0"/>
+          <a:chExt cx="0" cy="0"/>
+        </a:xfrm>
+      </p:grpSpPr>
+      <p:pic>
+        <p:nvPicPr>
+          <p:cNvPr id="7" name="Picture 6" descr="A graph of different colored lines&#10;&#10;AI-generated content may be incorrect.">
+            <a:extLst>
+              <a:ext uri="{FF2B5EF4-FFF2-40B4-BE49-F238E27FC236}">
+                <a16:creationId xmlns:a16="http://schemas.microsoft.com/office/drawing/2014/main" id="{A53C1A12-5A4D-EF26-D1B4-784F95D0044D}"/>
+              </a:ext>
+            </a:extLst>
+          </p:cNvPr>
+          <p:cNvPicPr>
+            <a:picLocks noChangeAspect="1"/>
+          </p:cNvPicPr>
+          <p:nvPr/>
+        </p:nvPicPr>
+        <p:blipFill>
+          <a:blip r:embed="rId2"/>
+          <a:stretch>
+            <a:fillRect/>
+          </a:stretch>
+        </p:blipFill>
+        <p:spPr>
+          <a:xfrm>
+            <a:off x="2677978" y="0"/>
+            <a:ext cx="6836044" cy="5400000"/>
+          </a:xfrm>
+          <a:prstGeom prst="rect">
+            <a:avLst/>
+          </a:prstGeom>
+        </p:spPr>
+      </p:pic>
+      <p:sp>
+        <p:nvSpPr>
+          <p:cNvPr id="2" name="TextBox 1">
+            <a:extLst>
+              <a:ext uri="{FF2B5EF4-FFF2-40B4-BE49-F238E27FC236}">
+                <a16:creationId xmlns:a16="http://schemas.microsoft.com/office/drawing/2014/main" id="{8FB383F9-BA19-AB60-6D55-D00DD454DD0B}"/>
+              </a:ext>
+            </a:extLst>
+          </p:cNvPr>
+          <p:cNvSpPr txBox="1"/>
+          <p:nvPr/>
+        </p:nvSpPr>
+        <p:spPr>
+          <a:xfrm>
+            <a:off x="2133625" y="5786003"/>
+            <a:ext cx="7925182" cy="861774"/>
+          </a:xfrm>
+          <a:prstGeom prst="rect">
+            <a:avLst/>
+          </a:prstGeom>
+          <a:noFill/>
+        </p:spPr>
+        <p:txBody>
+          <a:bodyPr wrap="none" rtlCol="0">
+            <a:spAutoFit/>
+          </a:bodyPr>
+          <a:lstStyle/>
+          <a:p>
+            <a:pPr algn="ctr"/>
+            <a:r>
+              <a:rPr lang="en-US" sz="2500" dirty="0"/>
+              <a:t>You may have noticed that the curve for </a:t>
+            </a:r>
+            <a:r>
+              <a:rPr lang="en-US" sz="2500" b="1" dirty="0">
+                <a:solidFill>
+                  <a:srgbClr val="7030A0"/>
+                </a:solidFill>
+              </a:rPr>
+              <a:t>Women</a:t>
+            </a:r>
+            <a:r>
+              <a:rPr lang="en-US" sz="2500" dirty="0"/>
+              <a:t> is taller </a:t>
+            </a:r>
+          </a:p>
+          <a:p>
+            <a:pPr algn="ctr"/>
+            <a:r>
+              <a:rPr lang="en-US" sz="2500" dirty="0"/>
+              <a:t>compared to </a:t>
+            </a:r>
+            <a:r>
+              <a:rPr lang="en-US" sz="2500" b="1" dirty="0">
+                <a:solidFill>
+                  <a:srgbClr val="FFC000"/>
+                </a:solidFill>
+              </a:rPr>
+              <a:t>Men</a:t>
+            </a:r>
+            <a:r>
+              <a:rPr lang="en-US" sz="2500" dirty="0"/>
+              <a:t> and </a:t>
+            </a:r>
+            <a:r>
+              <a:rPr lang="en-US" sz="2500" b="1" dirty="0">
+                <a:solidFill>
+                  <a:srgbClr val="00B050"/>
+                </a:solidFill>
+              </a:rPr>
+              <a:t>NBA Players</a:t>
+            </a:r>
+          </a:p>
+        </p:txBody>
+      </p:sp>
+      <p:sp>
+        <p:nvSpPr>
+          <p:cNvPr id="4" name="Arrow: Down 3">
+            <a:extLst>
+              <a:ext uri="{FF2B5EF4-FFF2-40B4-BE49-F238E27FC236}">
+                <a16:creationId xmlns:a16="http://schemas.microsoft.com/office/drawing/2014/main" id="{B282CBA4-622C-29CB-3CEE-8AEDEEA7FEED}"/>
+              </a:ext>
+            </a:extLst>
+          </p:cNvPr>
+          <p:cNvSpPr/>
+          <p:nvPr/>
+        </p:nvSpPr>
+        <p:spPr>
+          <a:xfrm>
+            <a:off x="4762500" y="479592"/>
+            <a:ext cx="484632" cy="978408"/>
+          </a:xfrm>
+          <a:prstGeom prst="downArrow">
+            <a:avLst/>
+          </a:prstGeom>
+          <a:solidFill>
+            <a:srgbClr val="FF0000"/>
+          </a:solidFill>
+        </p:spPr>
+        <p:style>
+          <a:lnRef idx="2">
+            <a:schemeClr val="accent1">
+              <a:shade val="15000"/>
+            </a:schemeClr>
+          </a:lnRef>
+          <a:fillRef idx="1">
+            <a:schemeClr val="accent1"/>
+          </a:fillRef>
+          <a:effectRef idx="0">
+            <a:schemeClr val="accent1"/>
+          </a:effectRef>
+          <a:fontRef idx="minor">
+            <a:schemeClr val="lt1"/>
+          </a:fontRef>
+        </p:style>
+        <p:txBody>
+          <a:bodyPr rtlCol="0" anchor="ctr"/>
+          <a:lstStyle/>
+          <a:p>
+            <a:pPr algn="ctr"/>
+            <a:endParaRPr lang="en-PH"/>
+          </a:p>
+        </p:txBody>
+      </p:sp>
+    </p:spTree>
+    <p:extLst>
+      <p:ext uri="{BB962C8B-B14F-4D97-AF65-F5344CB8AC3E}">
+        <p14:creationId xmlns:p14="http://schemas.microsoft.com/office/powerpoint/2010/main" val="3950616301"/>
+      </p:ext>
+    </p:extLst>
+  </p:cSld>
+  <p:clrMapOvr>
+    <a:masterClrMapping/>
+  </p:clrMapOvr>
+</p:sld>
+</file>
+
+<file path=ppt/slides/slide29.xml><?xml version="1.0" encoding="utf-8"?>
+<p:sld xmlns:a="http://schemas.openxmlformats.org/drawingml/2006/main" xmlns:r="http://schemas.openxmlformats.org/officeDocument/2006/relationships" xmlns:p="http://schemas.openxmlformats.org/presentationml/2006/main" showMasterSp="0">
+  <p:cSld>
+    <p:spTree>
+      <p:nvGrpSpPr>
+        <p:cNvPr id="1" name="">
+          <a:extLst>
+            <a:ext uri="{FF2B5EF4-FFF2-40B4-BE49-F238E27FC236}">
+              <a16:creationId xmlns:a16="http://schemas.microsoft.com/office/drawing/2014/main" id="{EEAD81F3-1F49-5A40-348C-D975AB2032FF}"/>
+            </a:ext>
+          </a:extLst>
+        </p:cNvPr>
+        <p:cNvGrpSpPr/>
+        <p:nvPr/>
+      </p:nvGrpSpPr>
+      <p:grpSpPr>
+        <a:xfrm>
+          <a:off x="0" y="0"/>
+          <a:ext cx="0" cy="0"/>
+          <a:chOff x="0" y="0"/>
+          <a:chExt cx="0" cy="0"/>
+        </a:xfrm>
+      </p:grpSpPr>
+      <p:pic>
+        <p:nvPicPr>
+          <p:cNvPr id="7" name="Picture 6" descr="A graph of different colored lines&#10;&#10;AI-generated content may be incorrect.">
+            <a:extLst>
+              <a:ext uri="{FF2B5EF4-FFF2-40B4-BE49-F238E27FC236}">
+                <a16:creationId xmlns:a16="http://schemas.microsoft.com/office/drawing/2014/main" id="{B6F9589D-4A43-F000-B71C-CE6282C69683}"/>
+              </a:ext>
+            </a:extLst>
+          </p:cNvPr>
+          <p:cNvPicPr>
+            <a:picLocks noChangeAspect="1"/>
+          </p:cNvPicPr>
+          <p:nvPr/>
+        </p:nvPicPr>
+        <p:blipFill>
+          <a:blip r:embed="rId2"/>
+          <a:stretch>
+            <a:fillRect/>
+          </a:stretch>
+        </p:blipFill>
+        <p:spPr>
+          <a:xfrm>
+            <a:off x="2677978" y="0"/>
+            <a:ext cx="6836044" cy="5400000"/>
+          </a:xfrm>
+          <a:prstGeom prst="rect">
+            <a:avLst/>
+          </a:prstGeom>
+        </p:spPr>
+      </p:pic>
+      <p:sp>
+        <p:nvSpPr>
+          <p:cNvPr id="2" name="TextBox 1">
+            <a:extLst>
+              <a:ext uri="{FF2B5EF4-FFF2-40B4-BE49-F238E27FC236}">
+                <a16:creationId xmlns:a16="http://schemas.microsoft.com/office/drawing/2014/main" id="{D42B8A3E-E3BD-1F91-4436-7C4CF8F1E349}"/>
+              </a:ext>
+            </a:extLst>
+          </p:cNvPr>
+          <p:cNvSpPr txBox="1"/>
+          <p:nvPr/>
+        </p:nvSpPr>
+        <p:spPr>
+          <a:xfrm>
+            <a:off x="1349351" y="5786003"/>
+            <a:ext cx="9493754" cy="861774"/>
+          </a:xfrm>
+          <a:prstGeom prst="rect">
+            <a:avLst/>
+          </a:prstGeom>
+          <a:noFill/>
+        </p:spPr>
+        <p:txBody>
+          <a:bodyPr wrap="none" rtlCol="0">
+            <a:spAutoFit/>
+          </a:bodyPr>
+          <a:lstStyle/>
+          <a:p>
+            <a:pPr algn="ctr"/>
+            <a:r>
+              <a:rPr lang="en-US" sz="2500" dirty="0"/>
+              <a:t>This is because there are many more possibilities for </a:t>
+            </a:r>
+            <a:r>
+              <a:rPr lang="en-US" sz="2500" b="1" dirty="0">
+                <a:solidFill>
+                  <a:srgbClr val="7030A0"/>
+                </a:solidFill>
+              </a:rPr>
+              <a:t>Women</a:t>
+            </a:r>
+            <a:r>
+              <a:rPr lang="en-US" sz="2500" dirty="0"/>
+              <a:t> height</a:t>
+            </a:r>
+          </a:p>
+          <a:p>
+            <a:pPr algn="ctr"/>
+            <a:r>
+              <a:rPr lang="en-US" sz="2500" dirty="0"/>
+              <a:t>than for </a:t>
+            </a:r>
+            <a:r>
+              <a:rPr lang="en-US" sz="2500" b="1" dirty="0">
+                <a:solidFill>
+                  <a:srgbClr val="FFC000"/>
+                </a:solidFill>
+              </a:rPr>
+              <a:t>Men</a:t>
+            </a:r>
+            <a:r>
+              <a:rPr lang="en-US" sz="2500" dirty="0"/>
+              <a:t> and </a:t>
+            </a:r>
+            <a:r>
+              <a:rPr lang="en-US" sz="2500" b="1" dirty="0">
+                <a:solidFill>
+                  <a:srgbClr val="00B050"/>
+                </a:solidFill>
+              </a:rPr>
+              <a:t>NBA Players</a:t>
+            </a:r>
+          </a:p>
+        </p:txBody>
+      </p:sp>
+      <p:sp>
+        <p:nvSpPr>
+          <p:cNvPr id="4" name="Arrow: Down 3">
+            <a:extLst>
+              <a:ext uri="{FF2B5EF4-FFF2-40B4-BE49-F238E27FC236}">
+                <a16:creationId xmlns:a16="http://schemas.microsoft.com/office/drawing/2014/main" id="{7D2D3F57-9A3F-F6E6-D685-053B6690193D}"/>
+              </a:ext>
+            </a:extLst>
+          </p:cNvPr>
+          <p:cNvSpPr/>
+          <p:nvPr/>
+        </p:nvSpPr>
+        <p:spPr>
+          <a:xfrm>
+            <a:off x="4762500" y="479592"/>
+            <a:ext cx="484632" cy="978408"/>
+          </a:xfrm>
+          <a:prstGeom prst="downArrow">
+            <a:avLst/>
+          </a:prstGeom>
+          <a:solidFill>
+            <a:srgbClr val="FF0000"/>
+          </a:solidFill>
+        </p:spPr>
+        <p:style>
+          <a:lnRef idx="2">
+            <a:schemeClr val="accent1">
+              <a:shade val="15000"/>
+            </a:schemeClr>
+          </a:lnRef>
+          <a:fillRef idx="1">
+            <a:schemeClr val="accent1"/>
+          </a:fillRef>
+          <a:effectRef idx="0">
+            <a:schemeClr val="accent1"/>
+          </a:effectRef>
+          <a:fontRef idx="minor">
+            <a:schemeClr val="lt1"/>
+          </a:fontRef>
+        </p:style>
+        <p:txBody>
+          <a:bodyPr rtlCol="0" anchor="ctr"/>
+          <a:lstStyle/>
+          <a:p>
+            <a:pPr algn="ctr"/>
+            <a:endParaRPr lang="en-PH"/>
+          </a:p>
+        </p:txBody>
+      </p:sp>
+    </p:spTree>
+    <p:extLst>
+      <p:ext uri="{BB962C8B-B14F-4D97-AF65-F5344CB8AC3E}">
+        <p14:creationId xmlns:p14="http://schemas.microsoft.com/office/powerpoint/2010/main" val="2405608889"/>
+      </p:ext>
+    </p:extLst>
+  </p:cSld>
+  <p:clrMapOvr>
+    <a:masterClrMapping/>
+  </p:clrMapOvr>
+</p:sld>
+</file>
+
 <file path=ppt/slides/slide3.xml><?xml version="1.0" encoding="utf-8"?>
+<p:sld xmlns:a="http://schemas.openxmlformats.org/drawingml/2006/main" xmlns:r="http://schemas.openxmlformats.org/officeDocument/2006/relationships" xmlns:p="http://schemas.openxmlformats.org/presentationml/2006/main" showMasterSp="0">
+  <p:cSld>
+    <p:spTree>
+      <p:nvGrpSpPr>
+        <p:cNvPr id="1" name=""/>
+        <p:cNvGrpSpPr/>
+        <p:nvPr/>
+      </p:nvGrpSpPr>
+      <p:grpSpPr>
+        <a:xfrm>
+          <a:off x="0" y="0"/>
+          <a:ext cx="0" cy="0"/>
+          <a:chOff x="0" y="0"/>
+          <a:chExt cx="0" cy="0"/>
+        </a:xfrm>
+      </p:grpSpPr>
+      <p:pic>
+        <p:nvPicPr>
+          <p:cNvPr id="3" name="Picture 2" descr="A graph of a distribution of heights with Ryugyong Hotel in the background&#10;&#10;AI-generated content may be incorrect.">
+            <a:extLst>
+              <a:ext uri="{FF2B5EF4-FFF2-40B4-BE49-F238E27FC236}">
+                <a16:creationId xmlns:a16="http://schemas.microsoft.com/office/drawing/2014/main" id="{844EE946-A99C-D94A-1B6C-241CB847B7FE}"/>
+              </a:ext>
+            </a:extLst>
+          </p:cNvPr>
+          <p:cNvPicPr>
+            <a:picLocks noChangeAspect="1"/>
+          </p:cNvPicPr>
+          <p:nvPr/>
+        </p:nvPicPr>
+        <p:blipFill>
+          <a:blip r:embed="rId2"/>
+          <a:stretch>
+            <a:fillRect/>
+          </a:stretch>
+        </p:blipFill>
+        <p:spPr>
+          <a:xfrm>
+            <a:off x="2315999" y="0"/>
+            <a:ext cx="7560001" cy="5400000"/>
+          </a:xfrm>
+          <a:prstGeom prst="rect">
+            <a:avLst/>
+          </a:prstGeom>
+        </p:spPr>
+      </p:pic>
+      <p:sp>
+        <p:nvSpPr>
+          <p:cNvPr id="4" name="Rectangle 3">
+            <a:extLst>
+              <a:ext uri="{FF2B5EF4-FFF2-40B4-BE49-F238E27FC236}">
+                <a16:creationId xmlns:a16="http://schemas.microsoft.com/office/drawing/2014/main" id="{5F5F2187-F4E3-0FB7-1D17-BE454BB11DE0}"/>
+              </a:ext>
+            </a:extLst>
+          </p:cNvPr>
+          <p:cNvSpPr/>
+          <p:nvPr/>
+        </p:nvSpPr>
+        <p:spPr>
+          <a:xfrm>
+            <a:off x="2073285" y="1053462"/>
+            <a:ext cx="914400" cy="3293076"/>
+          </a:xfrm>
+          <a:prstGeom prst="rect">
+            <a:avLst/>
+          </a:prstGeom>
+          <a:solidFill>
+            <a:schemeClr val="bg1"/>
+          </a:solidFill>
+          <a:ln>
+            <a:noFill/>
+          </a:ln>
+        </p:spPr>
+        <p:style>
+          <a:lnRef idx="2">
+            <a:schemeClr val="accent1">
+              <a:shade val="15000"/>
+            </a:schemeClr>
+          </a:lnRef>
+          <a:fillRef idx="1">
+            <a:schemeClr val="accent1"/>
+          </a:fillRef>
+          <a:effectRef idx="0">
+            <a:schemeClr val="accent1"/>
+          </a:effectRef>
+          <a:fontRef idx="minor">
+            <a:schemeClr val="lt1"/>
+          </a:fontRef>
+        </p:style>
+        <p:txBody>
+          <a:bodyPr rtlCol="0" anchor="ctr"/>
+          <a:lstStyle/>
+          <a:p>
+            <a:pPr algn="ctr"/>
+            <a:endParaRPr lang="en-PH"/>
+          </a:p>
+        </p:txBody>
+      </p:sp>
+      <p:sp>
+        <p:nvSpPr>
+          <p:cNvPr id="12" name="TextBox 11">
+            <a:extLst>
+              <a:ext uri="{FF2B5EF4-FFF2-40B4-BE49-F238E27FC236}">
+                <a16:creationId xmlns:a16="http://schemas.microsoft.com/office/drawing/2014/main" id="{6566640F-F647-4A2C-C1CE-2A7AEEF73EF1}"/>
+              </a:ext>
+            </a:extLst>
+          </p:cNvPr>
+          <p:cNvSpPr txBox="1"/>
+          <p:nvPr/>
+        </p:nvSpPr>
+        <p:spPr>
+          <a:xfrm>
+            <a:off x="977803" y="5883187"/>
+            <a:ext cx="10236392" cy="477054"/>
+          </a:xfrm>
+          <a:prstGeom prst="rect">
+            <a:avLst/>
+          </a:prstGeom>
+          <a:noFill/>
+        </p:spPr>
+        <p:txBody>
+          <a:bodyPr wrap="none" rtlCol="0">
+            <a:spAutoFit/>
+          </a:bodyPr>
+          <a:lstStyle/>
+          <a:p>
+            <a:r>
+              <a:rPr lang="en-US" sz="2500" dirty="0"/>
+              <a:t>Chances are that you have seen a </a:t>
+            </a:r>
+            <a:r>
+              <a:rPr lang="en-US" sz="2500" b="1" dirty="0"/>
+              <a:t>normal</a:t>
+            </a:r>
+            <a:r>
+              <a:rPr lang="en-US" sz="2500" dirty="0"/>
+              <a:t> or </a:t>
+            </a:r>
+            <a:r>
+              <a:rPr lang="en-US" sz="2500" b="1" dirty="0"/>
+              <a:t>gaussian</a:t>
+            </a:r>
+            <a:r>
+              <a:rPr lang="en-US" sz="2500" dirty="0"/>
+              <a:t> distribution before</a:t>
+            </a:r>
+            <a:endParaRPr lang="en-PH" sz="2500" dirty="0"/>
+          </a:p>
+        </p:txBody>
+      </p:sp>
+    </p:spTree>
+    <p:extLst>
+      <p:ext uri="{BB962C8B-B14F-4D97-AF65-F5344CB8AC3E}">
+        <p14:creationId xmlns:p14="http://schemas.microsoft.com/office/powerpoint/2010/main" val="2371220747"/>
+      </p:ext>
+    </p:extLst>
+  </p:cSld>
+  <p:clrMapOvr>
+    <a:masterClrMapping/>
+  </p:clrMapOvr>
+</p:sld>
+</file>
+
+<file path=ppt/slides/slide30.xml><?xml version="1.0" encoding="utf-8"?>
+<p:sld xmlns:a="http://schemas.openxmlformats.org/drawingml/2006/main" xmlns:r="http://schemas.openxmlformats.org/officeDocument/2006/relationships" xmlns:p="http://schemas.openxmlformats.org/presentationml/2006/main" showMasterSp="0">
+  <p:cSld>
+    <p:spTree>
+      <p:nvGrpSpPr>
+        <p:cNvPr id="1" name="">
+          <a:extLst>
+            <a:ext uri="{FF2B5EF4-FFF2-40B4-BE49-F238E27FC236}">
+              <a16:creationId xmlns:a16="http://schemas.microsoft.com/office/drawing/2014/main" id="{8904B9C5-FA20-C882-28F3-135E9224DE6A}"/>
+            </a:ext>
+          </a:extLst>
+        </p:cNvPr>
+        <p:cNvGrpSpPr/>
+        <p:nvPr/>
+      </p:nvGrpSpPr>
+      <p:grpSpPr>
+        <a:xfrm>
+          <a:off x="0" y="0"/>
+          <a:ext cx="0" cy="0"/>
+          <a:chOff x="0" y="0"/>
+          <a:chExt cx="0" cy="0"/>
+        </a:xfrm>
+      </p:grpSpPr>
+      <p:pic>
+        <p:nvPicPr>
+          <p:cNvPr id="7" name="Picture 6" descr="A graph of different colored lines&#10;&#10;AI-generated content may be incorrect.">
+            <a:extLst>
+              <a:ext uri="{FF2B5EF4-FFF2-40B4-BE49-F238E27FC236}">
+                <a16:creationId xmlns:a16="http://schemas.microsoft.com/office/drawing/2014/main" id="{9C9090DA-E562-EDF9-D3C7-BAFCB8C3150D}"/>
+              </a:ext>
+            </a:extLst>
+          </p:cNvPr>
+          <p:cNvPicPr>
+            <a:picLocks noChangeAspect="1"/>
+          </p:cNvPicPr>
+          <p:nvPr/>
+        </p:nvPicPr>
+        <p:blipFill>
+          <a:blip r:embed="rId2"/>
+          <a:stretch>
+            <a:fillRect/>
+          </a:stretch>
+        </p:blipFill>
+        <p:spPr>
+          <a:xfrm>
+            <a:off x="2677978" y="0"/>
+            <a:ext cx="6836044" cy="5400000"/>
+          </a:xfrm>
+          <a:prstGeom prst="rect">
+            <a:avLst/>
+          </a:prstGeom>
+        </p:spPr>
+      </p:pic>
+      <p:sp>
+        <p:nvSpPr>
+          <p:cNvPr id="2" name="TextBox 1">
+            <a:extLst>
+              <a:ext uri="{FF2B5EF4-FFF2-40B4-BE49-F238E27FC236}">
+                <a16:creationId xmlns:a16="http://schemas.microsoft.com/office/drawing/2014/main" id="{92EB6550-E432-C73B-0134-B5A2CB16CDE2}"/>
+              </a:ext>
+            </a:extLst>
+          </p:cNvPr>
+          <p:cNvSpPr txBox="1"/>
+          <p:nvPr/>
+        </p:nvSpPr>
+        <p:spPr>
+          <a:xfrm>
+            <a:off x="1988003" y="5786003"/>
+            <a:ext cx="8216480" cy="477054"/>
+          </a:xfrm>
+          <a:prstGeom prst="rect">
+            <a:avLst/>
+          </a:prstGeom>
+          <a:noFill/>
+        </p:spPr>
+        <p:txBody>
+          <a:bodyPr wrap="none" rtlCol="0">
+            <a:spAutoFit/>
+          </a:bodyPr>
+          <a:lstStyle/>
+          <a:p>
+            <a:pPr algn="ctr"/>
+            <a:r>
+              <a:rPr lang="en-US" sz="2500" dirty="0"/>
+              <a:t>The width of the curve is defined by the standard deviation </a:t>
+            </a:r>
+            <a:endParaRPr lang="en-US" sz="2500" b="1" dirty="0">
+              <a:solidFill>
+                <a:srgbClr val="00B050"/>
+              </a:solidFill>
+            </a:endParaRPr>
+          </a:p>
+        </p:txBody>
+      </p:sp>
+      <p:sp>
+        <p:nvSpPr>
+          <p:cNvPr id="4" name="Arrow: Left-Right 3">
+            <a:extLst>
+              <a:ext uri="{FF2B5EF4-FFF2-40B4-BE49-F238E27FC236}">
+                <a16:creationId xmlns:a16="http://schemas.microsoft.com/office/drawing/2014/main" id="{5FDAE7BE-CF6F-6CFA-E814-7EFAE7E93719}"/>
+              </a:ext>
+            </a:extLst>
+          </p:cNvPr>
+          <p:cNvSpPr/>
+          <p:nvPr/>
+        </p:nvSpPr>
+        <p:spPr>
+          <a:xfrm>
+            <a:off x="4628756" y="2991192"/>
+            <a:ext cx="720000" cy="360000"/>
+          </a:xfrm>
+          <a:prstGeom prst="leftRightArrow">
+            <a:avLst/>
+          </a:prstGeom>
+          <a:solidFill>
+            <a:srgbClr val="7030A0"/>
+          </a:solidFill>
+        </p:spPr>
+        <p:style>
+          <a:lnRef idx="2">
+            <a:schemeClr val="accent1">
+              <a:shade val="15000"/>
+            </a:schemeClr>
+          </a:lnRef>
+          <a:fillRef idx="1">
+            <a:schemeClr val="accent1"/>
+          </a:fillRef>
+          <a:effectRef idx="0">
+            <a:schemeClr val="accent1"/>
+          </a:effectRef>
+          <a:fontRef idx="minor">
+            <a:schemeClr val="lt1"/>
+          </a:fontRef>
+        </p:style>
+        <p:txBody>
+          <a:bodyPr rtlCol="0" anchor="ctr"/>
+          <a:lstStyle/>
+          <a:p>
+            <a:pPr algn="ctr"/>
+            <a:endParaRPr lang="en-PH"/>
+          </a:p>
+        </p:txBody>
+      </p:sp>
+    </p:spTree>
+    <p:extLst>
+      <p:ext uri="{BB962C8B-B14F-4D97-AF65-F5344CB8AC3E}">
+        <p14:creationId xmlns:p14="http://schemas.microsoft.com/office/powerpoint/2010/main" val="3523530642"/>
+      </p:ext>
+    </p:extLst>
+  </p:cSld>
+  <p:clrMapOvr>
+    <a:masterClrMapping/>
+  </p:clrMapOvr>
+</p:sld>
+</file>
+
+<file path=ppt/slides/slide31.xml><?xml version="1.0" encoding="utf-8"?>
 <p:sld xmlns:a="http://schemas.openxmlformats.org/drawingml/2006/main" xmlns:r="http://schemas.openxmlformats.org/officeDocument/2006/relationships" xmlns:p="http://schemas.openxmlformats.org/presentationml/2006/main">
   <p:cSld>
     <p:spTree>
@@ -11789,7 +16566,7 @@
           <p:nvPr>
             <p:extLst>
               <p:ext uri="{D42A27DB-BD31-4B8C-83A1-F6EECF244321}">
-                <p14:modId xmlns:p14="http://schemas.microsoft.com/office/powerpoint/2010/main" val="147709218"/>
+                <p14:modId xmlns:p14="http://schemas.microsoft.com/office/powerpoint/2010/main" val="2284340112"/>
               </p:ext>
             </p:extLst>
           </p:nvPr>
@@ -11804,8 +16581,8 @@
           </a:graphicData>
         </a:graphic>
       </p:graphicFrame>
-      <mc:AlternateContent xmlns:mc="http://schemas.openxmlformats.org/markup-compatibility/2006">
-        <mc:Choice xmlns:a14="http://schemas.microsoft.com/office/drawing/2010/main" Requires="a14">
+      <mc:AlternateContent xmlns:mc="http://schemas.openxmlformats.org/markup-compatibility/2006" xmlns:a14="http://schemas.microsoft.com/office/drawing/2010/main">
+        <mc:Choice Requires="a14">
           <p:sp>
             <p:nvSpPr>
               <p:cNvPr id="6" name="TextBox 5">
@@ -11862,7 +16639,7 @@
             </p:txBody>
           </p:sp>
         </mc:Choice>
-        <mc:Fallback>
+        <mc:Fallback xmlns="">
           <p:sp>
             <p:nvSpPr>
               <p:cNvPr id="6" name="TextBox 5">
@@ -11907,8 +16684,8 @@
           </p:sp>
         </mc:Fallback>
       </mc:AlternateContent>
-      <mc:AlternateContent xmlns:mc="http://schemas.openxmlformats.org/markup-compatibility/2006">
-        <mc:Choice xmlns:a14="http://schemas.microsoft.com/office/drawing/2010/main" Requires="a14">
+      <mc:AlternateContent xmlns:mc="http://schemas.openxmlformats.org/markup-compatibility/2006" xmlns:a14="http://schemas.microsoft.com/office/drawing/2010/main">
+        <mc:Choice Requires="a14">
           <p:sp>
             <p:nvSpPr>
               <p:cNvPr id="7" name="TextBox 6">
@@ -11965,7 +16742,7 @@
             </p:txBody>
           </p:sp>
         </mc:Choice>
-        <mc:Fallback>
+        <mc:Fallback xmlns="">
           <p:sp>
             <p:nvSpPr>
               <p:cNvPr id="7" name="TextBox 6">
@@ -12023,7 +16800,3373 @@
 </p:sld>
 </file>
 
+<file path=ppt/slides/slide32.xml><?xml version="1.0" encoding="utf-8"?>
+<p:sld xmlns:a="http://schemas.openxmlformats.org/drawingml/2006/main" xmlns:r="http://schemas.openxmlformats.org/officeDocument/2006/relationships" xmlns:p="http://schemas.openxmlformats.org/presentationml/2006/main" showMasterSp="0">
+  <p:cSld>
+    <p:spTree>
+      <p:nvGrpSpPr>
+        <p:cNvPr id="1" name="">
+          <a:extLst>
+            <a:ext uri="{FF2B5EF4-FFF2-40B4-BE49-F238E27FC236}">
+              <a16:creationId xmlns:a16="http://schemas.microsoft.com/office/drawing/2014/main" id="{FA7C22EB-6CA3-A17A-4531-C9B2C0D58809}"/>
+            </a:ext>
+          </a:extLst>
+        </p:cNvPr>
+        <p:cNvGrpSpPr/>
+        <p:nvPr/>
+      </p:nvGrpSpPr>
+      <p:grpSpPr>
+        <a:xfrm>
+          <a:off x="0" y="0"/>
+          <a:ext cx="0" cy="0"/>
+          <a:chOff x="0" y="0"/>
+          <a:chExt cx="0" cy="0"/>
+        </a:xfrm>
+      </p:grpSpPr>
+      <p:pic>
+        <p:nvPicPr>
+          <p:cNvPr id="7" name="Picture 6" descr="A graph of different colored lines&#10;&#10;AI-generated content may be incorrect.">
+            <a:extLst>
+              <a:ext uri="{FF2B5EF4-FFF2-40B4-BE49-F238E27FC236}">
+                <a16:creationId xmlns:a16="http://schemas.microsoft.com/office/drawing/2014/main" id="{9368F721-4117-A421-C47A-99C33E13AA3E}"/>
+              </a:ext>
+            </a:extLst>
+          </p:cNvPr>
+          <p:cNvPicPr>
+            <a:picLocks noChangeAspect="1"/>
+          </p:cNvPicPr>
+          <p:nvPr/>
+        </p:nvPicPr>
+        <p:blipFill>
+          <a:blip r:embed="rId2"/>
+          <a:stretch>
+            <a:fillRect/>
+          </a:stretch>
+        </p:blipFill>
+        <p:spPr>
+          <a:xfrm>
+            <a:off x="2677978" y="0"/>
+            <a:ext cx="6836044" cy="5400000"/>
+          </a:xfrm>
+          <a:prstGeom prst="rect">
+            <a:avLst/>
+          </a:prstGeom>
+        </p:spPr>
+      </p:pic>
+      <p:sp>
+        <p:nvSpPr>
+          <p:cNvPr id="2" name="TextBox 1">
+            <a:extLst>
+              <a:ext uri="{FF2B5EF4-FFF2-40B4-BE49-F238E27FC236}">
+                <a16:creationId xmlns:a16="http://schemas.microsoft.com/office/drawing/2014/main" id="{2774CEFF-D5F0-8C15-9DBE-CF54FE6C40EE}"/>
+              </a:ext>
+            </a:extLst>
+          </p:cNvPr>
+          <p:cNvSpPr txBox="1"/>
+          <p:nvPr/>
+        </p:nvSpPr>
+        <p:spPr>
+          <a:xfrm>
+            <a:off x="1987988" y="5786003"/>
+            <a:ext cx="8216480" cy="477054"/>
+          </a:xfrm>
+          <a:prstGeom prst="rect">
+            <a:avLst/>
+          </a:prstGeom>
+          <a:noFill/>
+        </p:spPr>
+        <p:txBody>
+          <a:bodyPr wrap="none" rtlCol="0">
+            <a:spAutoFit/>
+          </a:bodyPr>
+          <a:lstStyle/>
+          <a:p>
+            <a:pPr algn="ctr"/>
+            <a:r>
+              <a:rPr lang="en-US" sz="2500" dirty="0"/>
+              <a:t>The width of the curve is defined by the standard deviation </a:t>
+            </a:r>
+            <a:endParaRPr lang="en-US" sz="2500" b="1" dirty="0">
+              <a:solidFill>
+                <a:srgbClr val="00B050"/>
+              </a:solidFill>
+            </a:endParaRPr>
+          </a:p>
+        </p:txBody>
+      </p:sp>
+      <p:sp>
+        <p:nvSpPr>
+          <p:cNvPr id="8" name="Arrow: Left-Right 7">
+            <a:extLst>
+              <a:ext uri="{FF2B5EF4-FFF2-40B4-BE49-F238E27FC236}">
+                <a16:creationId xmlns:a16="http://schemas.microsoft.com/office/drawing/2014/main" id="{0837D5E8-4BCA-96D0-F9C4-39F4BA0A68FB}"/>
+              </a:ext>
+            </a:extLst>
+          </p:cNvPr>
+          <p:cNvSpPr/>
+          <p:nvPr/>
+        </p:nvSpPr>
+        <p:spPr>
+          <a:xfrm>
+            <a:off x="4628756" y="2991192"/>
+            <a:ext cx="720000" cy="360000"/>
+          </a:xfrm>
+          <a:prstGeom prst="leftRightArrow">
+            <a:avLst/>
+          </a:prstGeom>
+          <a:solidFill>
+            <a:srgbClr val="7030A0"/>
+          </a:solidFill>
+        </p:spPr>
+        <p:style>
+          <a:lnRef idx="2">
+            <a:schemeClr val="accent1">
+              <a:shade val="15000"/>
+            </a:schemeClr>
+          </a:lnRef>
+          <a:fillRef idx="1">
+            <a:schemeClr val="accent1"/>
+          </a:fillRef>
+          <a:effectRef idx="0">
+            <a:schemeClr val="accent1"/>
+          </a:effectRef>
+          <a:fontRef idx="minor">
+            <a:schemeClr val="lt1"/>
+          </a:fontRef>
+        </p:style>
+        <p:txBody>
+          <a:bodyPr rtlCol="0" anchor="ctr"/>
+          <a:lstStyle/>
+          <a:p>
+            <a:pPr algn="ctr"/>
+            <a:endParaRPr lang="en-PH"/>
+          </a:p>
+        </p:txBody>
+      </p:sp>
+      <p:sp>
+        <p:nvSpPr>
+          <p:cNvPr id="10" name="Arrow: Left-Right 9">
+            <a:extLst>
+              <a:ext uri="{FF2B5EF4-FFF2-40B4-BE49-F238E27FC236}">
+                <a16:creationId xmlns:a16="http://schemas.microsoft.com/office/drawing/2014/main" id="{04140736-9024-D882-0210-B4320D6ECFA5}"/>
+              </a:ext>
+            </a:extLst>
+          </p:cNvPr>
+          <p:cNvSpPr/>
+          <p:nvPr/>
+        </p:nvSpPr>
+        <p:spPr>
+          <a:xfrm>
+            <a:off x="5348756" y="3249000"/>
+            <a:ext cx="862857" cy="360000"/>
+          </a:xfrm>
+          <a:prstGeom prst="leftRightArrow">
+            <a:avLst/>
+          </a:prstGeom>
+          <a:solidFill>
+            <a:srgbClr val="FFC000"/>
+          </a:solidFill>
+        </p:spPr>
+        <p:style>
+          <a:lnRef idx="2">
+            <a:schemeClr val="accent1">
+              <a:shade val="15000"/>
+            </a:schemeClr>
+          </a:lnRef>
+          <a:fillRef idx="1">
+            <a:schemeClr val="accent1"/>
+          </a:fillRef>
+          <a:effectRef idx="0">
+            <a:schemeClr val="accent1"/>
+          </a:effectRef>
+          <a:fontRef idx="minor">
+            <a:schemeClr val="lt1"/>
+          </a:fontRef>
+        </p:style>
+        <p:txBody>
+          <a:bodyPr rtlCol="0" anchor="ctr"/>
+          <a:lstStyle/>
+          <a:p>
+            <a:pPr algn="ctr"/>
+            <a:endParaRPr lang="en-PH"/>
+          </a:p>
+        </p:txBody>
+      </p:sp>
+    </p:spTree>
+    <p:extLst>
+      <p:ext uri="{BB962C8B-B14F-4D97-AF65-F5344CB8AC3E}">
+        <p14:creationId xmlns:p14="http://schemas.microsoft.com/office/powerpoint/2010/main" val="2300181559"/>
+      </p:ext>
+    </p:extLst>
+  </p:cSld>
+  <p:clrMapOvr>
+    <a:masterClrMapping/>
+  </p:clrMapOvr>
+</p:sld>
+</file>
+
+<file path=ppt/slides/slide33.xml><?xml version="1.0" encoding="utf-8"?>
+<p:sld xmlns:a="http://schemas.openxmlformats.org/drawingml/2006/main" xmlns:r="http://schemas.openxmlformats.org/officeDocument/2006/relationships" xmlns:p="http://schemas.openxmlformats.org/presentationml/2006/main" showMasterSp="0">
+  <p:cSld>
+    <p:spTree>
+      <p:nvGrpSpPr>
+        <p:cNvPr id="1" name="">
+          <a:extLst>
+            <a:ext uri="{FF2B5EF4-FFF2-40B4-BE49-F238E27FC236}">
+              <a16:creationId xmlns:a16="http://schemas.microsoft.com/office/drawing/2014/main" id="{46F36EE4-4B27-8926-E40C-3736D7AA2D19}"/>
+            </a:ext>
+          </a:extLst>
+        </p:cNvPr>
+        <p:cNvGrpSpPr/>
+        <p:nvPr/>
+      </p:nvGrpSpPr>
+      <p:grpSpPr>
+        <a:xfrm>
+          <a:off x="0" y="0"/>
+          <a:ext cx="0" cy="0"/>
+          <a:chOff x="0" y="0"/>
+          <a:chExt cx="0" cy="0"/>
+        </a:xfrm>
+      </p:grpSpPr>
+      <p:pic>
+        <p:nvPicPr>
+          <p:cNvPr id="7" name="Picture 6" descr="A graph of different colored lines&#10;&#10;AI-generated content may be incorrect.">
+            <a:extLst>
+              <a:ext uri="{FF2B5EF4-FFF2-40B4-BE49-F238E27FC236}">
+                <a16:creationId xmlns:a16="http://schemas.microsoft.com/office/drawing/2014/main" id="{D474221F-242C-F0DC-BD59-F255632A546A}"/>
+              </a:ext>
+            </a:extLst>
+          </p:cNvPr>
+          <p:cNvPicPr>
+            <a:picLocks noChangeAspect="1"/>
+          </p:cNvPicPr>
+          <p:nvPr/>
+        </p:nvPicPr>
+        <p:blipFill>
+          <a:blip r:embed="rId2"/>
+          <a:stretch>
+            <a:fillRect/>
+          </a:stretch>
+        </p:blipFill>
+        <p:spPr>
+          <a:xfrm>
+            <a:off x="2677978" y="0"/>
+            <a:ext cx="6836044" cy="5400000"/>
+          </a:xfrm>
+          <a:prstGeom prst="rect">
+            <a:avLst/>
+          </a:prstGeom>
+        </p:spPr>
+      </p:pic>
+      <p:sp>
+        <p:nvSpPr>
+          <p:cNvPr id="2" name="TextBox 1">
+            <a:extLst>
+              <a:ext uri="{FF2B5EF4-FFF2-40B4-BE49-F238E27FC236}">
+                <a16:creationId xmlns:a16="http://schemas.microsoft.com/office/drawing/2014/main" id="{5E4AF458-93B4-0721-1F50-EB5B048655B4}"/>
+              </a:ext>
+            </a:extLst>
+          </p:cNvPr>
+          <p:cNvSpPr txBox="1"/>
+          <p:nvPr/>
+        </p:nvSpPr>
+        <p:spPr>
+          <a:xfrm>
+            <a:off x="1987988" y="5786003"/>
+            <a:ext cx="8216480" cy="477054"/>
+          </a:xfrm>
+          <a:prstGeom prst="rect">
+            <a:avLst/>
+          </a:prstGeom>
+          <a:noFill/>
+        </p:spPr>
+        <p:txBody>
+          <a:bodyPr wrap="none" rtlCol="0">
+            <a:spAutoFit/>
+          </a:bodyPr>
+          <a:lstStyle/>
+          <a:p>
+            <a:pPr algn="ctr"/>
+            <a:r>
+              <a:rPr lang="en-US" sz="2500" dirty="0"/>
+              <a:t>The width of the curve is defined by the standard deviation </a:t>
+            </a:r>
+            <a:endParaRPr lang="en-US" sz="2500" b="1" dirty="0">
+              <a:solidFill>
+                <a:srgbClr val="00B050"/>
+              </a:solidFill>
+            </a:endParaRPr>
+          </a:p>
+        </p:txBody>
+      </p:sp>
+      <p:sp>
+        <p:nvSpPr>
+          <p:cNvPr id="4" name="Arrow: Left-Right 3">
+            <a:extLst>
+              <a:ext uri="{FF2B5EF4-FFF2-40B4-BE49-F238E27FC236}">
+                <a16:creationId xmlns:a16="http://schemas.microsoft.com/office/drawing/2014/main" id="{1A02F7DF-9789-058A-D708-98D4B9ECEC87}"/>
+              </a:ext>
+            </a:extLst>
+          </p:cNvPr>
+          <p:cNvSpPr/>
+          <p:nvPr/>
+        </p:nvSpPr>
+        <p:spPr>
+          <a:xfrm>
+            <a:off x="6716110" y="3331727"/>
+            <a:ext cx="901787" cy="360000"/>
+          </a:xfrm>
+          <a:prstGeom prst="leftRightArrow">
+            <a:avLst/>
+          </a:prstGeom>
+          <a:solidFill>
+            <a:srgbClr val="00B050"/>
+          </a:solidFill>
+        </p:spPr>
+        <p:style>
+          <a:lnRef idx="2">
+            <a:schemeClr val="accent1">
+              <a:shade val="15000"/>
+            </a:schemeClr>
+          </a:lnRef>
+          <a:fillRef idx="1">
+            <a:schemeClr val="accent1"/>
+          </a:fillRef>
+          <a:effectRef idx="0">
+            <a:schemeClr val="accent1"/>
+          </a:effectRef>
+          <a:fontRef idx="minor">
+            <a:schemeClr val="lt1"/>
+          </a:fontRef>
+        </p:style>
+        <p:txBody>
+          <a:bodyPr rtlCol="0" anchor="ctr"/>
+          <a:lstStyle/>
+          <a:p>
+            <a:pPr algn="ctr"/>
+            <a:endParaRPr lang="en-PH"/>
+          </a:p>
+        </p:txBody>
+      </p:sp>
+      <p:sp>
+        <p:nvSpPr>
+          <p:cNvPr id="8" name="Arrow: Left-Right 7">
+            <a:extLst>
+              <a:ext uri="{FF2B5EF4-FFF2-40B4-BE49-F238E27FC236}">
+                <a16:creationId xmlns:a16="http://schemas.microsoft.com/office/drawing/2014/main" id="{20400CCF-0D7F-1879-2BCF-E19124DFB228}"/>
+              </a:ext>
+            </a:extLst>
+          </p:cNvPr>
+          <p:cNvSpPr/>
+          <p:nvPr/>
+        </p:nvSpPr>
+        <p:spPr>
+          <a:xfrm>
+            <a:off x="4628756" y="2991192"/>
+            <a:ext cx="720000" cy="360000"/>
+          </a:xfrm>
+          <a:prstGeom prst="leftRightArrow">
+            <a:avLst/>
+          </a:prstGeom>
+          <a:solidFill>
+            <a:srgbClr val="7030A0"/>
+          </a:solidFill>
+        </p:spPr>
+        <p:style>
+          <a:lnRef idx="2">
+            <a:schemeClr val="accent1">
+              <a:shade val="15000"/>
+            </a:schemeClr>
+          </a:lnRef>
+          <a:fillRef idx="1">
+            <a:schemeClr val="accent1"/>
+          </a:fillRef>
+          <a:effectRef idx="0">
+            <a:schemeClr val="accent1"/>
+          </a:effectRef>
+          <a:fontRef idx="minor">
+            <a:schemeClr val="lt1"/>
+          </a:fontRef>
+        </p:style>
+        <p:txBody>
+          <a:bodyPr rtlCol="0" anchor="ctr"/>
+          <a:lstStyle/>
+          <a:p>
+            <a:pPr algn="ctr"/>
+            <a:endParaRPr lang="en-PH"/>
+          </a:p>
+        </p:txBody>
+      </p:sp>
+      <p:sp>
+        <p:nvSpPr>
+          <p:cNvPr id="9" name="Arrow: Left-Right 8">
+            <a:extLst>
+              <a:ext uri="{FF2B5EF4-FFF2-40B4-BE49-F238E27FC236}">
+                <a16:creationId xmlns:a16="http://schemas.microsoft.com/office/drawing/2014/main" id="{2282F934-4FBB-FFB3-2B81-BF123083AEAB}"/>
+              </a:ext>
+            </a:extLst>
+          </p:cNvPr>
+          <p:cNvSpPr/>
+          <p:nvPr/>
+        </p:nvSpPr>
+        <p:spPr>
+          <a:xfrm>
+            <a:off x="5348756" y="3249000"/>
+            <a:ext cx="862857" cy="360000"/>
+          </a:xfrm>
+          <a:prstGeom prst="leftRightArrow">
+            <a:avLst/>
+          </a:prstGeom>
+          <a:solidFill>
+            <a:srgbClr val="FFC000"/>
+          </a:solidFill>
+        </p:spPr>
+        <p:style>
+          <a:lnRef idx="2">
+            <a:schemeClr val="accent1">
+              <a:shade val="15000"/>
+            </a:schemeClr>
+          </a:lnRef>
+          <a:fillRef idx="1">
+            <a:schemeClr val="accent1"/>
+          </a:fillRef>
+          <a:effectRef idx="0">
+            <a:schemeClr val="accent1"/>
+          </a:effectRef>
+          <a:fontRef idx="minor">
+            <a:schemeClr val="lt1"/>
+          </a:fontRef>
+        </p:style>
+        <p:txBody>
+          <a:bodyPr rtlCol="0" anchor="ctr"/>
+          <a:lstStyle/>
+          <a:p>
+            <a:pPr algn="ctr"/>
+            <a:endParaRPr lang="en-PH"/>
+          </a:p>
+        </p:txBody>
+      </p:sp>
+    </p:spTree>
+    <p:extLst>
+      <p:ext uri="{BB962C8B-B14F-4D97-AF65-F5344CB8AC3E}">
+        <p14:creationId xmlns:p14="http://schemas.microsoft.com/office/powerpoint/2010/main" val="1204673167"/>
+      </p:ext>
+    </p:extLst>
+  </p:cSld>
+  <p:clrMapOvr>
+    <a:masterClrMapping/>
+  </p:clrMapOvr>
+</p:sld>
+</file>
+
+<file path=ppt/slides/slide34.xml><?xml version="1.0" encoding="utf-8"?>
+<p:sld xmlns:a="http://schemas.openxmlformats.org/drawingml/2006/main" xmlns:r="http://schemas.openxmlformats.org/officeDocument/2006/relationships" xmlns:p="http://schemas.openxmlformats.org/presentationml/2006/main" showMasterSp="0">
+  <p:cSld>
+    <p:spTree>
+      <p:nvGrpSpPr>
+        <p:cNvPr id="1" name="">
+          <a:extLst>
+            <a:ext uri="{FF2B5EF4-FFF2-40B4-BE49-F238E27FC236}">
+              <a16:creationId xmlns:a16="http://schemas.microsoft.com/office/drawing/2014/main" id="{7CAF8C6D-68AE-CA9D-8376-0530E584A32E}"/>
+            </a:ext>
+          </a:extLst>
+        </p:cNvPr>
+        <p:cNvGrpSpPr/>
+        <p:nvPr/>
+      </p:nvGrpSpPr>
+      <p:grpSpPr>
+        <a:xfrm>
+          <a:off x="0" y="0"/>
+          <a:ext cx="0" cy="0"/>
+          <a:chOff x="0" y="0"/>
+          <a:chExt cx="0" cy="0"/>
+        </a:xfrm>
+      </p:grpSpPr>
+      <p:sp>
+        <p:nvSpPr>
+          <p:cNvPr id="2" name="TextBox 1">
+            <a:extLst>
+              <a:ext uri="{FF2B5EF4-FFF2-40B4-BE49-F238E27FC236}">
+                <a16:creationId xmlns:a16="http://schemas.microsoft.com/office/drawing/2014/main" id="{1CBE3820-0182-E3A7-F4E9-2FEE6E5F237D}"/>
+              </a:ext>
+            </a:extLst>
+          </p:cNvPr>
+          <p:cNvSpPr txBox="1"/>
+          <p:nvPr/>
+        </p:nvSpPr>
+        <p:spPr>
+          <a:xfrm>
+            <a:off x="3221972" y="5786003"/>
+            <a:ext cx="5748561" cy="477054"/>
+          </a:xfrm>
+          <a:prstGeom prst="rect">
+            <a:avLst/>
+          </a:prstGeom>
+          <a:noFill/>
+        </p:spPr>
+        <p:txBody>
+          <a:bodyPr wrap="none" rtlCol="0">
+            <a:spAutoFit/>
+          </a:bodyPr>
+          <a:lstStyle/>
+          <a:p>
+            <a:pPr algn="ctr"/>
+            <a:r>
+              <a:rPr lang="en-US" sz="2500" dirty="0"/>
+              <a:t>The standard deviation for </a:t>
+            </a:r>
+            <a:r>
+              <a:rPr lang="en-US" sz="2500" b="1" dirty="0">
+                <a:solidFill>
+                  <a:srgbClr val="7030A0"/>
+                </a:solidFill>
+              </a:rPr>
+              <a:t>Women</a:t>
+            </a:r>
+            <a:r>
+              <a:rPr lang="en-US" sz="2500" dirty="0"/>
+              <a:t> is 5.6</a:t>
+            </a:r>
+            <a:endParaRPr lang="en-US" sz="2500" b="1" dirty="0">
+              <a:solidFill>
+                <a:srgbClr val="00B050"/>
+              </a:solidFill>
+            </a:endParaRPr>
+          </a:p>
+        </p:txBody>
+      </p:sp>
+      <p:pic>
+        <p:nvPicPr>
+          <p:cNvPr id="5" name="Picture 4" descr="A graph of a diagram&#10;&#10;AI-generated content may be incorrect.">
+            <a:extLst>
+              <a:ext uri="{FF2B5EF4-FFF2-40B4-BE49-F238E27FC236}">
+                <a16:creationId xmlns:a16="http://schemas.microsoft.com/office/drawing/2014/main" id="{C93DB7F3-BE20-5564-A794-BCFD94A7275C}"/>
+              </a:ext>
+            </a:extLst>
+          </p:cNvPr>
+          <p:cNvPicPr>
+            <a:picLocks noChangeAspect="1"/>
+          </p:cNvPicPr>
+          <p:nvPr/>
+        </p:nvPicPr>
+        <p:blipFill>
+          <a:blip r:embed="rId2"/>
+          <a:stretch>
+            <a:fillRect/>
+          </a:stretch>
+        </p:blipFill>
+        <p:spPr>
+          <a:xfrm>
+            <a:off x="1875707" y="0"/>
+            <a:ext cx="8440585" cy="5400000"/>
+          </a:xfrm>
+          <a:prstGeom prst="rect">
+            <a:avLst/>
+          </a:prstGeom>
+        </p:spPr>
+      </p:pic>
+    </p:spTree>
+    <p:extLst>
+      <p:ext uri="{BB962C8B-B14F-4D97-AF65-F5344CB8AC3E}">
+        <p14:creationId xmlns:p14="http://schemas.microsoft.com/office/powerpoint/2010/main" val="1643726402"/>
+      </p:ext>
+    </p:extLst>
+  </p:cSld>
+  <p:clrMapOvr>
+    <a:masterClrMapping/>
+  </p:clrMapOvr>
+</p:sld>
+</file>
+
+<file path=ppt/slides/slide35.xml><?xml version="1.0" encoding="utf-8"?>
+<p:sld xmlns:a="http://schemas.openxmlformats.org/drawingml/2006/main" xmlns:r="http://schemas.openxmlformats.org/officeDocument/2006/relationships" xmlns:p="http://schemas.openxmlformats.org/presentationml/2006/main" showMasterSp="0">
+  <p:cSld>
+    <p:spTree>
+      <p:nvGrpSpPr>
+        <p:cNvPr id="1" name="">
+          <a:extLst>
+            <a:ext uri="{FF2B5EF4-FFF2-40B4-BE49-F238E27FC236}">
+              <a16:creationId xmlns:a16="http://schemas.microsoft.com/office/drawing/2014/main" id="{DA959BE2-6178-70FE-61DA-3C79032ABEAA}"/>
+            </a:ext>
+          </a:extLst>
+        </p:cNvPr>
+        <p:cNvGrpSpPr/>
+        <p:nvPr/>
+      </p:nvGrpSpPr>
+      <p:grpSpPr>
+        <a:xfrm>
+          <a:off x="0" y="0"/>
+          <a:ext cx="0" cy="0"/>
+          <a:chOff x="0" y="0"/>
+          <a:chExt cx="0" cy="0"/>
+        </a:xfrm>
+      </p:grpSpPr>
+      <p:sp>
+        <p:nvSpPr>
+          <p:cNvPr id="2" name="TextBox 1">
+            <a:extLst>
+              <a:ext uri="{FF2B5EF4-FFF2-40B4-BE49-F238E27FC236}">
+                <a16:creationId xmlns:a16="http://schemas.microsoft.com/office/drawing/2014/main" id="{6ADE74E5-0531-8C29-76FB-635F688DE5F0}"/>
+              </a:ext>
+            </a:extLst>
+          </p:cNvPr>
+          <p:cNvSpPr txBox="1"/>
+          <p:nvPr/>
+        </p:nvSpPr>
+        <p:spPr>
+          <a:xfrm>
+            <a:off x="3470501" y="5786003"/>
+            <a:ext cx="5251502" cy="477054"/>
+          </a:xfrm>
+          <a:prstGeom prst="rect">
+            <a:avLst/>
+          </a:prstGeom>
+          <a:noFill/>
+        </p:spPr>
+        <p:txBody>
+          <a:bodyPr wrap="none" rtlCol="0">
+            <a:spAutoFit/>
+          </a:bodyPr>
+          <a:lstStyle/>
+          <a:p>
+            <a:pPr algn="ctr"/>
+            <a:r>
+              <a:rPr lang="en-US" sz="2500" dirty="0"/>
+              <a:t>The standard deviation for </a:t>
+            </a:r>
+            <a:r>
+              <a:rPr lang="en-US" sz="2500" b="1" dirty="0">
+                <a:solidFill>
+                  <a:srgbClr val="FFC000"/>
+                </a:solidFill>
+              </a:rPr>
+              <a:t>Men</a:t>
+            </a:r>
+            <a:r>
+              <a:rPr lang="en-US" sz="2500" dirty="0"/>
+              <a:t> is 6.8</a:t>
+            </a:r>
+            <a:endParaRPr lang="en-US" sz="2500" b="1" dirty="0">
+              <a:solidFill>
+                <a:srgbClr val="00B050"/>
+              </a:solidFill>
+            </a:endParaRPr>
+          </a:p>
+        </p:txBody>
+      </p:sp>
+      <p:pic>
+        <p:nvPicPr>
+          <p:cNvPr id="5" name="Picture 4" descr="A graph of a diagram&#10;&#10;AI-generated content may be incorrect.">
+            <a:extLst>
+              <a:ext uri="{FF2B5EF4-FFF2-40B4-BE49-F238E27FC236}">
+                <a16:creationId xmlns:a16="http://schemas.microsoft.com/office/drawing/2014/main" id="{9FC5C796-F5B3-1B8C-6EB0-633B22780183}"/>
+              </a:ext>
+            </a:extLst>
+          </p:cNvPr>
+          <p:cNvPicPr>
+            <a:picLocks noChangeAspect="1"/>
+          </p:cNvPicPr>
+          <p:nvPr/>
+        </p:nvPicPr>
+        <p:blipFill>
+          <a:blip r:embed="rId2"/>
+          <a:stretch>
+            <a:fillRect/>
+          </a:stretch>
+        </p:blipFill>
+        <p:spPr>
+          <a:xfrm>
+            <a:off x="1875707" y="0"/>
+            <a:ext cx="8440585" cy="5400000"/>
+          </a:xfrm>
+          <a:prstGeom prst="rect">
+            <a:avLst/>
+          </a:prstGeom>
+        </p:spPr>
+      </p:pic>
+    </p:spTree>
+    <p:extLst>
+      <p:ext uri="{BB962C8B-B14F-4D97-AF65-F5344CB8AC3E}">
+        <p14:creationId xmlns:p14="http://schemas.microsoft.com/office/powerpoint/2010/main" val="3543544450"/>
+      </p:ext>
+    </p:extLst>
+  </p:cSld>
+  <p:clrMapOvr>
+    <a:masterClrMapping/>
+  </p:clrMapOvr>
+</p:sld>
+</file>
+
+<file path=ppt/slides/slide36.xml><?xml version="1.0" encoding="utf-8"?>
+<p:sld xmlns:a="http://schemas.openxmlformats.org/drawingml/2006/main" xmlns:r="http://schemas.openxmlformats.org/officeDocument/2006/relationships" xmlns:p="http://schemas.openxmlformats.org/presentationml/2006/main" showMasterSp="0">
+  <p:cSld>
+    <p:spTree>
+      <p:nvGrpSpPr>
+        <p:cNvPr id="1" name="">
+          <a:extLst>
+            <a:ext uri="{FF2B5EF4-FFF2-40B4-BE49-F238E27FC236}">
+              <a16:creationId xmlns:a16="http://schemas.microsoft.com/office/drawing/2014/main" id="{9028EBCC-73EF-6A7B-FDF1-9A69C4085537}"/>
+            </a:ext>
+          </a:extLst>
+        </p:cNvPr>
+        <p:cNvGrpSpPr/>
+        <p:nvPr/>
+      </p:nvGrpSpPr>
+      <p:grpSpPr>
+        <a:xfrm>
+          <a:off x="0" y="0"/>
+          <a:ext cx="0" cy="0"/>
+          <a:chOff x="0" y="0"/>
+          <a:chExt cx="0" cy="0"/>
+        </a:xfrm>
+      </p:grpSpPr>
+      <p:sp>
+        <p:nvSpPr>
+          <p:cNvPr id="2" name="TextBox 1">
+            <a:extLst>
+              <a:ext uri="{FF2B5EF4-FFF2-40B4-BE49-F238E27FC236}">
+                <a16:creationId xmlns:a16="http://schemas.microsoft.com/office/drawing/2014/main" id="{1BC6F118-5C3B-FF77-9BCA-AA5FB176808A}"/>
+              </a:ext>
+            </a:extLst>
+          </p:cNvPr>
+          <p:cNvSpPr txBox="1"/>
+          <p:nvPr/>
+        </p:nvSpPr>
+        <p:spPr>
+          <a:xfrm>
+            <a:off x="2887267" y="5786003"/>
+            <a:ext cx="6417975" cy="477054"/>
+          </a:xfrm>
+          <a:prstGeom prst="rect">
+            <a:avLst/>
+          </a:prstGeom>
+          <a:noFill/>
+        </p:spPr>
+        <p:txBody>
+          <a:bodyPr wrap="none" rtlCol="0">
+            <a:spAutoFit/>
+          </a:bodyPr>
+          <a:lstStyle/>
+          <a:p>
+            <a:pPr algn="ctr"/>
+            <a:r>
+              <a:rPr lang="en-US" sz="2500" dirty="0"/>
+              <a:t>The standard deviation for </a:t>
+            </a:r>
+            <a:r>
+              <a:rPr lang="en-US" sz="2500" b="1" dirty="0">
+                <a:solidFill>
+                  <a:srgbClr val="00B050"/>
+                </a:solidFill>
+              </a:rPr>
+              <a:t>NBA Players </a:t>
+            </a:r>
+            <a:r>
+              <a:rPr lang="en-US" sz="2500" dirty="0"/>
+              <a:t>is 7.9</a:t>
+            </a:r>
+          </a:p>
+        </p:txBody>
+      </p:sp>
+      <p:pic>
+        <p:nvPicPr>
+          <p:cNvPr id="5" name="Picture 4" descr="A graph of a diagram&#10;&#10;AI-generated content may be incorrect.">
+            <a:extLst>
+              <a:ext uri="{FF2B5EF4-FFF2-40B4-BE49-F238E27FC236}">
+                <a16:creationId xmlns:a16="http://schemas.microsoft.com/office/drawing/2014/main" id="{55FDD9D1-94FD-C41D-4122-117CC33C84FE}"/>
+              </a:ext>
+            </a:extLst>
+          </p:cNvPr>
+          <p:cNvPicPr>
+            <a:picLocks noChangeAspect="1"/>
+          </p:cNvPicPr>
+          <p:nvPr/>
+        </p:nvPicPr>
+        <p:blipFill>
+          <a:blip r:embed="rId2"/>
+          <a:stretch>
+            <a:fillRect/>
+          </a:stretch>
+        </p:blipFill>
+        <p:spPr>
+          <a:xfrm>
+            <a:off x="1875707" y="0"/>
+            <a:ext cx="8440585" cy="5400000"/>
+          </a:xfrm>
+          <a:prstGeom prst="rect">
+            <a:avLst/>
+          </a:prstGeom>
+        </p:spPr>
+      </p:pic>
+    </p:spTree>
+    <p:extLst>
+      <p:ext uri="{BB962C8B-B14F-4D97-AF65-F5344CB8AC3E}">
+        <p14:creationId xmlns:p14="http://schemas.microsoft.com/office/powerpoint/2010/main" val="3508727002"/>
+      </p:ext>
+    </p:extLst>
+  </p:cSld>
+  <p:clrMapOvr>
+    <a:masterClrMapping/>
+  </p:clrMapOvr>
+</p:sld>
+</file>
+
+<file path=ppt/slides/slide37.xml><?xml version="1.0" encoding="utf-8"?>
+<p:sld xmlns:a="http://schemas.openxmlformats.org/drawingml/2006/main" xmlns:r="http://schemas.openxmlformats.org/officeDocument/2006/relationships" xmlns:p="http://schemas.openxmlformats.org/presentationml/2006/main" showMasterSp="0">
+  <p:cSld>
+    <p:spTree>
+      <p:nvGrpSpPr>
+        <p:cNvPr id="1" name="">
+          <a:extLst>
+            <a:ext uri="{FF2B5EF4-FFF2-40B4-BE49-F238E27FC236}">
+              <a16:creationId xmlns:a16="http://schemas.microsoft.com/office/drawing/2014/main" id="{D4DB7A72-DF6A-9A1B-3984-AAA62B217D02}"/>
+            </a:ext>
+          </a:extLst>
+        </p:cNvPr>
+        <p:cNvGrpSpPr/>
+        <p:nvPr/>
+      </p:nvGrpSpPr>
+      <p:grpSpPr>
+        <a:xfrm>
+          <a:off x="0" y="0"/>
+          <a:ext cx="0" cy="0"/>
+          <a:chOff x="0" y="0"/>
+          <a:chExt cx="0" cy="0"/>
+        </a:xfrm>
+      </p:grpSpPr>
+      <p:sp>
+        <p:nvSpPr>
+          <p:cNvPr id="2" name="TextBox 1">
+            <a:extLst>
+              <a:ext uri="{FF2B5EF4-FFF2-40B4-BE49-F238E27FC236}">
+                <a16:creationId xmlns:a16="http://schemas.microsoft.com/office/drawing/2014/main" id="{3C8AB46B-5236-CC76-5D4D-56E99F1271B6}"/>
+              </a:ext>
+            </a:extLst>
+          </p:cNvPr>
+          <p:cNvSpPr txBox="1"/>
+          <p:nvPr/>
+        </p:nvSpPr>
+        <p:spPr>
+          <a:xfrm>
+            <a:off x="798733" y="5786003"/>
+            <a:ext cx="10595080" cy="769441"/>
+          </a:xfrm>
+          <a:prstGeom prst="rect">
+            <a:avLst/>
+          </a:prstGeom>
+          <a:noFill/>
+        </p:spPr>
+        <p:txBody>
+          <a:bodyPr wrap="none" rtlCol="0">
+            <a:spAutoFit/>
+          </a:bodyPr>
+          <a:lstStyle/>
+          <a:p>
+            <a:pPr algn="ctr"/>
+            <a:r>
+              <a:rPr lang="en-US" sz="2200" dirty="0"/>
+              <a:t>Knowing the standard deviation is helpful because normal curves are drawn such that </a:t>
+            </a:r>
+          </a:p>
+          <a:p>
+            <a:pPr algn="ctr"/>
+            <a:r>
+              <a:rPr lang="en-US" sz="2200" dirty="0"/>
+              <a:t>95% of the measurements fall between + or – 2 standard deviations around the mean</a:t>
+            </a:r>
+          </a:p>
+        </p:txBody>
+      </p:sp>
+      <p:pic>
+        <p:nvPicPr>
+          <p:cNvPr id="5" name="Picture 4" descr="A graph of a diagram&#10;&#10;AI-generated content may be incorrect.">
+            <a:extLst>
+              <a:ext uri="{FF2B5EF4-FFF2-40B4-BE49-F238E27FC236}">
+                <a16:creationId xmlns:a16="http://schemas.microsoft.com/office/drawing/2014/main" id="{E3FC5D25-05F2-8E0E-2B86-2C8294004C0D}"/>
+              </a:ext>
+            </a:extLst>
+          </p:cNvPr>
+          <p:cNvPicPr>
+            <a:picLocks noChangeAspect="1"/>
+          </p:cNvPicPr>
+          <p:nvPr/>
+        </p:nvPicPr>
+        <p:blipFill>
+          <a:blip r:embed="rId2"/>
+          <a:stretch>
+            <a:fillRect/>
+          </a:stretch>
+        </p:blipFill>
+        <p:spPr>
+          <a:xfrm>
+            <a:off x="1875707" y="0"/>
+            <a:ext cx="8440585" cy="5400000"/>
+          </a:xfrm>
+          <a:prstGeom prst="rect">
+            <a:avLst/>
+          </a:prstGeom>
+        </p:spPr>
+      </p:pic>
+    </p:spTree>
+    <p:extLst>
+      <p:ext uri="{BB962C8B-B14F-4D97-AF65-F5344CB8AC3E}">
+        <p14:creationId xmlns:p14="http://schemas.microsoft.com/office/powerpoint/2010/main" val="3591526303"/>
+      </p:ext>
+    </p:extLst>
+  </p:cSld>
+  <p:clrMapOvr>
+    <a:masterClrMapping/>
+  </p:clrMapOvr>
+</p:sld>
+</file>
+
+<file path=ppt/slides/slide38.xml><?xml version="1.0" encoding="utf-8"?>
+<p:sld xmlns:a="http://schemas.openxmlformats.org/drawingml/2006/main" xmlns:r="http://schemas.openxmlformats.org/officeDocument/2006/relationships" xmlns:p="http://schemas.openxmlformats.org/presentationml/2006/main" showMasterSp="0">
+  <p:cSld>
+    <p:spTree>
+      <p:nvGrpSpPr>
+        <p:cNvPr id="1" name="">
+          <a:extLst>
+            <a:ext uri="{FF2B5EF4-FFF2-40B4-BE49-F238E27FC236}">
+              <a16:creationId xmlns:a16="http://schemas.microsoft.com/office/drawing/2014/main" id="{CD507B90-BE4E-0196-613C-649F2E4A66F6}"/>
+            </a:ext>
+          </a:extLst>
+        </p:cNvPr>
+        <p:cNvGrpSpPr/>
+        <p:nvPr/>
+      </p:nvGrpSpPr>
+      <p:grpSpPr>
+        <a:xfrm>
+          <a:off x="0" y="0"/>
+          <a:ext cx="0" cy="0"/>
+          <a:chOff x="0" y="0"/>
+          <a:chExt cx="0" cy="0"/>
+        </a:xfrm>
+      </p:grpSpPr>
+      <p:sp>
+        <p:nvSpPr>
+          <p:cNvPr id="2" name="TextBox 1">
+            <a:extLst>
+              <a:ext uri="{FF2B5EF4-FFF2-40B4-BE49-F238E27FC236}">
+                <a16:creationId xmlns:a16="http://schemas.microsoft.com/office/drawing/2014/main" id="{92E4CEEF-6B7D-6644-9E94-B0D2DF017983}"/>
+              </a:ext>
+            </a:extLst>
+          </p:cNvPr>
+          <p:cNvSpPr txBox="1"/>
+          <p:nvPr/>
+        </p:nvSpPr>
+        <p:spPr>
+          <a:xfrm>
+            <a:off x="2644160" y="5786003"/>
+            <a:ext cx="6904262" cy="769441"/>
+          </a:xfrm>
+          <a:prstGeom prst="rect">
+            <a:avLst/>
+          </a:prstGeom>
+          <a:noFill/>
+        </p:spPr>
+        <p:txBody>
+          <a:bodyPr wrap="none" rtlCol="0">
+            <a:spAutoFit/>
+          </a:bodyPr>
+          <a:lstStyle/>
+          <a:p>
+            <a:pPr algn="ctr"/>
+            <a:r>
+              <a:rPr lang="en-US" sz="2200" dirty="0"/>
+              <a:t>This means that 95% of the </a:t>
+            </a:r>
+            <a:r>
+              <a:rPr lang="en-US" sz="2200" b="1" dirty="0">
+                <a:solidFill>
+                  <a:srgbClr val="0070C0"/>
+                </a:solidFill>
+              </a:rPr>
+              <a:t>Women</a:t>
+            </a:r>
+            <a:r>
+              <a:rPr lang="en-US" sz="2200" dirty="0"/>
+              <a:t> measurements fall </a:t>
+            </a:r>
+          </a:p>
+          <a:p>
+            <a:pPr algn="ctr"/>
+            <a:r>
+              <a:rPr lang="en-US" sz="2200" dirty="0"/>
+              <a:t>between 161.8 plus or minus 11.2 centimeters</a:t>
+            </a:r>
+          </a:p>
+        </p:txBody>
+      </p:sp>
+      <p:pic>
+        <p:nvPicPr>
+          <p:cNvPr id="4" name="Picture 3" descr="A graph of a number of numbers&#10;&#10;AI-generated content may be incorrect.">
+            <a:extLst>
+              <a:ext uri="{FF2B5EF4-FFF2-40B4-BE49-F238E27FC236}">
+                <a16:creationId xmlns:a16="http://schemas.microsoft.com/office/drawing/2014/main" id="{F1455432-3986-DA82-DAAE-9660E3636BA9}"/>
+              </a:ext>
+            </a:extLst>
+          </p:cNvPr>
+          <p:cNvPicPr>
+            <a:picLocks noChangeAspect="1"/>
+          </p:cNvPicPr>
+          <p:nvPr/>
+        </p:nvPicPr>
+        <p:blipFill>
+          <a:blip r:embed="rId2"/>
+          <a:stretch>
+            <a:fillRect/>
+          </a:stretch>
+        </p:blipFill>
+        <p:spPr>
+          <a:xfrm>
+            <a:off x="1875707" y="0"/>
+            <a:ext cx="8440585" cy="5400000"/>
+          </a:xfrm>
+          <a:prstGeom prst="rect">
+            <a:avLst/>
+          </a:prstGeom>
+        </p:spPr>
+      </p:pic>
+    </p:spTree>
+    <p:extLst>
+      <p:ext uri="{BB962C8B-B14F-4D97-AF65-F5344CB8AC3E}">
+        <p14:creationId xmlns:p14="http://schemas.microsoft.com/office/powerpoint/2010/main" val="734428881"/>
+      </p:ext>
+    </p:extLst>
+  </p:cSld>
+  <p:clrMapOvr>
+    <a:masterClrMapping/>
+  </p:clrMapOvr>
+</p:sld>
+</file>
+
+<file path=ppt/slides/slide39.xml><?xml version="1.0" encoding="utf-8"?>
+<p:sld xmlns:a="http://schemas.openxmlformats.org/drawingml/2006/main" xmlns:r="http://schemas.openxmlformats.org/officeDocument/2006/relationships" xmlns:p="http://schemas.openxmlformats.org/presentationml/2006/main" showMasterSp="0">
+  <p:cSld>
+    <p:spTree>
+      <p:nvGrpSpPr>
+        <p:cNvPr id="1" name="">
+          <a:extLst>
+            <a:ext uri="{FF2B5EF4-FFF2-40B4-BE49-F238E27FC236}">
+              <a16:creationId xmlns:a16="http://schemas.microsoft.com/office/drawing/2014/main" id="{2991049E-00CE-C116-6691-6B4EC1750175}"/>
+            </a:ext>
+          </a:extLst>
+        </p:cNvPr>
+        <p:cNvGrpSpPr/>
+        <p:nvPr/>
+      </p:nvGrpSpPr>
+      <p:grpSpPr>
+        <a:xfrm>
+          <a:off x="0" y="0"/>
+          <a:ext cx="0" cy="0"/>
+          <a:chOff x="0" y="0"/>
+          <a:chExt cx="0" cy="0"/>
+        </a:xfrm>
+      </p:grpSpPr>
+      <p:sp>
+        <p:nvSpPr>
+          <p:cNvPr id="2" name="TextBox 1">
+            <a:extLst>
+              <a:ext uri="{FF2B5EF4-FFF2-40B4-BE49-F238E27FC236}">
+                <a16:creationId xmlns:a16="http://schemas.microsoft.com/office/drawing/2014/main" id="{AE63A04E-38EE-B44A-78F6-B9F4780F98F2}"/>
+              </a:ext>
+            </a:extLst>
+          </p:cNvPr>
+          <p:cNvSpPr txBox="1"/>
+          <p:nvPr/>
+        </p:nvSpPr>
+        <p:spPr>
+          <a:xfrm>
+            <a:off x="2862875" y="5786003"/>
+            <a:ext cx="6466834" cy="769441"/>
+          </a:xfrm>
+          <a:prstGeom prst="rect">
+            <a:avLst/>
+          </a:prstGeom>
+          <a:noFill/>
+        </p:spPr>
+        <p:txBody>
+          <a:bodyPr wrap="none" rtlCol="0">
+            <a:spAutoFit/>
+          </a:bodyPr>
+          <a:lstStyle/>
+          <a:p>
+            <a:pPr algn="ctr"/>
+            <a:r>
+              <a:rPr lang="en-US" sz="2200" dirty="0"/>
+              <a:t>This means that 95% of the </a:t>
+            </a:r>
+            <a:r>
+              <a:rPr lang="en-US" sz="2200" b="1" dirty="0">
+                <a:solidFill>
+                  <a:srgbClr val="FFC000"/>
+                </a:solidFill>
+              </a:rPr>
+              <a:t>Men</a:t>
+            </a:r>
+            <a:r>
+              <a:rPr lang="en-US" sz="2200" dirty="0"/>
+              <a:t> measurements fall </a:t>
+            </a:r>
+          </a:p>
+          <a:p>
+            <a:pPr algn="ctr"/>
+            <a:r>
+              <a:rPr lang="en-US" sz="2200" dirty="0"/>
+              <a:t>between 175.6 plus or minus 13.2 centimeters</a:t>
+            </a:r>
+          </a:p>
+        </p:txBody>
+      </p:sp>
+      <p:pic>
+        <p:nvPicPr>
+          <p:cNvPr id="4" name="Picture 3" descr="A graph of a number of numbers&#10;&#10;AI-generated content may be incorrect.">
+            <a:extLst>
+              <a:ext uri="{FF2B5EF4-FFF2-40B4-BE49-F238E27FC236}">
+                <a16:creationId xmlns:a16="http://schemas.microsoft.com/office/drawing/2014/main" id="{5D9E05B8-B076-D055-AAD3-B7D2700D863F}"/>
+              </a:ext>
+            </a:extLst>
+          </p:cNvPr>
+          <p:cNvPicPr>
+            <a:picLocks noChangeAspect="1"/>
+          </p:cNvPicPr>
+          <p:nvPr/>
+        </p:nvPicPr>
+        <p:blipFill>
+          <a:blip r:embed="rId2"/>
+          <a:stretch>
+            <a:fillRect/>
+          </a:stretch>
+        </p:blipFill>
+        <p:spPr>
+          <a:xfrm>
+            <a:off x="1875707" y="0"/>
+            <a:ext cx="8440585" cy="5400000"/>
+          </a:xfrm>
+          <a:prstGeom prst="rect">
+            <a:avLst/>
+          </a:prstGeom>
+        </p:spPr>
+      </p:pic>
+    </p:spTree>
+    <p:extLst>
+      <p:ext uri="{BB962C8B-B14F-4D97-AF65-F5344CB8AC3E}">
+        <p14:creationId xmlns:p14="http://schemas.microsoft.com/office/powerpoint/2010/main" val="1534539097"/>
+      </p:ext>
+    </p:extLst>
+  </p:cSld>
+  <p:clrMapOvr>
+    <a:masterClrMapping/>
+  </p:clrMapOvr>
+</p:sld>
+</file>
+
 <file path=ppt/slides/slide4.xml><?xml version="1.0" encoding="utf-8"?>
+<p:sld xmlns:a="http://schemas.openxmlformats.org/drawingml/2006/main" xmlns:r="http://schemas.openxmlformats.org/officeDocument/2006/relationships" xmlns:p="http://schemas.openxmlformats.org/presentationml/2006/main" showMasterSp="0">
+  <p:cSld>
+    <p:spTree>
+      <p:nvGrpSpPr>
+        <p:cNvPr id="1" name="">
+          <a:extLst>
+            <a:ext uri="{FF2B5EF4-FFF2-40B4-BE49-F238E27FC236}">
+              <a16:creationId xmlns:a16="http://schemas.microsoft.com/office/drawing/2014/main" id="{9F39B4E5-F71D-6EE3-9256-021C6318F866}"/>
+            </a:ext>
+          </a:extLst>
+        </p:cNvPr>
+        <p:cNvGrpSpPr/>
+        <p:nvPr/>
+      </p:nvGrpSpPr>
+      <p:grpSpPr>
+        <a:xfrm>
+          <a:off x="0" y="0"/>
+          <a:ext cx="0" cy="0"/>
+          <a:chOff x="0" y="0"/>
+          <a:chExt cx="0" cy="0"/>
+        </a:xfrm>
+      </p:grpSpPr>
+      <p:pic>
+        <p:nvPicPr>
+          <p:cNvPr id="3" name="Picture 2" descr="A graph of a distribution of heights with Ryugyong Hotel in the background&#10;&#10;AI-generated content may be incorrect.">
+            <a:extLst>
+              <a:ext uri="{FF2B5EF4-FFF2-40B4-BE49-F238E27FC236}">
+                <a16:creationId xmlns:a16="http://schemas.microsoft.com/office/drawing/2014/main" id="{9C83D99A-5EBB-98A4-D09E-B49FD31BACFA}"/>
+              </a:ext>
+            </a:extLst>
+          </p:cNvPr>
+          <p:cNvPicPr>
+            <a:picLocks noChangeAspect="1"/>
+          </p:cNvPicPr>
+          <p:nvPr/>
+        </p:nvPicPr>
+        <p:blipFill>
+          <a:blip r:embed="rId2"/>
+          <a:stretch>
+            <a:fillRect/>
+          </a:stretch>
+        </p:blipFill>
+        <p:spPr>
+          <a:xfrm>
+            <a:off x="2315999" y="0"/>
+            <a:ext cx="7560001" cy="5400000"/>
+          </a:xfrm>
+          <a:prstGeom prst="rect">
+            <a:avLst/>
+          </a:prstGeom>
+        </p:spPr>
+      </p:pic>
+      <p:sp>
+        <p:nvSpPr>
+          <p:cNvPr id="4" name="Rectangle 3">
+            <a:extLst>
+              <a:ext uri="{FF2B5EF4-FFF2-40B4-BE49-F238E27FC236}">
+                <a16:creationId xmlns:a16="http://schemas.microsoft.com/office/drawing/2014/main" id="{6BC7155F-675A-8DA4-E036-665101EB9F9C}"/>
+              </a:ext>
+            </a:extLst>
+          </p:cNvPr>
+          <p:cNvSpPr/>
+          <p:nvPr/>
+        </p:nvSpPr>
+        <p:spPr>
+          <a:xfrm>
+            <a:off x="2073285" y="1053462"/>
+            <a:ext cx="914400" cy="3293076"/>
+          </a:xfrm>
+          <a:prstGeom prst="rect">
+            <a:avLst/>
+          </a:prstGeom>
+          <a:solidFill>
+            <a:schemeClr val="bg1"/>
+          </a:solidFill>
+          <a:ln>
+            <a:noFill/>
+          </a:ln>
+        </p:spPr>
+        <p:style>
+          <a:lnRef idx="2">
+            <a:schemeClr val="accent1">
+              <a:shade val="15000"/>
+            </a:schemeClr>
+          </a:lnRef>
+          <a:fillRef idx="1">
+            <a:schemeClr val="accent1"/>
+          </a:fillRef>
+          <a:effectRef idx="0">
+            <a:schemeClr val="accent1"/>
+          </a:effectRef>
+          <a:fontRef idx="minor">
+            <a:schemeClr val="lt1"/>
+          </a:fontRef>
+        </p:style>
+        <p:txBody>
+          <a:bodyPr rtlCol="0" anchor="ctr"/>
+          <a:lstStyle/>
+          <a:p>
+            <a:pPr algn="ctr"/>
+            <a:endParaRPr lang="en-PH"/>
+          </a:p>
+        </p:txBody>
+      </p:sp>
+      <p:sp>
+        <p:nvSpPr>
+          <p:cNvPr id="12" name="TextBox 11">
+            <a:extLst>
+              <a:ext uri="{FF2B5EF4-FFF2-40B4-BE49-F238E27FC236}">
+                <a16:creationId xmlns:a16="http://schemas.microsoft.com/office/drawing/2014/main" id="{0501F0A8-0B37-D8B8-39ED-FAFD5A6FB8B1}"/>
+              </a:ext>
+            </a:extLst>
+          </p:cNvPr>
+          <p:cNvSpPr txBox="1"/>
+          <p:nvPr/>
+        </p:nvSpPr>
+        <p:spPr>
+          <a:xfrm>
+            <a:off x="1017044" y="5804538"/>
+            <a:ext cx="10157909" cy="861774"/>
+          </a:xfrm>
+          <a:prstGeom prst="rect">
+            <a:avLst/>
+          </a:prstGeom>
+          <a:noFill/>
+        </p:spPr>
+        <p:txBody>
+          <a:bodyPr wrap="none" rtlCol="0">
+            <a:spAutoFit/>
+          </a:bodyPr>
+          <a:lstStyle/>
+          <a:p>
+            <a:pPr algn="ctr"/>
+            <a:r>
+              <a:rPr lang="en-US" sz="2500" dirty="0"/>
+              <a:t>It is also called a </a:t>
+            </a:r>
+            <a:r>
+              <a:rPr lang="en-US" sz="2500" b="1" dirty="0">
+                <a:solidFill>
+                  <a:srgbClr val="002060"/>
+                </a:solidFill>
+              </a:rPr>
+              <a:t>“bell shaped curve” </a:t>
+            </a:r>
+            <a:r>
+              <a:rPr lang="en-US" sz="2500" dirty="0"/>
+              <a:t>because it is a symmetrical curve </a:t>
+            </a:r>
+          </a:p>
+          <a:p>
+            <a:pPr algn="ctr"/>
+            <a:r>
+              <a:rPr lang="en-US" sz="2500" dirty="0"/>
+              <a:t>that looks like a bell</a:t>
+            </a:r>
+            <a:endParaRPr lang="en-PH" sz="2500" dirty="0"/>
+          </a:p>
+        </p:txBody>
+      </p:sp>
+    </p:spTree>
+    <p:extLst>
+      <p:ext uri="{BB962C8B-B14F-4D97-AF65-F5344CB8AC3E}">
+        <p14:creationId xmlns:p14="http://schemas.microsoft.com/office/powerpoint/2010/main" val="853639952"/>
+      </p:ext>
+    </p:extLst>
+  </p:cSld>
+  <p:clrMapOvr>
+    <a:masterClrMapping/>
+  </p:clrMapOvr>
+</p:sld>
+</file>
+
+<file path=ppt/slides/slide40.xml><?xml version="1.0" encoding="utf-8"?>
+<p:sld xmlns:a="http://schemas.openxmlformats.org/drawingml/2006/main" xmlns:r="http://schemas.openxmlformats.org/officeDocument/2006/relationships" xmlns:p="http://schemas.openxmlformats.org/presentationml/2006/main" showMasterSp="0">
+  <p:cSld>
+    <p:spTree>
+      <p:nvGrpSpPr>
+        <p:cNvPr id="1" name="">
+          <a:extLst>
+            <a:ext uri="{FF2B5EF4-FFF2-40B4-BE49-F238E27FC236}">
+              <a16:creationId xmlns:a16="http://schemas.microsoft.com/office/drawing/2014/main" id="{49E1DDE4-DA2A-FBBE-0FE0-0D47037C1D6F}"/>
+            </a:ext>
+          </a:extLst>
+        </p:cNvPr>
+        <p:cNvGrpSpPr/>
+        <p:nvPr/>
+      </p:nvGrpSpPr>
+      <p:grpSpPr>
+        <a:xfrm>
+          <a:off x="0" y="0"/>
+          <a:ext cx="0" cy="0"/>
+          <a:chOff x="0" y="0"/>
+          <a:chExt cx="0" cy="0"/>
+        </a:xfrm>
+      </p:grpSpPr>
+      <p:sp>
+        <p:nvSpPr>
+          <p:cNvPr id="2" name="TextBox 1">
+            <a:extLst>
+              <a:ext uri="{FF2B5EF4-FFF2-40B4-BE49-F238E27FC236}">
+                <a16:creationId xmlns:a16="http://schemas.microsoft.com/office/drawing/2014/main" id="{68C1B1DE-7917-0D09-1A89-79CE55B5D26A}"/>
+              </a:ext>
+            </a:extLst>
+          </p:cNvPr>
+          <p:cNvSpPr txBox="1"/>
+          <p:nvPr/>
+        </p:nvSpPr>
+        <p:spPr>
+          <a:xfrm>
+            <a:off x="2359886" y="5786003"/>
+            <a:ext cx="7472815" cy="769441"/>
+          </a:xfrm>
+          <a:prstGeom prst="rect">
+            <a:avLst/>
+          </a:prstGeom>
+          <a:noFill/>
+        </p:spPr>
+        <p:txBody>
+          <a:bodyPr wrap="none" rtlCol="0">
+            <a:spAutoFit/>
+          </a:bodyPr>
+          <a:lstStyle/>
+          <a:p>
+            <a:pPr algn="ctr"/>
+            <a:r>
+              <a:rPr lang="en-US" sz="2200" dirty="0"/>
+              <a:t>This means that 95% of the </a:t>
+            </a:r>
+            <a:r>
+              <a:rPr lang="en-US" sz="2200" b="1" dirty="0">
+                <a:solidFill>
+                  <a:srgbClr val="00B050"/>
+                </a:solidFill>
+              </a:rPr>
+              <a:t>NBA Players</a:t>
+            </a:r>
+            <a:r>
+              <a:rPr lang="en-US" sz="2200" dirty="0">
+                <a:solidFill>
+                  <a:srgbClr val="00B050"/>
+                </a:solidFill>
+              </a:rPr>
+              <a:t> </a:t>
+            </a:r>
+            <a:r>
+              <a:rPr lang="en-US" sz="2200" dirty="0"/>
+              <a:t>measurements fall </a:t>
+            </a:r>
+          </a:p>
+          <a:p>
+            <a:pPr algn="ctr"/>
+            <a:r>
+              <a:rPr lang="en-US" sz="2200" dirty="0"/>
+              <a:t>between 200.3 plus or minus 15.8 centimeters</a:t>
+            </a:r>
+          </a:p>
+        </p:txBody>
+      </p:sp>
+      <p:pic>
+        <p:nvPicPr>
+          <p:cNvPr id="4" name="Picture 3" descr="A graph of a number of numbers&#10;&#10;AI-generated content may be incorrect.">
+            <a:extLst>
+              <a:ext uri="{FF2B5EF4-FFF2-40B4-BE49-F238E27FC236}">
+                <a16:creationId xmlns:a16="http://schemas.microsoft.com/office/drawing/2014/main" id="{D41CCA4F-EB42-675A-06BC-7BD3BE3924AF}"/>
+              </a:ext>
+            </a:extLst>
+          </p:cNvPr>
+          <p:cNvPicPr>
+            <a:picLocks noChangeAspect="1"/>
+          </p:cNvPicPr>
+          <p:nvPr/>
+        </p:nvPicPr>
+        <p:blipFill>
+          <a:blip r:embed="rId2"/>
+          <a:stretch>
+            <a:fillRect/>
+          </a:stretch>
+        </p:blipFill>
+        <p:spPr>
+          <a:xfrm>
+            <a:off x="1875707" y="0"/>
+            <a:ext cx="8440585" cy="5400000"/>
+          </a:xfrm>
+          <a:prstGeom prst="rect">
+            <a:avLst/>
+          </a:prstGeom>
+        </p:spPr>
+      </p:pic>
+    </p:spTree>
+    <p:extLst>
+      <p:ext uri="{BB962C8B-B14F-4D97-AF65-F5344CB8AC3E}">
+        <p14:creationId xmlns:p14="http://schemas.microsoft.com/office/powerpoint/2010/main" val="1613267008"/>
+      </p:ext>
+    </p:extLst>
+  </p:cSld>
+  <p:clrMapOvr>
+    <a:masterClrMapping/>
+  </p:clrMapOvr>
+</p:sld>
+</file>
+
+<file path=ppt/slides/slide41.xml><?xml version="1.0" encoding="utf-8"?>
+<p:sld xmlns:a="http://schemas.openxmlformats.org/drawingml/2006/main" xmlns:r="http://schemas.openxmlformats.org/officeDocument/2006/relationships" xmlns:p="http://schemas.openxmlformats.org/presentationml/2006/main" showMasterSp="0">
+  <p:cSld>
+    <p:spTree>
+      <p:nvGrpSpPr>
+        <p:cNvPr id="1" name=""/>
+        <p:cNvGrpSpPr/>
+        <p:nvPr/>
+      </p:nvGrpSpPr>
+      <p:grpSpPr>
+        <a:xfrm>
+          <a:off x="0" y="0"/>
+          <a:ext cx="0" cy="0"/>
+          <a:chOff x="0" y="0"/>
+          <a:chExt cx="0" cy="0"/>
+        </a:xfrm>
+      </p:grpSpPr>
+      <p:sp>
+        <p:nvSpPr>
+          <p:cNvPr id="4" name="TextBox 3">
+            <a:extLst>
+              <a:ext uri="{FF2B5EF4-FFF2-40B4-BE49-F238E27FC236}">
+                <a16:creationId xmlns:a16="http://schemas.microsoft.com/office/drawing/2014/main" id="{3873E3D0-5C01-26A4-7D84-D642401E67B1}"/>
+              </a:ext>
+            </a:extLst>
+          </p:cNvPr>
+          <p:cNvSpPr txBox="1"/>
+          <p:nvPr/>
+        </p:nvSpPr>
+        <p:spPr>
+          <a:xfrm>
+            <a:off x="1185640" y="5786003"/>
+            <a:ext cx="9821343" cy="430887"/>
+          </a:xfrm>
+          <a:prstGeom prst="rect">
+            <a:avLst/>
+          </a:prstGeom>
+          <a:noFill/>
+        </p:spPr>
+        <p:txBody>
+          <a:bodyPr wrap="none" rtlCol="0">
+            <a:spAutoFit/>
+          </a:bodyPr>
+          <a:lstStyle/>
+          <a:p>
+            <a:pPr algn="ctr"/>
+            <a:r>
+              <a:rPr lang="en-US" sz="2200" dirty="0"/>
+              <a:t>If we add another feature like weight, 2D gaussian distributions will look like this </a:t>
+            </a:r>
+          </a:p>
+        </p:txBody>
+      </p:sp>
+      <p:pic>
+        <p:nvPicPr>
+          <p:cNvPr id="8" name="Picture 7" descr="A graph of different colored dots&#10;&#10;AI-generated content may be incorrect.">
+            <a:extLst>
+              <a:ext uri="{FF2B5EF4-FFF2-40B4-BE49-F238E27FC236}">
+                <a16:creationId xmlns:a16="http://schemas.microsoft.com/office/drawing/2014/main" id="{2D100268-92FF-901E-253A-06FAA6520C3F}"/>
+              </a:ext>
+            </a:extLst>
+          </p:cNvPr>
+          <p:cNvPicPr>
+            <a:picLocks noChangeAspect="1"/>
+          </p:cNvPicPr>
+          <p:nvPr/>
+        </p:nvPicPr>
+        <p:blipFill>
+          <a:blip r:embed="rId2"/>
+          <a:stretch>
+            <a:fillRect/>
+          </a:stretch>
+        </p:blipFill>
+        <p:spPr>
+          <a:xfrm>
+            <a:off x="2665469" y="0"/>
+            <a:ext cx="6861061" cy="5400000"/>
+          </a:xfrm>
+          <a:prstGeom prst="rect">
+            <a:avLst/>
+          </a:prstGeom>
+        </p:spPr>
+      </p:pic>
+    </p:spTree>
+    <p:extLst>
+      <p:ext uri="{BB962C8B-B14F-4D97-AF65-F5344CB8AC3E}">
+        <p14:creationId xmlns:p14="http://schemas.microsoft.com/office/powerpoint/2010/main" val="502374708"/>
+      </p:ext>
+    </p:extLst>
+  </p:cSld>
+  <p:clrMapOvr>
+    <a:masterClrMapping/>
+  </p:clrMapOvr>
+</p:sld>
+</file>
+
+<file path=ppt/slides/slide42.xml><?xml version="1.0" encoding="utf-8"?>
+<p:sld xmlns:a="http://schemas.openxmlformats.org/drawingml/2006/main" xmlns:r="http://schemas.openxmlformats.org/officeDocument/2006/relationships" xmlns:p="http://schemas.openxmlformats.org/presentationml/2006/main" showMasterSp="0">
+  <p:cSld>
+    <p:spTree>
+      <p:nvGrpSpPr>
+        <p:cNvPr id="1" name="">
+          <a:extLst>
+            <a:ext uri="{FF2B5EF4-FFF2-40B4-BE49-F238E27FC236}">
+              <a16:creationId xmlns:a16="http://schemas.microsoft.com/office/drawing/2014/main" id="{94DFF4E1-60A8-EC3F-3AFA-823BB6066D42}"/>
+            </a:ext>
+          </a:extLst>
+        </p:cNvPr>
+        <p:cNvGrpSpPr/>
+        <p:nvPr/>
+      </p:nvGrpSpPr>
+      <p:grpSpPr>
+        <a:xfrm>
+          <a:off x="0" y="0"/>
+          <a:ext cx="0" cy="0"/>
+          <a:chOff x="0" y="0"/>
+          <a:chExt cx="0" cy="0"/>
+        </a:xfrm>
+      </p:grpSpPr>
+      <p:pic>
+        <p:nvPicPr>
+          <p:cNvPr id="3" name="Picture 2" descr="A graph with circles and numbers&#10;&#10;AI-generated content may be incorrect.">
+            <a:extLst>
+              <a:ext uri="{FF2B5EF4-FFF2-40B4-BE49-F238E27FC236}">
+                <a16:creationId xmlns:a16="http://schemas.microsoft.com/office/drawing/2014/main" id="{73A5836F-DF00-CA70-4E86-EAA74E7BB307}"/>
+              </a:ext>
+            </a:extLst>
+          </p:cNvPr>
+          <p:cNvPicPr>
+            <a:picLocks noChangeAspect="1"/>
+          </p:cNvPicPr>
+          <p:nvPr/>
+        </p:nvPicPr>
+        <p:blipFill>
+          <a:blip r:embed="rId2"/>
+          <a:stretch>
+            <a:fillRect/>
+          </a:stretch>
+        </p:blipFill>
+        <p:spPr>
+          <a:xfrm>
+            <a:off x="2561837" y="0"/>
+            <a:ext cx="7068326" cy="5705867"/>
+          </a:xfrm>
+          <a:prstGeom prst="rect">
+            <a:avLst/>
+          </a:prstGeom>
+        </p:spPr>
+      </p:pic>
+      <p:sp>
+        <p:nvSpPr>
+          <p:cNvPr id="4" name="TextBox 3">
+            <a:extLst>
+              <a:ext uri="{FF2B5EF4-FFF2-40B4-BE49-F238E27FC236}">
+                <a16:creationId xmlns:a16="http://schemas.microsoft.com/office/drawing/2014/main" id="{12536222-369C-23DC-2EAE-297CCE5F7AB5}"/>
+              </a:ext>
+            </a:extLst>
+          </p:cNvPr>
+          <p:cNvSpPr txBox="1"/>
+          <p:nvPr/>
+        </p:nvSpPr>
+        <p:spPr>
+          <a:xfrm>
+            <a:off x="1806907" y="5786003"/>
+            <a:ext cx="8578823" cy="430887"/>
+          </a:xfrm>
+          <a:prstGeom prst="rect">
+            <a:avLst/>
+          </a:prstGeom>
+          <a:noFill/>
+        </p:spPr>
+        <p:txBody>
+          <a:bodyPr wrap="none" rtlCol="0">
+            <a:spAutoFit/>
+          </a:bodyPr>
+          <a:lstStyle/>
+          <a:p>
+            <a:pPr algn="ctr"/>
+            <a:r>
+              <a:rPr lang="en-US" sz="2200" dirty="0"/>
+              <a:t>Multivariate gaussian distributions are visualized using </a:t>
+            </a:r>
+            <a:r>
+              <a:rPr lang="en-US" sz="2200" b="1" dirty="0"/>
+              <a:t>contour plots</a:t>
+            </a:r>
+          </a:p>
+        </p:txBody>
+      </p:sp>
+    </p:spTree>
+    <p:extLst>
+      <p:ext uri="{BB962C8B-B14F-4D97-AF65-F5344CB8AC3E}">
+        <p14:creationId xmlns:p14="http://schemas.microsoft.com/office/powerpoint/2010/main" val="837015001"/>
+      </p:ext>
+    </p:extLst>
+  </p:cSld>
+  <p:clrMapOvr>
+    <a:masterClrMapping/>
+  </p:clrMapOvr>
+</p:sld>
+</file>
+
+<file path=ppt/slides/slide43.xml><?xml version="1.0" encoding="utf-8"?>
+<p:sld xmlns:a="http://schemas.openxmlformats.org/drawingml/2006/main" xmlns:r="http://schemas.openxmlformats.org/officeDocument/2006/relationships" xmlns:p="http://schemas.openxmlformats.org/presentationml/2006/main" showMasterSp="0">
+  <p:cSld>
+    <p:spTree>
+      <p:nvGrpSpPr>
+        <p:cNvPr id="1" name="">
+          <a:extLst>
+            <a:ext uri="{FF2B5EF4-FFF2-40B4-BE49-F238E27FC236}">
+              <a16:creationId xmlns:a16="http://schemas.microsoft.com/office/drawing/2014/main" id="{B94881E4-2E18-C642-F692-AE7D9DA7B7EC}"/>
+            </a:ext>
+          </a:extLst>
+        </p:cNvPr>
+        <p:cNvGrpSpPr/>
+        <p:nvPr/>
+      </p:nvGrpSpPr>
+      <p:grpSpPr>
+        <a:xfrm>
+          <a:off x="0" y="0"/>
+          <a:ext cx="0" cy="0"/>
+          <a:chOff x="0" y="0"/>
+          <a:chExt cx="0" cy="0"/>
+        </a:xfrm>
+      </p:grpSpPr>
+      <p:pic>
+        <p:nvPicPr>
+          <p:cNvPr id="3" name="Picture 2" descr="A graph with circles and numbers&#10;&#10;AI-generated content may be incorrect.">
+            <a:extLst>
+              <a:ext uri="{FF2B5EF4-FFF2-40B4-BE49-F238E27FC236}">
+                <a16:creationId xmlns:a16="http://schemas.microsoft.com/office/drawing/2014/main" id="{000EF929-4036-FAB0-0C0E-0283CEA57B23}"/>
+              </a:ext>
+            </a:extLst>
+          </p:cNvPr>
+          <p:cNvPicPr>
+            <a:picLocks noChangeAspect="1"/>
+          </p:cNvPicPr>
+          <p:nvPr/>
+        </p:nvPicPr>
+        <p:blipFill>
+          <a:blip r:embed="rId2"/>
+          <a:stretch>
+            <a:fillRect/>
+          </a:stretch>
+        </p:blipFill>
+        <p:spPr>
+          <a:xfrm>
+            <a:off x="2561837" y="0"/>
+            <a:ext cx="7068326" cy="5705867"/>
+          </a:xfrm>
+          <a:prstGeom prst="rect">
+            <a:avLst/>
+          </a:prstGeom>
+        </p:spPr>
+      </p:pic>
+      <p:sp>
+        <p:nvSpPr>
+          <p:cNvPr id="4" name="TextBox 3">
+            <a:extLst>
+              <a:ext uri="{FF2B5EF4-FFF2-40B4-BE49-F238E27FC236}">
+                <a16:creationId xmlns:a16="http://schemas.microsoft.com/office/drawing/2014/main" id="{CA3F87D7-9F66-2555-12DD-9BFD0FE92BFF}"/>
+              </a:ext>
+            </a:extLst>
+          </p:cNvPr>
+          <p:cNvSpPr txBox="1"/>
+          <p:nvPr/>
+        </p:nvSpPr>
+        <p:spPr>
+          <a:xfrm>
+            <a:off x="1050368" y="5786003"/>
+            <a:ext cx="10091930" cy="430887"/>
+          </a:xfrm>
+          <a:prstGeom prst="rect">
+            <a:avLst/>
+          </a:prstGeom>
+          <a:noFill/>
+        </p:spPr>
+        <p:txBody>
+          <a:bodyPr wrap="none" rtlCol="0">
+            <a:spAutoFit/>
+          </a:bodyPr>
+          <a:lstStyle/>
+          <a:p>
+            <a:pPr algn="ctr"/>
+            <a:r>
+              <a:rPr lang="en-US" sz="2200" dirty="0"/>
+              <a:t>Contour plots lets us see the </a:t>
+            </a:r>
+            <a:r>
+              <a:rPr lang="en-US" sz="2200" b="1" dirty="0"/>
+              <a:t>high probability density </a:t>
+            </a:r>
+            <a:r>
+              <a:rPr lang="en-US" sz="2200" dirty="0"/>
+              <a:t>and </a:t>
+            </a:r>
+            <a:r>
+              <a:rPr lang="en-US" sz="2200" b="1" dirty="0"/>
+              <a:t>lower density regions </a:t>
+            </a:r>
+          </a:p>
+        </p:txBody>
+      </p:sp>
+    </p:spTree>
+    <p:extLst>
+      <p:ext uri="{BB962C8B-B14F-4D97-AF65-F5344CB8AC3E}">
+        <p14:creationId xmlns:p14="http://schemas.microsoft.com/office/powerpoint/2010/main" val="2822994077"/>
+      </p:ext>
+    </p:extLst>
+  </p:cSld>
+  <p:clrMapOvr>
+    <a:masterClrMapping/>
+  </p:clrMapOvr>
+</p:sld>
+</file>
+
+<file path=ppt/slides/slide44.xml><?xml version="1.0" encoding="utf-8"?>
+<p:sld xmlns:a="http://schemas.openxmlformats.org/drawingml/2006/main" xmlns:r="http://schemas.openxmlformats.org/officeDocument/2006/relationships" xmlns:p="http://schemas.openxmlformats.org/presentationml/2006/main" showMasterSp="0">
+  <p:cSld>
+    <p:spTree>
+      <p:nvGrpSpPr>
+        <p:cNvPr id="1" name="">
+          <a:extLst>
+            <a:ext uri="{FF2B5EF4-FFF2-40B4-BE49-F238E27FC236}">
+              <a16:creationId xmlns:a16="http://schemas.microsoft.com/office/drawing/2014/main" id="{B925AE83-16E5-7D9E-D7F3-31CFF372251E}"/>
+            </a:ext>
+          </a:extLst>
+        </p:cNvPr>
+        <p:cNvGrpSpPr/>
+        <p:nvPr/>
+      </p:nvGrpSpPr>
+      <p:grpSpPr>
+        <a:xfrm>
+          <a:off x="0" y="0"/>
+          <a:ext cx="0" cy="0"/>
+          <a:chOff x="0" y="0"/>
+          <a:chExt cx="0" cy="0"/>
+        </a:xfrm>
+      </p:grpSpPr>
+      <p:pic>
+        <p:nvPicPr>
+          <p:cNvPr id="3" name="Picture 2" descr="A graph with circles and numbers&#10;&#10;AI-generated content may be incorrect.">
+            <a:extLst>
+              <a:ext uri="{FF2B5EF4-FFF2-40B4-BE49-F238E27FC236}">
+                <a16:creationId xmlns:a16="http://schemas.microsoft.com/office/drawing/2014/main" id="{90BC02C1-CB29-72E7-DEFA-6C1023794F5B}"/>
+              </a:ext>
+            </a:extLst>
+          </p:cNvPr>
+          <p:cNvPicPr>
+            <a:picLocks noChangeAspect="1"/>
+          </p:cNvPicPr>
+          <p:nvPr/>
+        </p:nvPicPr>
+        <p:blipFill>
+          <a:blip r:embed="rId2"/>
+          <a:stretch>
+            <a:fillRect/>
+          </a:stretch>
+        </p:blipFill>
+        <p:spPr>
+          <a:xfrm>
+            <a:off x="2561837" y="0"/>
+            <a:ext cx="7068326" cy="5705867"/>
+          </a:xfrm>
+          <a:prstGeom prst="rect">
+            <a:avLst/>
+          </a:prstGeom>
+        </p:spPr>
+      </p:pic>
+      <p:sp>
+        <p:nvSpPr>
+          <p:cNvPr id="4" name="TextBox 3">
+            <a:extLst>
+              <a:ext uri="{FF2B5EF4-FFF2-40B4-BE49-F238E27FC236}">
+                <a16:creationId xmlns:a16="http://schemas.microsoft.com/office/drawing/2014/main" id="{A1F5093B-7FE7-8623-87AA-92A252CCA308}"/>
+              </a:ext>
+            </a:extLst>
+          </p:cNvPr>
+          <p:cNvSpPr txBox="1"/>
+          <p:nvPr/>
+        </p:nvSpPr>
+        <p:spPr>
+          <a:xfrm>
+            <a:off x="1874327" y="5786003"/>
+            <a:ext cx="8444043" cy="430887"/>
+          </a:xfrm>
+          <a:prstGeom prst="rect">
+            <a:avLst/>
+          </a:prstGeom>
+          <a:noFill/>
+        </p:spPr>
+        <p:txBody>
+          <a:bodyPr wrap="none" rtlCol="0">
+            <a:spAutoFit/>
+          </a:bodyPr>
+          <a:lstStyle/>
+          <a:p>
+            <a:pPr algn="ctr"/>
+            <a:r>
+              <a:rPr lang="en-US" sz="2200" b="1" dirty="0"/>
+              <a:t>Inner ellipses </a:t>
+            </a:r>
+            <a:r>
+              <a:rPr lang="en-US" sz="2200" dirty="0"/>
+              <a:t>show the region with the </a:t>
+            </a:r>
+            <a:r>
+              <a:rPr lang="en-US" sz="2200" b="1" dirty="0">
+                <a:solidFill>
+                  <a:srgbClr val="00B050"/>
+                </a:solidFill>
+              </a:rPr>
+              <a:t>highest probability density</a:t>
+            </a:r>
+            <a:r>
+              <a:rPr lang="en-US" sz="2200" b="1" dirty="0">
+                <a:solidFill>
+                  <a:srgbClr val="FF0000"/>
+                </a:solidFill>
+              </a:rPr>
+              <a:t> </a:t>
+            </a:r>
+          </a:p>
+        </p:txBody>
+      </p:sp>
+    </p:spTree>
+    <p:extLst>
+      <p:ext uri="{BB962C8B-B14F-4D97-AF65-F5344CB8AC3E}">
+        <p14:creationId xmlns:p14="http://schemas.microsoft.com/office/powerpoint/2010/main" val="1367970677"/>
+      </p:ext>
+    </p:extLst>
+  </p:cSld>
+  <p:clrMapOvr>
+    <a:masterClrMapping/>
+  </p:clrMapOvr>
+</p:sld>
+</file>
+
+<file path=ppt/slides/slide45.xml><?xml version="1.0" encoding="utf-8"?>
+<p:sld xmlns:a="http://schemas.openxmlformats.org/drawingml/2006/main" xmlns:r="http://schemas.openxmlformats.org/officeDocument/2006/relationships" xmlns:p="http://schemas.openxmlformats.org/presentationml/2006/main" showMasterSp="0">
+  <p:cSld>
+    <p:spTree>
+      <p:nvGrpSpPr>
+        <p:cNvPr id="1" name="">
+          <a:extLst>
+            <a:ext uri="{FF2B5EF4-FFF2-40B4-BE49-F238E27FC236}">
+              <a16:creationId xmlns:a16="http://schemas.microsoft.com/office/drawing/2014/main" id="{20ADF0C0-5CFE-7BF3-B32D-2FCD4D14B1AF}"/>
+            </a:ext>
+          </a:extLst>
+        </p:cNvPr>
+        <p:cNvGrpSpPr/>
+        <p:nvPr/>
+      </p:nvGrpSpPr>
+      <p:grpSpPr>
+        <a:xfrm>
+          <a:off x="0" y="0"/>
+          <a:ext cx="0" cy="0"/>
+          <a:chOff x="0" y="0"/>
+          <a:chExt cx="0" cy="0"/>
+        </a:xfrm>
+      </p:grpSpPr>
+      <p:pic>
+        <p:nvPicPr>
+          <p:cNvPr id="3" name="Picture 2" descr="A graph with circles and numbers&#10;&#10;AI-generated content may be incorrect.">
+            <a:extLst>
+              <a:ext uri="{FF2B5EF4-FFF2-40B4-BE49-F238E27FC236}">
+                <a16:creationId xmlns:a16="http://schemas.microsoft.com/office/drawing/2014/main" id="{FE364AD5-AF5B-8900-0723-0C789C977A0A}"/>
+              </a:ext>
+            </a:extLst>
+          </p:cNvPr>
+          <p:cNvPicPr>
+            <a:picLocks noChangeAspect="1"/>
+          </p:cNvPicPr>
+          <p:nvPr/>
+        </p:nvPicPr>
+        <p:blipFill>
+          <a:blip r:embed="rId2"/>
+          <a:stretch>
+            <a:fillRect/>
+          </a:stretch>
+        </p:blipFill>
+        <p:spPr>
+          <a:xfrm>
+            <a:off x="2561837" y="0"/>
+            <a:ext cx="7068326" cy="5705867"/>
+          </a:xfrm>
+          <a:prstGeom prst="rect">
+            <a:avLst/>
+          </a:prstGeom>
+        </p:spPr>
+      </p:pic>
+      <p:sp>
+        <p:nvSpPr>
+          <p:cNvPr id="4" name="TextBox 3">
+            <a:extLst>
+              <a:ext uri="{FF2B5EF4-FFF2-40B4-BE49-F238E27FC236}">
+                <a16:creationId xmlns:a16="http://schemas.microsoft.com/office/drawing/2014/main" id="{D6FE59E7-7CF6-E6F1-C4F6-CEED5FB16848}"/>
+              </a:ext>
+            </a:extLst>
+          </p:cNvPr>
+          <p:cNvSpPr txBox="1"/>
+          <p:nvPr/>
+        </p:nvSpPr>
+        <p:spPr>
+          <a:xfrm>
+            <a:off x="1959929" y="5786003"/>
+            <a:ext cx="8272842" cy="430887"/>
+          </a:xfrm>
+          <a:prstGeom prst="rect">
+            <a:avLst/>
+          </a:prstGeom>
+          <a:noFill/>
+        </p:spPr>
+        <p:txBody>
+          <a:bodyPr wrap="none" rtlCol="0">
+            <a:spAutoFit/>
+          </a:bodyPr>
+          <a:lstStyle/>
+          <a:p>
+            <a:pPr algn="ctr"/>
+            <a:r>
+              <a:rPr lang="en-US" sz="2200" b="1" dirty="0"/>
+              <a:t>Outer ellipses </a:t>
+            </a:r>
+            <a:r>
+              <a:rPr lang="en-US" sz="2200" dirty="0"/>
+              <a:t>show the region with the</a:t>
+            </a:r>
+            <a:r>
+              <a:rPr lang="en-US" sz="2200" dirty="0">
+                <a:solidFill>
+                  <a:srgbClr val="FF0000"/>
+                </a:solidFill>
+              </a:rPr>
+              <a:t> </a:t>
+            </a:r>
+            <a:r>
+              <a:rPr lang="en-US" sz="2200" b="1" dirty="0">
+                <a:solidFill>
+                  <a:srgbClr val="FF0000"/>
+                </a:solidFill>
+              </a:rPr>
+              <a:t>lower probability density </a:t>
+            </a:r>
+          </a:p>
+        </p:txBody>
+      </p:sp>
+    </p:spTree>
+    <p:extLst>
+      <p:ext uri="{BB962C8B-B14F-4D97-AF65-F5344CB8AC3E}">
+        <p14:creationId xmlns:p14="http://schemas.microsoft.com/office/powerpoint/2010/main" val="3189816515"/>
+      </p:ext>
+    </p:extLst>
+  </p:cSld>
+  <p:clrMapOvr>
+    <a:masterClrMapping/>
+  </p:clrMapOvr>
+</p:sld>
+</file>
+
+<file path=ppt/slides/slide46.xml><?xml version="1.0" encoding="utf-8"?>
+<p:sld xmlns:a="http://schemas.openxmlformats.org/drawingml/2006/main" xmlns:r="http://schemas.openxmlformats.org/officeDocument/2006/relationships" xmlns:p="http://schemas.openxmlformats.org/presentationml/2006/main">
+  <p:cSld>
+    <p:spTree>
+      <p:nvGrpSpPr>
+        <p:cNvPr id="1" name=""/>
+        <p:cNvGrpSpPr/>
+        <p:nvPr/>
+      </p:nvGrpSpPr>
+      <p:grpSpPr>
+        <a:xfrm>
+          <a:off x="0" y="0"/>
+          <a:ext cx="0" cy="0"/>
+          <a:chOff x="0" y="0"/>
+          <a:chExt cx="0" cy="0"/>
+        </a:xfrm>
+      </p:grpSpPr>
+      <p:sp>
+        <p:nvSpPr>
+          <p:cNvPr id="2" name="Title 1">
+            <a:extLst>
+              <a:ext uri="{FF2B5EF4-FFF2-40B4-BE49-F238E27FC236}">
+                <a16:creationId xmlns:a16="http://schemas.microsoft.com/office/drawing/2014/main" id="{B1EE1320-7627-50C1-3577-0660794951A5}"/>
+              </a:ext>
+            </a:extLst>
+          </p:cNvPr>
+          <p:cNvSpPr>
+            <a:spLocks noGrp="1"/>
+          </p:cNvSpPr>
+          <p:nvPr>
+            <p:ph type="title"/>
+          </p:nvPr>
+        </p:nvSpPr>
+        <p:spPr/>
+        <p:txBody>
+          <a:bodyPr/>
+          <a:lstStyle/>
+          <a:p>
+            <a:r>
+              <a:rPr lang="en-US" dirty="0"/>
+              <a:t>Gaussian Distribution</a:t>
+            </a:r>
+            <a:endParaRPr lang="en-PH" dirty="0"/>
+          </a:p>
+        </p:txBody>
+      </p:sp>
+      <p:sp>
+        <p:nvSpPr>
+          <p:cNvPr id="3" name="Content Placeholder 2">
+            <a:extLst>
+              <a:ext uri="{FF2B5EF4-FFF2-40B4-BE49-F238E27FC236}">
+                <a16:creationId xmlns:a16="http://schemas.microsoft.com/office/drawing/2014/main" id="{85EB80C7-9471-AE27-94D5-8845552C6A31}"/>
+              </a:ext>
+            </a:extLst>
+          </p:cNvPr>
+          <p:cNvSpPr>
+            <a:spLocks noGrp="1"/>
+          </p:cNvSpPr>
+          <p:nvPr>
+            <p:ph idx="1"/>
+          </p:nvPr>
+        </p:nvSpPr>
+        <p:spPr/>
+        <p:txBody>
+          <a:bodyPr/>
+          <a:lstStyle/>
+          <a:p>
+            <a:r>
+              <a:rPr lang="en-US" b="1" dirty="0"/>
+              <a:t>Gaussian (normal) distribution can be used to generate synthetic </a:t>
+            </a:r>
+            <a:r>
+              <a:rPr lang="en-US" b="1" dirty="0" err="1"/>
+              <a:t>dat</a:t>
+            </a:r>
+            <a:endParaRPr lang="en-PH" dirty="0"/>
+          </a:p>
+        </p:txBody>
+      </p:sp>
+      <mc:AlternateContent xmlns:mc="http://schemas.openxmlformats.org/markup-compatibility/2006">
+        <mc:Choice xmlns:a14="http://schemas.microsoft.com/office/drawing/2010/main" Requires="a14">
+          <p:sp>
+            <p:nvSpPr>
+              <p:cNvPr id="5" name="TextBox 4">
+                <a:extLst>
+                  <a:ext uri="{FF2B5EF4-FFF2-40B4-BE49-F238E27FC236}">
+                    <a16:creationId xmlns:a16="http://schemas.microsoft.com/office/drawing/2014/main" id="{DF3F96C2-02A7-DA40-1DF5-A90F424ECE38}"/>
+                  </a:ext>
+                </a:extLst>
+              </p:cNvPr>
+              <p:cNvSpPr txBox="1"/>
+              <p:nvPr/>
+            </p:nvSpPr>
+            <p:spPr>
+              <a:xfrm>
+                <a:off x="3038475" y="3982135"/>
+                <a:ext cx="6115050" cy="2493503"/>
+              </a:xfrm>
+              <a:prstGeom prst="rect">
+                <a:avLst/>
+              </a:prstGeom>
+              <a:noFill/>
+            </p:spPr>
+            <p:txBody>
+              <a:bodyPr wrap="square">
+                <a:spAutoFit/>
+              </a:bodyPr>
+              <a:lstStyle/>
+              <a:p>
+                <a:pPr>
+                  <a:buNone/>
+                </a:pPr>
+                <a:r>
+                  <a:rPr lang="en-PH" sz="2500" dirty="0"/>
+                  <a:t>For a 1D Gaussian:</a:t>
+                </a:r>
+              </a:p>
+              <a:p>
+                <a:pPr>
+                  <a:buNone/>
+                </a:pPr>
+                <a14:m>
+                  <m:oMathPara xmlns:m="http://schemas.openxmlformats.org/officeDocument/2006/math">
+                    <m:oMathParaPr>
+                      <m:jc m:val="centerGroup"/>
+                    </m:oMathParaPr>
+                    <m:oMath xmlns:m="http://schemas.openxmlformats.org/officeDocument/2006/math">
+                      <m:r>
+                        <a:rPr lang="en-PH" sz="2500" i="1">
+                          <a:latin typeface="Cambria Math" panose="02040503050406030204" pitchFamily="18" charset="0"/>
+                        </a:rPr>
+                        <m:t>𝑥</m:t>
+                      </m:r>
+                      <m:r>
+                        <a:rPr lang="en-PH" sz="2500" i="0">
+                          <a:latin typeface="Cambria Math" panose="02040503050406030204" pitchFamily="18" charset="0"/>
+                        </a:rPr>
+                        <m:t>∼</m:t>
+                      </m:r>
+                      <m:r>
+                        <a:rPr lang="en-PH" sz="2500" i="0">
+                          <a:latin typeface="Cambria Math" panose="02040503050406030204" pitchFamily="18" charset="0"/>
+                        </a:rPr>
+                        <m:t>𝒩</m:t>
+                      </m:r>
+                      <m:d>
+                        <m:dPr>
+                          <m:sepChr m:val=","/>
+                          <m:ctrlPr>
+                            <a:rPr lang="ar-AE" sz="2500" i="1">
+                              <a:latin typeface="Cambria Math" panose="02040503050406030204" pitchFamily="18" charset="0"/>
+                            </a:rPr>
+                          </m:ctrlPr>
+                        </m:dPr>
+                        <m:e>
+                          <m:r>
+                            <a:rPr lang="ar-AE" sz="2500" i="1">
+                              <a:latin typeface="Cambria Math" panose="02040503050406030204" pitchFamily="18" charset="0"/>
+                            </a:rPr>
+                            <m:t>𝜇</m:t>
+                          </m:r>
+                        </m:e>
+                        <m:e>
+                          <m:sSup>
+                            <m:sSupPr>
+                              <m:ctrlPr>
+                                <a:rPr lang="ar-AE" sz="2500" i="1">
+                                  <a:latin typeface="Cambria Math" panose="02040503050406030204" pitchFamily="18" charset="0"/>
+                                </a:rPr>
+                              </m:ctrlPr>
+                            </m:sSupPr>
+                            <m:e>
+                              <m:r>
+                                <a:rPr lang="ar-AE" sz="2500" i="1">
+                                  <a:latin typeface="Cambria Math" panose="02040503050406030204" pitchFamily="18" charset="0"/>
+                                </a:rPr>
+                                <m:t>𝜎</m:t>
+                              </m:r>
+                            </m:e>
+                            <m:sup>
+                              <m:r>
+                                <a:rPr lang="ar-AE" sz="2500" i="0">
+                                  <a:latin typeface="Cambria Math" panose="02040503050406030204" pitchFamily="18" charset="0"/>
+                                </a:rPr>
+                                <m:t>2</m:t>
+                              </m:r>
+                            </m:sup>
+                          </m:sSup>
+                        </m:e>
+                      </m:d>
+                    </m:oMath>
+                  </m:oMathPara>
+                </a14:m>
+                <a:endParaRPr lang="en-US" sz="2500" dirty="0"/>
+              </a:p>
+              <a:p>
+                <a:pPr>
+                  <a:buNone/>
+                </a:pPr>
+                <a:endParaRPr lang="en-US" sz="2500" dirty="0"/>
+              </a:p>
+              <a:p>
+                <a:pPr>
+                  <a:buNone/>
+                </a:pPr>
+                <a:r>
+                  <a:rPr lang="en-US" sz="2500" dirty="0"/>
+                  <a:t>Where:</a:t>
+                </a:r>
+              </a:p>
+              <a:p>
+                <a:pPr>
+                  <a:buNone/>
+                </a:pPr>
+                <a:r>
+                  <a:rPr lang="en-US" sz="2500" dirty="0"/>
+                  <a:t>𝜇 = mean (center of the distribution) </a:t>
+                </a:r>
+              </a:p>
+              <a:p>
+                <a:pPr>
+                  <a:buNone/>
+                </a:pPr>
+                <a14:m>
+                  <m:oMath xmlns:m="http://schemas.openxmlformats.org/officeDocument/2006/math">
+                    <m:sSup>
+                      <m:sSupPr>
+                        <m:ctrlPr>
+                          <a:rPr lang="en-US" sz="2500" i="1" smtClean="0">
+                            <a:latin typeface="Cambria Math" panose="02040503050406030204" pitchFamily="18" charset="0"/>
+                          </a:rPr>
+                        </m:ctrlPr>
+                      </m:sSupPr>
+                      <m:e>
+                        <m:r>
+                          <m:rPr>
+                            <m:nor/>
+                          </m:rPr>
+                          <a:rPr lang="en-US" sz="2500" dirty="0"/>
+                          <m:t>𝜎</m:t>
+                        </m:r>
+                      </m:e>
+                      <m:sup>
+                        <m:r>
+                          <a:rPr lang="en-US" sz="2500" b="0" i="1" smtClean="0">
+                            <a:latin typeface="Cambria Math" panose="02040503050406030204" pitchFamily="18" charset="0"/>
+                          </a:rPr>
+                          <m:t>2</m:t>
+                        </m:r>
+                      </m:sup>
+                    </m:sSup>
+                  </m:oMath>
+                </a14:m>
+                <a:r>
+                  <a:rPr lang="en-US" sz="2500" dirty="0"/>
+                  <a:t> = variance (spread)</a:t>
+                </a:r>
+                <a:endParaRPr lang="ar-AE" sz="2500" dirty="0"/>
+              </a:p>
+            </p:txBody>
+          </p:sp>
+        </mc:Choice>
+        <mc:Fallback>
+          <p:sp>
+            <p:nvSpPr>
+              <p:cNvPr id="5" name="TextBox 4">
+                <a:extLst>
+                  <a:ext uri="{FF2B5EF4-FFF2-40B4-BE49-F238E27FC236}">
+                    <a16:creationId xmlns:a16="http://schemas.microsoft.com/office/drawing/2014/main" id="{DF3F96C2-02A7-DA40-1DF5-A90F424ECE38}"/>
+                  </a:ext>
+                </a:extLst>
+              </p:cNvPr>
+              <p:cNvSpPr txBox="1">
+                <a:spLocks noRot="1" noChangeAspect="1" noMove="1" noResize="1" noEditPoints="1" noAdjustHandles="1" noChangeArrowheads="1" noChangeShapeType="1" noTextEdit="1"/>
+              </p:cNvSpPr>
+              <p:nvPr/>
+            </p:nvSpPr>
+            <p:spPr>
+              <a:xfrm>
+                <a:off x="3038475" y="3982135"/>
+                <a:ext cx="6115050" cy="2493503"/>
+              </a:xfrm>
+              <a:prstGeom prst="rect">
+                <a:avLst/>
+              </a:prstGeom>
+              <a:blipFill>
+                <a:blip r:embed="rId2"/>
+                <a:stretch>
+                  <a:fillRect l="-1594" t="-1711" b="-1467"/>
+                </a:stretch>
+              </a:blipFill>
+            </p:spPr>
+            <p:txBody>
+              <a:bodyPr/>
+              <a:lstStyle/>
+              <a:p>
+                <a:r>
+                  <a:rPr lang="en-PH">
+                    <a:noFill/>
+                  </a:rPr>
+                  <a:t> </a:t>
+                </a:r>
+              </a:p>
+            </p:txBody>
+          </p:sp>
+        </mc:Fallback>
+      </mc:AlternateContent>
+    </p:spTree>
+    <p:extLst>
+      <p:ext uri="{BB962C8B-B14F-4D97-AF65-F5344CB8AC3E}">
+        <p14:creationId xmlns:p14="http://schemas.microsoft.com/office/powerpoint/2010/main" val="1621487431"/>
+      </p:ext>
+    </p:extLst>
+  </p:cSld>
+  <p:clrMapOvr>
+    <a:masterClrMapping/>
+  </p:clrMapOvr>
+</p:sld>
+</file>
+
+<file path=ppt/slides/slide47.xml><?xml version="1.0" encoding="utf-8"?>
+<p:sld xmlns:a="http://schemas.openxmlformats.org/drawingml/2006/main" xmlns:r="http://schemas.openxmlformats.org/officeDocument/2006/relationships" xmlns:p="http://schemas.openxmlformats.org/presentationml/2006/main">
+  <p:cSld>
+    <p:spTree>
+      <p:nvGrpSpPr>
+        <p:cNvPr id="1" name="">
+          <a:extLst>
+            <a:ext uri="{FF2B5EF4-FFF2-40B4-BE49-F238E27FC236}">
+              <a16:creationId xmlns:a16="http://schemas.microsoft.com/office/drawing/2014/main" id="{46EF0E46-3C44-421B-B8F6-415CB187E2E4}"/>
+            </a:ext>
+          </a:extLst>
+        </p:cNvPr>
+        <p:cNvGrpSpPr/>
+        <p:nvPr/>
+      </p:nvGrpSpPr>
+      <p:grpSpPr>
+        <a:xfrm>
+          <a:off x="0" y="0"/>
+          <a:ext cx="0" cy="0"/>
+          <a:chOff x="0" y="0"/>
+          <a:chExt cx="0" cy="0"/>
+        </a:xfrm>
+      </p:grpSpPr>
+      <p:sp>
+        <p:nvSpPr>
+          <p:cNvPr id="2" name="Title 1">
+            <a:extLst>
+              <a:ext uri="{FF2B5EF4-FFF2-40B4-BE49-F238E27FC236}">
+                <a16:creationId xmlns:a16="http://schemas.microsoft.com/office/drawing/2014/main" id="{8F0060A7-F3CC-0E6A-F34A-722643A37767}"/>
+              </a:ext>
+            </a:extLst>
+          </p:cNvPr>
+          <p:cNvSpPr>
+            <a:spLocks noGrp="1"/>
+          </p:cNvSpPr>
+          <p:nvPr>
+            <p:ph type="title"/>
+          </p:nvPr>
+        </p:nvSpPr>
+        <p:spPr/>
+        <p:txBody>
+          <a:bodyPr/>
+          <a:lstStyle/>
+          <a:p>
+            <a:r>
+              <a:rPr lang="en-US" dirty="0"/>
+              <a:t>Gaussian Distribution</a:t>
+            </a:r>
+            <a:endParaRPr lang="en-PH" dirty="0"/>
+          </a:p>
+        </p:txBody>
+      </p:sp>
+      <p:sp>
+        <p:nvSpPr>
+          <p:cNvPr id="3" name="Content Placeholder 2">
+            <a:extLst>
+              <a:ext uri="{FF2B5EF4-FFF2-40B4-BE49-F238E27FC236}">
+                <a16:creationId xmlns:a16="http://schemas.microsoft.com/office/drawing/2014/main" id="{BE3B34A4-28BE-2342-A47B-5034625E1770}"/>
+              </a:ext>
+            </a:extLst>
+          </p:cNvPr>
+          <p:cNvSpPr>
+            <a:spLocks noGrp="1"/>
+          </p:cNvSpPr>
+          <p:nvPr>
+            <p:ph idx="1"/>
+          </p:nvPr>
+        </p:nvSpPr>
+        <p:spPr/>
+        <p:txBody>
+          <a:bodyPr/>
+          <a:lstStyle/>
+          <a:p>
+            <a:pPr marL="0" indent="0">
+              <a:buNone/>
+            </a:pPr>
+            <a:r>
+              <a:rPr lang="en-US" dirty="0"/>
+              <a:t>Gaussian (normal) distribution can be used </a:t>
+            </a:r>
+            <a:r>
+              <a:rPr lang="en-US" b="1" dirty="0"/>
+              <a:t>to generate synthetic data from its distribution</a:t>
+            </a:r>
+            <a:endParaRPr lang="en-PH" b="1" dirty="0"/>
+          </a:p>
+        </p:txBody>
+      </p:sp>
+      <mc:AlternateContent xmlns:mc="http://schemas.openxmlformats.org/markup-compatibility/2006">
+        <mc:Choice xmlns:a14="http://schemas.microsoft.com/office/drawing/2010/main" Requires="a14">
+          <p:sp>
+            <p:nvSpPr>
+              <p:cNvPr id="5" name="TextBox 4">
+                <a:extLst>
+                  <a:ext uri="{FF2B5EF4-FFF2-40B4-BE49-F238E27FC236}">
+                    <a16:creationId xmlns:a16="http://schemas.microsoft.com/office/drawing/2014/main" id="{E8E859B0-780B-4D11-712E-E580A0123728}"/>
+                  </a:ext>
+                </a:extLst>
+              </p:cNvPr>
+              <p:cNvSpPr txBox="1"/>
+              <p:nvPr/>
+            </p:nvSpPr>
+            <p:spPr>
+              <a:xfrm>
+                <a:off x="3038474" y="5140361"/>
+                <a:ext cx="6115050" cy="1255152"/>
+              </a:xfrm>
+              <a:prstGeom prst="rect">
+                <a:avLst/>
+              </a:prstGeom>
+              <a:noFill/>
+            </p:spPr>
+            <p:txBody>
+              <a:bodyPr wrap="square">
+                <a:spAutoFit/>
+              </a:bodyPr>
+              <a:lstStyle/>
+              <a:p>
+                <a:pPr>
+                  <a:buNone/>
+                </a:pPr>
+                <a:r>
+                  <a:rPr lang="en-US" sz="2500" dirty="0"/>
+                  <a:t>Where:</a:t>
+                </a:r>
+              </a:p>
+              <a:p>
+                <a:pPr>
+                  <a:buNone/>
+                </a:pPr>
+                <a:r>
+                  <a:rPr lang="en-US" sz="2500" b="1" dirty="0"/>
+                  <a:t>𝜇</a:t>
+                </a:r>
+                <a:r>
+                  <a:rPr lang="en-US" sz="2500" dirty="0"/>
+                  <a:t> = mean (center of the distribution) </a:t>
+                </a:r>
+              </a:p>
+              <a:p>
+                <a:pPr>
+                  <a:buNone/>
+                </a:pPr>
+                <a14:m>
+                  <m:oMath xmlns:m="http://schemas.openxmlformats.org/officeDocument/2006/math">
+                    <m:sSup>
+                      <m:sSupPr>
+                        <m:ctrlPr>
+                          <a:rPr lang="en-US" sz="2500" b="1" i="1" smtClean="0">
+                            <a:latin typeface="Cambria Math" panose="02040503050406030204" pitchFamily="18" charset="0"/>
+                          </a:rPr>
+                        </m:ctrlPr>
+                      </m:sSupPr>
+                      <m:e>
+                        <m:r>
+                          <m:rPr>
+                            <m:nor/>
+                          </m:rPr>
+                          <a:rPr lang="en-US" sz="2500" b="1" dirty="0"/>
+                          <m:t>𝜎</m:t>
+                        </m:r>
+                      </m:e>
+                      <m:sup>
+                        <m:r>
+                          <a:rPr lang="en-US" sz="2500" b="1" i="1" smtClean="0">
+                            <a:latin typeface="Cambria Math" panose="02040503050406030204" pitchFamily="18" charset="0"/>
+                          </a:rPr>
+                          <m:t>𝟐</m:t>
+                        </m:r>
+                      </m:sup>
+                    </m:sSup>
+                  </m:oMath>
+                </a14:m>
+                <a:r>
+                  <a:rPr lang="en-US" sz="2500" b="1" dirty="0"/>
+                  <a:t> </a:t>
+                </a:r>
+                <a:r>
+                  <a:rPr lang="en-US" sz="2500" dirty="0"/>
+                  <a:t>= variance (spread)</a:t>
+                </a:r>
+                <a:endParaRPr lang="ar-AE" sz="2500" dirty="0"/>
+              </a:p>
+            </p:txBody>
+          </p:sp>
+        </mc:Choice>
+        <mc:Fallback>
+          <p:sp>
+            <p:nvSpPr>
+              <p:cNvPr id="5" name="TextBox 4">
+                <a:extLst>
+                  <a:ext uri="{FF2B5EF4-FFF2-40B4-BE49-F238E27FC236}">
+                    <a16:creationId xmlns:a16="http://schemas.microsoft.com/office/drawing/2014/main" id="{E8E859B0-780B-4D11-712E-E580A0123728}"/>
+                  </a:ext>
+                </a:extLst>
+              </p:cNvPr>
+              <p:cNvSpPr txBox="1">
+                <a:spLocks noRot="1" noChangeAspect="1" noMove="1" noResize="1" noEditPoints="1" noAdjustHandles="1" noChangeArrowheads="1" noChangeShapeType="1" noTextEdit="1"/>
+              </p:cNvSpPr>
+              <p:nvPr/>
+            </p:nvSpPr>
+            <p:spPr>
+              <a:xfrm>
+                <a:off x="3038474" y="5140361"/>
+                <a:ext cx="6115050" cy="1255152"/>
+              </a:xfrm>
+              <a:prstGeom prst="rect">
+                <a:avLst/>
+              </a:prstGeom>
+              <a:blipFill>
+                <a:blip r:embed="rId2"/>
+                <a:stretch>
+                  <a:fillRect l="-1594" t="-3398" b="-11165"/>
+                </a:stretch>
+              </a:blipFill>
+            </p:spPr>
+            <p:txBody>
+              <a:bodyPr/>
+              <a:lstStyle/>
+              <a:p>
+                <a:r>
+                  <a:rPr lang="en-PH">
+                    <a:noFill/>
+                  </a:rPr>
+                  <a:t> </a:t>
+                </a:r>
+              </a:p>
+            </p:txBody>
+          </p:sp>
+        </mc:Fallback>
+      </mc:AlternateContent>
+      <mc:AlternateContent xmlns:mc="http://schemas.openxmlformats.org/markup-compatibility/2006">
+        <mc:Choice xmlns:a14="http://schemas.microsoft.com/office/drawing/2010/main" Requires="a14">
+          <p:sp>
+            <p:nvSpPr>
+              <p:cNvPr id="6" name="TextBox 5">
+                <a:extLst>
+                  <a:ext uri="{FF2B5EF4-FFF2-40B4-BE49-F238E27FC236}">
+                    <a16:creationId xmlns:a16="http://schemas.microsoft.com/office/drawing/2014/main" id="{11D82D12-9CB6-5C61-294D-DCED251B24C7}"/>
+                  </a:ext>
+                </a:extLst>
+              </p:cNvPr>
+              <p:cNvSpPr txBox="1"/>
+              <p:nvPr/>
+            </p:nvSpPr>
+            <p:spPr>
+              <a:xfrm>
+                <a:off x="3776662" y="3780232"/>
+                <a:ext cx="4638675" cy="861774"/>
+              </a:xfrm>
+              <a:prstGeom prst="rect">
+                <a:avLst/>
+              </a:prstGeom>
+              <a:noFill/>
+              <a:ln w="38100">
+                <a:solidFill>
+                  <a:schemeClr val="tx1"/>
+                </a:solidFill>
+              </a:ln>
+            </p:spPr>
+            <p:txBody>
+              <a:bodyPr wrap="square">
+                <a:spAutoFit/>
+              </a:bodyPr>
+              <a:lstStyle/>
+              <a:p>
+                <a:pPr/>
+                <a14:m>
+                  <m:oMathPara xmlns:m="http://schemas.openxmlformats.org/officeDocument/2006/math">
+                    <m:oMathParaPr>
+                      <m:jc m:val="centerGroup"/>
+                    </m:oMathParaPr>
+                    <m:oMath xmlns:m="http://schemas.openxmlformats.org/officeDocument/2006/math">
+                      <m:r>
+                        <a:rPr lang="en-PH" sz="5000" i="1" smtClean="0">
+                          <a:latin typeface="Cambria Math" panose="02040503050406030204" pitchFamily="18" charset="0"/>
+                        </a:rPr>
+                        <m:t>𝑥</m:t>
+                      </m:r>
+                      <m:r>
+                        <a:rPr lang="en-PH" sz="5000" i="0">
+                          <a:latin typeface="Cambria Math" panose="02040503050406030204" pitchFamily="18" charset="0"/>
+                        </a:rPr>
+                        <m:t>∼</m:t>
+                      </m:r>
+                      <m:r>
+                        <a:rPr lang="en-PH" sz="5000" i="0">
+                          <a:latin typeface="Cambria Math" panose="02040503050406030204" pitchFamily="18" charset="0"/>
+                        </a:rPr>
+                        <m:t>𝒩</m:t>
+                      </m:r>
+                      <m:d>
+                        <m:dPr>
+                          <m:ctrlPr>
+                            <a:rPr lang="en-PH" sz="5000" i="1" smtClean="0">
+                              <a:latin typeface="Cambria Math" panose="02040503050406030204" pitchFamily="18" charset="0"/>
+                            </a:rPr>
+                          </m:ctrlPr>
+                        </m:dPr>
+                        <m:e>
+                          <m:r>
+                            <a:rPr lang="ar-AE" sz="5000" i="1">
+                              <a:latin typeface="Cambria Math" panose="02040503050406030204" pitchFamily="18" charset="0"/>
+                            </a:rPr>
+                            <m:t>𝜇</m:t>
+                          </m:r>
+                          <m:r>
+                            <a:rPr lang="en-US" sz="5000" i="1">
+                              <a:latin typeface="Cambria Math" panose="02040503050406030204" pitchFamily="18" charset="0"/>
+                            </a:rPr>
+                            <m:t>,</m:t>
+                          </m:r>
+                          <m:sSup>
+                            <m:sSupPr>
+                              <m:ctrlPr>
+                                <a:rPr lang="ar-AE" sz="5000" i="1">
+                                  <a:latin typeface="Cambria Math" panose="02040503050406030204" pitchFamily="18" charset="0"/>
+                                </a:rPr>
+                              </m:ctrlPr>
+                            </m:sSupPr>
+                            <m:e>
+                              <m:r>
+                                <a:rPr lang="ar-AE" sz="5000" i="1">
+                                  <a:latin typeface="Cambria Math" panose="02040503050406030204" pitchFamily="18" charset="0"/>
+                                </a:rPr>
+                                <m:t>𝜎</m:t>
+                              </m:r>
+                            </m:e>
+                            <m:sup>
+                              <m:r>
+                                <a:rPr lang="ar-AE" sz="5000">
+                                  <a:latin typeface="Cambria Math" panose="02040503050406030204" pitchFamily="18" charset="0"/>
+                                </a:rPr>
+                                <m:t>2</m:t>
+                              </m:r>
+                            </m:sup>
+                          </m:sSup>
+                        </m:e>
+                      </m:d>
+                    </m:oMath>
+                  </m:oMathPara>
+                </a14:m>
+                <a:endParaRPr lang="en-PH" sz="5000" dirty="0"/>
+              </a:p>
+            </p:txBody>
+          </p:sp>
+        </mc:Choice>
+        <mc:Fallback>
+          <p:sp>
+            <p:nvSpPr>
+              <p:cNvPr id="6" name="TextBox 5">
+                <a:extLst>
+                  <a:ext uri="{FF2B5EF4-FFF2-40B4-BE49-F238E27FC236}">
+                    <a16:creationId xmlns:a16="http://schemas.microsoft.com/office/drawing/2014/main" id="{11D82D12-9CB6-5C61-294D-DCED251B24C7}"/>
+                  </a:ext>
+                </a:extLst>
+              </p:cNvPr>
+              <p:cNvSpPr txBox="1">
+                <a:spLocks noRot="1" noChangeAspect="1" noMove="1" noResize="1" noEditPoints="1" noAdjustHandles="1" noChangeArrowheads="1" noChangeShapeType="1" noTextEdit="1"/>
+              </p:cNvSpPr>
+              <p:nvPr/>
+            </p:nvSpPr>
+            <p:spPr>
+              <a:xfrm>
+                <a:off x="3776662" y="3780232"/>
+                <a:ext cx="4638675" cy="861774"/>
+              </a:xfrm>
+              <a:prstGeom prst="rect">
+                <a:avLst/>
+              </a:prstGeom>
+              <a:blipFill>
+                <a:blip r:embed="rId3"/>
+                <a:stretch>
+                  <a:fillRect/>
+                </a:stretch>
+              </a:blipFill>
+              <a:ln w="38100">
+                <a:solidFill>
+                  <a:schemeClr val="tx1"/>
+                </a:solidFill>
+              </a:ln>
+            </p:spPr>
+            <p:txBody>
+              <a:bodyPr/>
+              <a:lstStyle/>
+              <a:p>
+                <a:r>
+                  <a:rPr lang="en-PH">
+                    <a:noFill/>
+                  </a:rPr>
+                  <a:t> </a:t>
+                </a:r>
+              </a:p>
+            </p:txBody>
+          </p:sp>
+        </mc:Fallback>
+      </mc:AlternateContent>
+      <p:sp>
+        <p:nvSpPr>
+          <p:cNvPr id="7" name="TextBox 6">
+            <a:extLst>
+              <a:ext uri="{FF2B5EF4-FFF2-40B4-BE49-F238E27FC236}">
+                <a16:creationId xmlns:a16="http://schemas.microsoft.com/office/drawing/2014/main" id="{FB452DC6-9863-85DD-5535-1F247DFE7EC8}"/>
+              </a:ext>
+            </a:extLst>
+          </p:cNvPr>
+          <p:cNvSpPr txBox="1"/>
+          <p:nvPr/>
+        </p:nvSpPr>
+        <p:spPr>
+          <a:xfrm>
+            <a:off x="823912" y="3985484"/>
+            <a:ext cx="2952750" cy="477054"/>
+          </a:xfrm>
+          <a:prstGeom prst="rect">
+            <a:avLst/>
+          </a:prstGeom>
+          <a:noFill/>
+        </p:spPr>
+        <p:txBody>
+          <a:bodyPr wrap="square">
+            <a:spAutoFit/>
+          </a:bodyPr>
+          <a:lstStyle/>
+          <a:p>
+            <a:pPr>
+              <a:buNone/>
+            </a:pPr>
+            <a:r>
+              <a:rPr lang="en-PH" sz="2500" dirty="0"/>
+              <a:t>For a 1D Gaussian:</a:t>
+            </a:r>
+          </a:p>
+        </p:txBody>
+      </p:sp>
+    </p:spTree>
+    <p:extLst>
+      <p:ext uri="{BB962C8B-B14F-4D97-AF65-F5344CB8AC3E}">
+        <p14:creationId xmlns:p14="http://schemas.microsoft.com/office/powerpoint/2010/main" val="263697093"/>
+      </p:ext>
+    </p:extLst>
+  </p:cSld>
+  <p:clrMapOvr>
+    <a:masterClrMapping/>
+  </p:clrMapOvr>
+</p:sld>
+</file>
+
+<file path=ppt/slides/slide48.xml><?xml version="1.0" encoding="utf-8"?>
+<p:sld xmlns:a="http://schemas.openxmlformats.org/drawingml/2006/main" xmlns:r="http://schemas.openxmlformats.org/officeDocument/2006/relationships" xmlns:p="http://schemas.openxmlformats.org/presentationml/2006/main">
+  <p:cSld>
+    <p:spTree>
+      <p:nvGrpSpPr>
+        <p:cNvPr id="1" name="">
+          <a:extLst>
+            <a:ext uri="{FF2B5EF4-FFF2-40B4-BE49-F238E27FC236}">
+              <a16:creationId xmlns:a16="http://schemas.microsoft.com/office/drawing/2014/main" id="{EAA7FBE8-04F2-5AA6-DD01-9DF139EB7FD1}"/>
+            </a:ext>
+          </a:extLst>
+        </p:cNvPr>
+        <p:cNvGrpSpPr/>
+        <p:nvPr/>
+      </p:nvGrpSpPr>
+      <p:grpSpPr>
+        <a:xfrm>
+          <a:off x="0" y="0"/>
+          <a:ext cx="0" cy="0"/>
+          <a:chOff x="0" y="0"/>
+          <a:chExt cx="0" cy="0"/>
+        </a:xfrm>
+      </p:grpSpPr>
+      <p:sp>
+        <p:nvSpPr>
+          <p:cNvPr id="2" name="Title 1">
+            <a:extLst>
+              <a:ext uri="{FF2B5EF4-FFF2-40B4-BE49-F238E27FC236}">
+                <a16:creationId xmlns:a16="http://schemas.microsoft.com/office/drawing/2014/main" id="{455A6A90-F469-66E3-1CEB-4587549D1917}"/>
+              </a:ext>
+            </a:extLst>
+          </p:cNvPr>
+          <p:cNvSpPr>
+            <a:spLocks noGrp="1"/>
+          </p:cNvSpPr>
+          <p:nvPr>
+            <p:ph type="title"/>
+          </p:nvPr>
+        </p:nvSpPr>
+        <p:spPr/>
+        <p:txBody>
+          <a:bodyPr/>
+          <a:lstStyle/>
+          <a:p>
+            <a:r>
+              <a:rPr lang="en-US" dirty="0"/>
+              <a:t>Gaussian Distribution</a:t>
+            </a:r>
+            <a:endParaRPr lang="en-PH" dirty="0"/>
+          </a:p>
+        </p:txBody>
+      </p:sp>
+      <p:sp>
+        <p:nvSpPr>
+          <p:cNvPr id="3" name="Content Placeholder 2">
+            <a:extLst>
+              <a:ext uri="{FF2B5EF4-FFF2-40B4-BE49-F238E27FC236}">
+                <a16:creationId xmlns:a16="http://schemas.microsoft.com/office/drawing/2014/main" id="{5A67C06F-B3BF-EB52-2936-459FEB687FF8}"/>
+              </a:ext>
+            </a:extLst>
+          </p:cNvPr>
+          <p:cNvSpPr>
+            <a:spLocks noGrp="1"/>
+          </p:cNvSpPr>
+          <p:nvPr>
+            <p:ph idx="1"/>
+          </p:nvPr>
+        </p:nvSpPr>
+        <p:spPr/>
+        <p:txBody>
+          <a:bodyPr/>
+          <a:lstStyle/>
+          <a:p>
+            <a:pPr marL="0" indent="0">
+              <a:buNone/>
+            </a:pPr>
+            <a:r>
+              <a:rPr lang="en-US" dirty="0"/>
+              <a:t>A Gaussian doesn’t just describe data, it can also </a:t>
+            </a:r>
+            <a:r>
+              <a:rPr lang="en-US" b="1" dirty="0"/>
+              <a:t>generate data </a:t>
+            </a:r>
+            <a:r>
+              <a:rPr lang="en-US" dirty="0"/>
+              <a:t>that </a:t>
+            </a:r>
+            <a:r>
+              <a:rPr lang="en-US" b="1" dirty="0"/>
+              <a:t>“looks like” </a:t>
+            </a:r>
+            <a:r>
+              <a:rPr lang="en-US" dirty="0"/>
+              <a:t>it came from that distribution.</a:t>
+            </a:r>
+          </a:p>
+          <a:p>
+            <a:pPr marL="0" indent="0">
+              <a:buNone/>
+            </a:pPr>
+            <a:endParaRPr lang="en-US" dirty="0"/>
+          </a:p>
+          <a:p>
+            <a:pPr marL="0" indent="0">
+              <a:buNone/>
+            </a:pPr>
+            <a:r>
+              <a:rPr lang="en-US" dirty="0"/>
+              <a:t>We can </a:t>
+            </a:r>
+            <a:r>
+              <a:rPr lang="en-US" b="1" dirty="0"/>
+              <a:t>“generate data” </a:t>
+            </a:r>
+            <a:r>
+              <a:rPr lang="en-US" dirty="0"/>
+              <a:t>by sampling data from the distribution</a:t>
+            </a:r>
+            <a:endParaRPr lang="en-PH" dirty="0"/>
+          </a:p>
+        </p:txBody>
+      </p:sp>
+    </p:spTree>
+    <p:extLst>
+      <p:ext uri="{BB962C8B-B14F-4D97-AF65-F5344CB8AC3E}">
+        <p14:creationId xmlns:p14="http://schemas.microsoft.com/office/powerpoint/2010/main" val="2093876889"/>
+      </p:ext>
+    </p:extLst>
+  </p:cSld>
+  <p:clrMapOvr>
+    <a:masterClrMapping/>
+  </p:clrMapOvr>
+</p:sld>
+</file>
+
+<file path=ppt/slides/slide49.xml><?xml version="1.0" encoding="utf-8"?>
+<p:sld xmlns:a="http://schemas.openxmlformats.org/drawingml/2006/main" xmlns:r="http://schemas.openxmlformats.org/officeDocument/2006/relationships" xmlns:p="http://schemas.openxmlformats.org/presentationml/2006/main">
+  <p:cSld>
+    <p:spTree>
+      <p:nvGrpSpPr>
+        <p:cNvPr id="1" name="">
+          <a:extLst>
+            <a:ext uri="{FF2B5EF4-FFF2-40B4-BE49-F238E27FC236}">
+              <a16:creationId xmlns:a16="http://schemas.microsoft.com/office/drawing/2014/main" id="{DC072C16-8504-95D1-738C-7E8B944518E0}"/>
+            </a:ext>
+          </a:extLst>
+        </p:cNvPr>
+        <p:cNvGrpSpPr/>
+        <p:nvPr/>
+      </p:nvGrpSpPr>
+      <p:grpSpPr>
+        <a:xfrm>
+          <a:off x="0" y="0"/>
+          <a:ext cx="0" cy="0"/>
+          <a:chOff x="0" y="0"/>
+          <a:chExt cx="0" cy="0"/>
+        </a:xfrm>
+      </p:grpSpPr>
+      <p:sp>
+        <p:nvSpPr>
+          <p:cNvPr id="2" name="Title 1">
+            <a:extLst>
+              <a:ext uri="{FF2B5EF4-FFF2-40B4-BE49-F238E27FC236}">
+                <a16:creationId xmlns:a16="http://schemas.microsoft.com/office/drawing/2014/main" id="{A34B1151-AA19-13CA-B86B-E37C3C0F8657}"/>
+              </a:ext>
+            </a:extLst>
+          </p:cNvPr>
+          <p:cNvSpPr>
+            <a:spLocks noGrp="1"/>
+          </p:cNvSpPr>
+          <p:nvPr>
+            <p:ph type="title"/>
+          </p:nvPr>
+        </p:nvSpPr>
+        <p:spPr/>
+        <p:txBody>
+          <a:bodyPr/>
+          <a:lstStyle/>
+          <a:p>
+            <a:r>
+              <a:rPr lang="en-US" dirty="0"/>
+              <a:t>Gaussian Distribution</a:t>
+            </a:r>
+            <a:endParaRPr lang="en-PH" dirty="0"/>
+          </a:p>
+        </p:txBody>
+      </p:sp>
+      <mc:AlternateContent xmlns:mc="http://schemas.openxmlformats.org/markup-compatibility/2006">
+        <mc:Choice xmlns:a14="http://schemas.microsoft.com/office/drawing/2010/main" Requires="a14">
+          <p:sp>
+            <p:nvSpPr>
+              <p:cNvPr id="11" name="TextBox 10">
+                <a:extLst>
+                  <a:ext uri="{FF2B5EF4-FFF2-40B4-BE49-F238E27FC236}">
+                    <a16:creationId xmlns:a16="http://schemas.microsoft.com/office/drawing/2014/main" id="{ACE834ED-1AF8-583B-0CFD-27DDD618696A}"/>
+                  </a:ext>
+                </a:extLst>
+              </p:cNvPr>
+              <p:cNvSpPr txBox="1"/>
+              <p:nvPr/>
+            </p:nvSpPr>
+            <p:spPr>
+              <a:xfrm>
+                <a:off x="3057525" y="2990334"/>
+                <a:ext cx="6115050" cy="369332"/>
+              </a:xfrm>
+              <a:prstGeom prst="rect">
+                <a:avLst/>
+              </a:prstGeom>
+              <a:noFill/>
+            </p:spPr>
+            <p:txBody>
+              <a:bodyPr wrap="square">
+                <a:spAutoFit/>
+              </a:bodyPr>
+              <a:lstStyle/>
+              <a:p>
+                <a14:m>
+                  <m:oMathPara xmlns:m="http://schemas.openxmlformats.org/officeDocument/2006/math">
+                    <m:oMathParaPr>
+                      <m:jc m:val="centerGroup"/>
+                    </m:oMathParaPr>
+                    <m:oMath xmlns:m="http://schemas.openxmlformats.org/officeDocument/2006/math">
+                      <m:r>
+                        <a:rPr lang="en-PH" i="1" dirty="0" smtClean="0">
+                          <a:latin typeface="Cambria Math" panose="02040503050406030204" pitchFamily="18" charset="0"/>
+                        </a:rPr>
+                        <m:t>𝑓</m:t>
+                      </m:r>
+                      <m:r>
+                        <a:rPr lang="en-PH" i="1" dirty="0" smtClean="0">
+                          <a:latin typeface="Cambria Math" panose="02040503050406030204" pitchFamily="18" charset="0"/>
+                        </a:rPr>
+                        <m:t>(</m:t>
+                      </m:r>
+                      <m:r>
+                        <a:rPr lang="en-PH" i="1" dirty="0" smtClean="0">
+                          <a:latin typeface="Cambria Math" panose="02040503050406030204" pitchFamily="18" charset="0"/>
+                        </a:rPr>
+                        <m:t>𝑥</m:t>
+                      </m:r>
+                      <m:r>
+                        <a:rPr lang="en-PH" i="1" dirty="0" smtClean="0">
+                          <a:latin typeface="Cambria Math" panose="02040503050406030204" pitchFamily="18" charset="0"/>
+                        </a:rPr>
+                        <m:t>)=</m:t>
+                      </m:r>
+                      <m:r>
+                        <a:rPr lang="en-PH" i="1" dirty="0" smtClean="0">
+                          <a:latin typeface="Cambria Math" panose="02040503050406030204" pitchFamily="18" charset="0"/>
+                        </a:rPr>
+                        <m:t>2</m:t>
+                      </m:r>
+                      <m:r>
+                        <a:rPr lang="el-GR" i="1" dirty="0">
+                          <a:latin typeface="Cambria Math" panose="02040503050406030204" pitchFamily="18" charset="0"/>
+                        </a:rPr>
+                        <m:t>𝜋𝜎</m:t>
+                      </m:r>
+                      <m:r>
+                        <a:rPr lang="el-GR" i="1" dirty="0">
+                          <a:latin typeface="Cambria Math" panose="02040503050406030204" pitchFamily="18" charset="0"/>
+                        </a:rPr>
+                        <m:t>2​1​</m:t>
+                      </m:r>
+                      <m:r>
+                        <m:rPr>
+                          <m:sty m:val="p"/>
+                        </m:rPr>
+                        <a:rPr lang="en-PH" i="1" dirty="0">
+                          <a:latin typeface="Cambria Math" panose="02040503050406030204" pitchFamily="18" charset="0"/>
+                        </a:rPr>
+                        <m:t>exp</m:t>
+                      </m:r>
+                      <m:r>
+                        <a:rPr lang="en-PH" i="1" dirty="0">
+                          <a:latin typeface="Cambria Math" panose="02040503050406030204" pitchFamily="18" charset="0"/>
+                        </a:rPr>
+                        <m:t>⁡(−</m:t>
+                      </m:r>
+                      <m:r>
+                        <a:rPr lang="en-PH" i="1" dirty="0">
+                          <a:latin typeface="Cambria Math" panose="02040503050406030204" pitchFamily="18" charset="0"/>
+                        </a:rPr>
+                        <m:t>2</m:t>
+                      </m:r>
+                      <m:r>
+                        <a:rPr lang="el-GR" i="1" dirty="0">
+                          <a:latin typeface="Cambria Math" panose="02040503050406030204" pitchFamily="18" charset="0"/>
+                        </a:rPr>
+                        <m:t>𝜎</m:t>
+                      </m:r>
+                      <m:r>
+                        <a:rPr lang="el-GR" i="1" dirty="0">
+                          <a:latin typeface="Cambria Math" panose="02040503050406030204" pitchFamily="18" charset="0"/>
+                        </a:rPr>
+                        <m:t>2</m:t>
+                      </m:r>
+                      <m:r>
+                        <a:rPr lang="el-GR" i="1" dirty="0">
+                          <a:latin typeface="Cambria Math" panose="02040503050406030204" pitchFamily="18" charset="0"/>
+                        </a:rPr>
+                        <m:t>(</m:t>
+                      </m:r>
+                      <m:r>
+                        <a:rPr lang="en-PH" i="1" dirty="0">
+                          <a:latin typeface="Cambria Math" panose="02040503050406030204" pitchFamily="18" charset="0"/>
+                        </a:rPr>
+                        <m:t>𝑥</m:t>
+                      </m:r>
+                      <m:r>
+                        <a:rPr lang="en-PH" i="1" dirty="0">
+                          <a:latin typeface="Cambria Math" panose="02040503050406030204" pitchFamily="18" charset="0"/>
+                        </a:rPr>
+                        <m:t>−</m:t>
+                      </m:r>
+                      <m:r>
+                        <a:rPr lang="el-GR" i="1" dirty="0">
+                          <a:latin typeface="Cambria Math" panose="02040503050406030204" pitchFamily="18" charset="0"/>
+                        </a:rPr>
+                        <m:t>𝜇</m:t>
+                      </m:r>
+                      <m:r>
+                        <a:rPr lang="el-GR" i="1" dirty="0">
+                          <a:latin typeface="Cambria Math" panose="02040503050406030204" pitchFamily="18" charset="0"/>
+                        </a:rPr>
+                        <m:t>)</m:t>
+                      </m:r>
+                      <m:r>
+                        <a:rPr lang="el-GR" i="1" dirty="0">
+                          <a:latin typeface="Cambria Math" panose="02040503050406030204" pitchFamily="18" charset="0"/>
+                        </a:rPr>
+                        <m:t>2​</m:t>
+                      </m:r>
+                      <m:r>
+                        <a:rPr lang="el-GR" i="1" dirty="0">
+                          <a:latin typeface="Cambria Math" panose="02040503050406030204" pitchFamily="18" charset="0"/>
+                        </a:rPr>
+                        <m:t>)</m:t>
+                      </m:r>
+                    </m:oMath>
+                  </m:oMathPara>
+                </a14:m>
+              </a:p>
+            </p:txBody>
+          </p:sp>
+        </mc:Choice>
+        <mc:Fallback>
+          <p:sp>
+            <p:nvSpPr>
+              <p:cNvPr id="11" name="TextBox 10">
+                <a:extLst>
+                  <a:ext uri="{FF2B5EF4-FFF2-40B4-BE49-F238E27FC236}">
+                    <a16:creationId xmlns:a16="http://schemas.microsoft.com/office/drawing/2014/main" id="{ACE834ED-1AF8-583B-0CFD-27DDD618696A}"/>
+                  </a:ext>
+                </a:extLst>
+              </p:cNvPr>
+              <p:cNvSpPr txBox="1">
+                <a:spLocks noRot="1" noChangeAspect="1" noMove="1" noResize="1" noEditPoints="1" noAdjustHandles="1" noChangeArrowheads="1" noChangeShapeType="1" noTextEdit="1"/>
+              </p:cNvSpPr>
+              <p:nvPr/>
+            </p:nvSpPr>
+            <p:spPr>
+              <a:xfrm>
+                <a:off x="3057525" y="2990334"/>
+                <a:ext cx="6115050" cy="369332"/>
+              </a:xfrm>
+              <a:prstGeom prst="rect">
+                <a:avLst/>
+              </a:prstGeom>
+              <a:blipFill>
+                <a:blip r:embed="rId2"/>
+                <a:stretch>
+                  <a:fillRect t="-11667" b="-25000"/>
+                </a:stretch>
+              </a:blipFill>
+            </p:spPr>
+            <p:txBody>
+              <a:bodyPr/>
+              <a:lstStyle/>
+              <a:p>
+                <a:r>
+                  <a:rPr lang="en-PH">
+                    <a:noFill/>
+                  </a:rPr>
+                  <a:t> </a:t>
+                </a:r>
+              </a:p>
+            </p:txBody>
+          </p:sp>
+        </mc:Fallback>
+      </mc:AlternateContent>
+    </p:spTree>
+    <p:extLst>
+      <p:ext uri="{BB962C8B-B14F-4D97-AF65-F5344CB8AC3E}">
+        <p14:creationId xmlns:p14="http://schemas.microsoft.com/office/powerpoint/2010/main" val="238735201"/>
+      </p:ext>
+    </p:extLst>
+  </p:cSld>
+  <p:clrMapOvr>
+    <a:masterClrMapping/>
+  </p:clrMapOvr>
+</p:sld>
+</file>
+
+<file path=ppt/slides/slide5.xml><?xml version="1.0" encoding="utf-8"?>
+<p:sld xmlns:a="http://schemas.openxmlformats.org/drawingml/2006/main" xmlns:r="http://schemas.openxmlformats.org/officeDocument/2006/relationships" xmlns:p="http://schemas.openxmlformats.org/presentationml/2006/main" showMasterSp="0">
+  <p:cSld>
+    <p:spTree>
+      <p:nvGrpSpPr>
+        <p:cNvPr id="1" name="">
+          <a:extLst>
+            <a:ext uri="{FF2B5EF4-FFF2-40B4-BE49-F238E27FC236}">
+              <a16:creationId xmlns:a16="http://schemas.microsoft.com/office/drawing/2014/main" id="{AC8D964B-49DE-77F7-63E5-2856A6B6F33F}"/>
+            </a:ext>
+          </a:extLst>
+        </p:cNvPr>
+        <p:cNvGrpSpPr/>
+        <p:nvPr/>
+      </p:nvGrpSpPr>
+      <p:grpSpPr>
+        <a:xfrm>
+          <a:off x="0" y="0"/>
+          <a:ext cx="0" cy="0"/>
+          <a:chOff x="0" y="0"/>
+          <a:chExt cx="0" cy="0"/>
+        </a:xfrm>
+      </p:grpSpPr>
+      <p:pic>
+        <p:nvPicPr>
+          <p:cNvPr id="3" name="Picture 2" descr="A graph of a distribution of heights with Ryugyong Hotel in the background&#10;&#10;AI-generated content may be incorrect.">
+            <a:extLst>
+              <a:ext uri="{FF2B5EF4-FFF2-40B4-BE49-F238E27FC236}">
+                <a16:creationId xmlns:a16="http://schemas.microsoft.com/office/drawing/2014/main" id="{37F04C55-BC74-26D6-1EBD-C6E73B836D0F}"/>
+              </a:ext>
+            </a:extLst>
+          </p:cNvPr>
+          <p:cNvPicPr>
+            <a:picLocks noChangeAspect="1"/>
+          </p:cNvPicPr>
+          <p:nvPr/>
+        </p:nvPicPr>
+        <p:blipFill>
+          <a:blip r:embed="rId2"/>
+          <a:stretch>
+            <a:fillRect/>
+          </a:stretch>
+        </p:blipFill>
+        <p:spPr>
+          <a:xfrm>
+            <a:off x="2315999" y="0"/>
+            <a:ext cx="7560001" cy="5400000"/>
+          </a:xfrm>
+          <a:prstGeom prst="rect">
+            <a:avLst/>
+          </a:prstGeom>
+        </p:spPr>
+      </p:pic>
+      <p:sp>
+        <p:nvSpPr>
+          <p:cNvPr id="4" name="Rectangle 3">
+            <a:extLst>
+              <a:ext uri="{FF2B5EF4-FFF2-40B4-BE49-F238E27FC236}">
+                <a16:creationId xmlns:a16="http://schemas.microsoft.com/office/drawing/2014/main" id="{741C5238-F9AA-3446-BCC4-E81608117C86}"/>
+              </a:ext>
+            </a:extLst>
+          </p:cNvPr>
+          <p:cNvSpPr/>
+          <p:nvPr/>
+        </p:nvSpPr>
+        <p:spPr>
+          <a:xfrm>
+            <a:off x="2073285" y="1053462"/>
+            <a:ext cx="914400" cy="3293076"/>
+          </a:xfrm>
+          <a:prstGeom prst="rect">
+            <a:avLst/>
+          </a:prstGeom>
+          <a:solidFill>
+            <a:schemeClr val="bg1"/>
+          </a:solidFill>
+          <a:ln>
+            <a:noFill/>
+          </a:ln>
+        </p:spPr>
+        <p:style>
+          <a:lnRef idx="2">
+            <a:schemeClr val="accent1">
+              <a:shade val="15000"/>
+            </a:schemeClr>
+          </a:lnRef>
+          <a:fillRef idx="1">
+            <a:schemeClr val="accent1"/>
+          </a:fillRef>
+          <a:effectRef idx="0">
+            <a:schemeClr val="accent1"/>
+          </a:effectRef>
+          <a:fontRef idx="minor">
+            <a:schemeClr val="lt1"/>
+          </a:fontRef>
+        </p:style>
+        <p:txBody>
+          <a:bodyPr rtlCol="0" anchor="ctr"/>
+          <a:lstStyle/>
+          <a:p>
+            <a:pPr algn="ctr"/>
+            <a:endParaRPr lang="en-PH"/>
+          </a:p>
+        </p:txBody>
+      </p:sp>
+      <p:sp>
+        <p:nvSpPr>
+          <p:cNvPr id="12" name="TextBox 11">
+            <a:extLst>
+              <a:ext uri="{FF2B5EF4-FFF2-40B4-BE49-F238E27FC236}">
+                <a16:creationId xmlns:a16="http://schemas.microsoft.com/office/drawing/2014/main" id="{CD9145A5-2FE0-9FAC-F738-208091CF88F8}"/>
+              </a:ext>
+            </a:extLst>
+          </p:cNvPr>
+          <p:cNvSpPr txBox="1"/>
+          <p:nvPr/>
+        </p:nvSpPr>
+        <p:spPr>
+          <a:xfrm>
+            <a:off x="1410211" y="5804538"/>
+            <a:ext cx="9371604" cy="477054"/>
+          </a:xfrm>
+          <a:prstGeom prst="rect">
+            <a:avLst/>
+          </a:prstGeom>
+          <a:noFill/>
+        </p:spPr>
+        <p:txBody>
+          <a:bodyPr wrap="none" rtlCol="0">
+            <a:spAutoFit/>
+          </a:bodyPr>
+          <a:lstStyle/>
+          <a:p>
+            <a:pPr algn="ctr"/>
+            <a:r>
+              <a:rPr lang="en-US" sz="2500" dirty="0"/>
+              <a:t>In this example, the </a:t>
+            </a:r>
+            <a:r>
+              <a:rPr lang="en-US" sz="2500" b="1" dirty="0">
+                <a:solidFill>
+                  <a:srgbClr val="0070C0"/>
+                </a:solidFill>
+              </a:rPr>
+              <a:t>curve</a:t>
+            </a:r>
+            <a:r>
+              <a:rPr lang="en-US" sz="2500" dirty="0"/>
+              <a:t> represents human height measurements</a:t>
+            </a:r>
+            <a:endParaRPr lang="en-PH" sz="2500" dirty="0"/>
+          </a:p>
+        </p:txBody>
+      </p:sp>
+    </p:spTree>
+    <p:extLst>
+      <p:ext uri="{BB962C8B-B14F-4D97-AF65-F5344CB8AC3E}">
+        <p14:creationId xmlns:p14="http://schemas.microsoft.com/office/powerpoint/2010/main" val="2251409594"/>
+      </p:ext>
+    </p:extLst>
+  </p:cSld>
+  <p:clrMapOvr>
+    <a:masterClrMapping/>
+  </p:clrMapOvr>
+</p:sld>
+</file>
+
+<file path=ppt/slides/slide50.xml><?xml version="1.0" encoding="utf-8"?>
 <p:sld xmlns:a="http://schemas.openxmlformats.org/drawingml/2006/main" xmlns:r="http://schemas.openxmlformats.org/officeDocument/2006/relationships" xmlns:p="http://schemas.openxmlformats.org/presentationml/2006/main">
   <p:cSld>
     <p:spTree>
@@ -12102,14 +20245,21 @@
           <a:lstStyle/>
           <a:p>
             <a:r>
-              <a:rPr lang="en-PH" dirty="0">
-                <a:hlinkClick r:id="rId2"/>
-              </a:rPr>
-              <a:t>https://biostatsquid.com/pca-simply-explained/</a:t>
-            </a:r>
-            <a:endParaRPr lang="en-PH" dirty="0"/>
-          </a:p>
-          <a:p>
+              <a:rPr lang="en-US" dirty="0"/>
+              <a:t>A</a:t>
+            </a:r>
+          </a:p>
+          <a:p>
+            <a:r>
+              <a:rPr lang="en-US" dirty="0"/>
+              <a:t>B</a:t>
+            </a:r>
+          </a:p>
+          <a:p>
+            <a:r>
+              <a:rPr lang="en-US" dirty="0"/>
+              <a:t>c</a:t>
+            </a:r>
             <a:endParaRPr lang="en-PH" dirty="0"/>
           </a:p>
         </p:txBody>
@@ -12118,6 +20268,1095 @@
     <p:extLst>
       <p:ext uri="{BB962C8B-B14F-4D97-AF65-F5344CB8AC3E}">
         <p14:creationId xmlns:p14="http://schemas.microsoft.com/office/powerpoint/2010/main" val="3596703877"/>
+      </p:ext>
+    </p:extLst>
+  </p:cSld>
+  <p:clrMapOvr>
+    <a:masterClrMapping/>
+  </p:clrMapOvr>
+</p:sld>
+</file>
+
+<file path=ppt/slides/slide6.xml><?xml version="1.0" encoding="utf-8"?>
+<p:sld xmlns:a="http://schemas.openxmlformats.org/drawingml/2006/main" xmlns:r="http://schemas.openxmlformats.org/officeDocument/2006/relationships" xmlns:p="http://schemas.openxmlformats.org/presentationml/2006/main" showMasterSp="0">
+  <p:cSld>
+    <p:spTree>
+      <p:nvGrpSpPr>
+        <p:cNvPr id="1" name="">
+          <a:extLst>
+            <a:ext uri="{FF2B5EF4-FFF2-40B4-BE49-F238E27FC236}">
+              <a16:creationId xmlns:a16="http://schemas.microsoft.com/office/drawing/2014/main" id="{39688C65-1F20-6F9D-949E-C5356F5B4DDA}"/>
+            </a:ext>
+          </a:extLst>
+        </p:cNvPr>
+        <p:cNvGrpSpPr/>
+        <p:nvPr/>
+      </p:nvGrpSpPr>
+      <p:grpSpPr>
+        <a:xfrm>
+          <a:off x="0" y="0"/>
+          <a:ext cx="0" cy="0"/>
+          <a:chOff x="0" y="0"/>
+          <a:chExt cx="0" cy="0"/>
+        </a:xfrm>
+      </p:grpSpPr>
+      <p:pic>
+        <p:nvPicPr>
+          <p:cNvPr id="3" name="Picture 2" descr="A graph of a distribution of heights with Ryugyong Hotel in the background&#10;&#10;AI-generated content may be incorrect.">
+            <a:extLst>
+              <a:ext uri="{FF2B5EF4-FFF2-40B4-BE49-F238E27FC236}">
+                <a16:creationId xmlns:a16="http://schemas.microsoft.com/office/drawing/2014/main" id="{969FAF7A-245B-03A8-480B-290331D1408A}"/>
+              </a:ext>
+            </a:extLst>
+          </p:cNvPr>
+          <p:cNvPicPr>
+            <a:picLocks noChangeAspect="1"/>
+          </p:cNvPicPr>
+          <p:nvPr/>
+        </p:nvPicPr>
+        <p:blipFill>
+          <a:blip r:embed="rId2"/>
+          <a:stretch>
+            <a:fillRect/>
+          </a:stretch>
+        </p:blipFill>
+        <p:spPr>
+          <a:xfrm>
+            <a:off x="2315999" y="0"/>
+            <a:ext cx="7560001" cy="5400000"/>
+          </a:xfrm>
+          <a:prstGeom prst="rect">
+            <a:avLst/>
+          </a:prstGeom>
+        </p:spPr>
+      </p:pic>
+      <p:sp>
+        <p:nvSpPr>
+          <p:cNvPr id="4" name="Rectangle 3">
+            <a:extLst>
+              <a:ext uri="{FF2B5EF4-FFF2-40B4-BE49-F238E27FC236}">
+                <a16:creationId xmlns:a16="http://schemas.microsoft.com/office/drawing/2014/main" id="{C12BB806-EE8F-AA3D-A669-1FF6C2D1AADD}"/>
+              </a:ext>
+            </a:extLst>
+          </p:cNvPr>
+          <p:cNvSpPr/>
+          <p:nvPr/>
+        </p:nvSpPr>
+        <p:spPr>
+          <a:xfrm>
+            <a:off x="2073285" y="1053462"/>
+            <a:ext cx="914400" cy="3293076"/>
+          </a:xfrm>
+          <a:prstGeom prst="rect">
+            <a:avLst/>
+          </a:prstGeom>
+          <a:solidFill>
+            <a:schemeClr val="bg1"/>
+          </a:solidFill>
+          <a:ln>
+            <a:noFill/>
+          </a:ln>
+        </p:spPr>
+        <p:style>
+          <a:lnRef idx="2">
+            <a:schemeClr val="accent1">
+              <a:shade val="15000"/>
+            </a:schemeClr>
+          </a:lnRef>
+          <a:fillRef idx="1">
+            <a:schemeClr val="accent1"/>
+          </a:fillRef>
+          <a:effectRef idx="0">
+            <a:schemeClr val="accent1"/>
+          </a:effectRef>
+          <a:fontRef idx="minor">
+            <a:schemeClr val="lt1"/>
+          </a:fontRef>
+        </p:style>
+        <p:txBody>
+          <a:bodyPr rtlCol="0" anchor="ctr"/>
+          <a:lstStyle/>
+          <a:p>
+            <a:pPr algn="ctr"/>
+            <a:endParaRPr lang="en-PH"/>
+          </a:p>
+        </p:txBody>
+      </p:sp>
+      <p:sp>
+        <p:nvSpPr>
+          <p:cNvPr id="12" name="TextBox 11">
+            <a:extLst>
+              <a:ext uri="{FF2B5EF4-FFF2-40B4-BE49-F238E27FC236}">
+                <a16:creationId xmlns:a16="http://schemas.microsoft.com/office/drawing/2014/main" id="{DD341048-E5E4-0A58-D7D2-865CACEE7204}"/>
+              </a:ext>
+            </a:extLst>
+          </p:cNvPr>
+          <p:cNvSpPr txBox="1"/>
+          <p:nvPr/>
+        </p:nvSpPr>
+        <p:spPr>
+          <a:xfrm>
+            <a:off x="4616831" y="5804538"/>
+            <a:ext cx="2958374" cy="477054"/>
+          </a:xfrm>
+          <a:prstGeom prst="rect">
+            <a:avLst/>
+          </a:prstGeom>
+          <a:noFill/>
+        </p:spPr>
+        <p:txBody>
+          <a:bodyPr wrap="none" rtlCol="0">
+            <a:spAutoFit/>
+          </a:bodyPr>
+          <a:lstStyle/>
+          <a:p>
+            <a:pPr algn="ctr"/>
+            <a:r>
+              <a:rPr lang="en-US" sz="2500" dirty="0"/>
+              <a:t>People can be </a:t>
+            </a:r>
+            <a:r>
+              <a:rPr lang="en-US" sz="2500" b="1" dirty="0"/>
+              <a:t>short</a:t>
+            </a:r>
+            <a:endParaRPr lang="en-PH" sz="2500" b="1" dirty="0"/>
+          </a:p>
+        </p:txBody>
+      </p:sp>
+      <p:sp>
+        <p:nvSpPr>
+          <p:cNvPr id="2" name="TextBox 1">
+            <a:extLst>
+              <a:ext uri="{FF2B5EF4-FFF2-40B4-BE49-F238E27FC236}">
+                <a16:creationId xmlns:a16="http://schemas.microsoft.com/office/drawing/2014/main" id="{A3A9D56F-00B7-3A7A-BD18-2012E0C8DC0C}"/>
+              </a:ext>
+            </a:extLst>
+          </p:cNvPr>
+          <p:cNvSpPr txBox="1"/>
+          <p:nvPr/>
+        </p:nvSpPr>
+        <p:spPr>
+          <a:xfrm>
+            <a:off x="3279397" y="5215334"/>
+            <a:ext cx="755335" cy="369332"/>
+          </a:xfrm>
+          <a:prstGeom prst="rect">
+            <a:avLst/>
+          </a:prstGeom>
+          <a:noFill/>
+          <a:ln w="38100">
+            <a:solidFill>
+              <a:srgbClr val="FF0000"/>
+            </a:solidFill>
+          </a:ln>
+        </p:spPr>
+        <p:txBody>
+          <a:bodyPr wrap="none" rtlCol="0">
+            <a:spAutoFit/>
+          </a:bodyPr>
+          <a:lstStyle/>
+          <a:p>
+            <a:r>
+              <a:rPr lang="en-US" b="1" dirty="0"/>
+              <a:t>Short</a:t>
+            </a:r>
+            <a:endParaRPr lang="en-PH" b="1" dirty="0"/>
+          </a:p>
+        </p:txBody>
+      </p:sp>
+      <p:sp>
+        <p:nvSpPr>
+          <p:cNvPr id="5" name="TextBox 4">
+            <a:extLst>
+              <a:ext uri="{FF2B5EF4-FFF2-40B4-BE49-F238E27FC236}">
+                <a16:creationId xmlns:a16="http://schemas.microsoft.com/office/drawing/2014/main" id="{CC0BE31D-CB3C-F682-E9EA-7082127F3B7A}"/>
+              </a:ext>
+            </a:extLst>
+          </p:cNvPr>
+          <p:cNvSpPr txBox="1"/>
+          <p:nvPr/>
+        </p:nvSpPr>
+        <p:spPr>
+          <a:xfrm>
+            <a:off x="9069122" y="5215334"/>
+            <a:ext cx="548805" cy="369332"/>
+          </a:xfrm>
+          <a:prstGeom prst="rect">
+            <a:avLst/>
+          </a:prstGeom>
+          <a:noFill/>
+        </p:spPr>
+        <p:txBody>
+          <a:bodyPr wrap="none" rtlCol="0">
+            <a:spAutoFit/>
+          </a:bodyPr>
+          <a:lstStyle/>
+          <a:p>
+            <a:r>
+              <a:rPr lang="en-US" b="1" dirty="0"/>
+              <a:t>Tall</a:t>
+            </a:r>
+            <a:endParaRPr lang="en-PH" b="1" dirty="0"/>
+          </a:p>
+        </p:txBody>
+      </p:sp>
+      <p:sp>
+        <p:nvSpPr>
+          <p:cNvPr id="6" name="TextBox 5">
+            <a:extLst>
+              <a:ext uri="{FF2B5EF4-FFF2-40B4-BE49-F238E27FC236}">
+                <a16:creationId xmlns:a16="http://schemas.microsoft.com/office/drawing/2014/main" id="{3DA2508B-1EC4-0070-9E7C-4CFD65D4B983}"/>
+              </a:ext>
+            </a:extLst>
+          </p:cNvPr>
+          <p:cNvSpPr txBox="1"/>
+          <p:nvPr/>
+        </p:nvSpPr>
+        <p:spPr>
+          <a:xfrm>
+            <a:off x="6045089" y="5215334"/>
+            <a:ext cx="1013675" cy="369332"/>
+          </a:xfrm>
+          <a:prstGeom prst="rect">
+            <a:avLst/>
+          </a:prstGeom>
+          <a:noFill/>
+        </p:spPr>
+        <p:txBody>
+          <a:bodyPr wrap="none" rtlCol="0">
+            <a:spAutoFit/>
+          </a:bodyPr>
+          <a:lstStyle/>
+          <a:p>
+            <a:r>
+              <a:rPr lang="en-US" b="1" dirty="0"/>
+              <a:t>Average</a:t>
+            </a:r>
+            <a:endParaRPr lang="en-PH" b="1" dirty="0"/>
+          </a:p>
+        </p:txBody>
+      </p:sp>
+    </p:spTree>
+    <p:extLst>
+      <p:ext uri="{BB962C8B-B14F-4D97-AF65-F5344CB8AC3E}">
+        <p14:creationId xmlns:p14="http://schemas.microsoft.com/office/powerpoint/2010/main" val="3973352015"/>
+      </p:ext>
+    </p:extLst>
+  </p:cSld>
+  <p:clrMapOvr>
+    <a:masterClrMapping/>
+  </p:clrMapOvr>
+</p:sld>
+</file>
+
+<file path=ppt/slides/slide7.xml><?xml version="1.0" encoding="utf-8"?>
+<p:sld xmlns:a="http://schemas.openxmlformats.org/drawingml/2006/main" xmlns:r="http://schemas.openxmlformats.org/officeDocument/2006/relationships" xmlns:p="http://schemas.openxmlformats.org/presentationml/2006/main" showMasterSp="0">
+  <p:cSld>
+    <p:spTree>
+      <p:nvGrpSpPr>
+        <p:cNvPr id="1" name="">
+          <a:extLst>
+            <a:ext uri="{FF2B5EF4-FFF2-40B4-BE49-F238E27FC236}">
+              <a16:creationId xmlns:a16="http://schemas.microsoft.com/office/drawing/2014/main" id="{C80325D2-730D-935F-EB0A-FED66FCAB4ED}"/>
+            </a:ext>
+          </a:extLst>
+        </p:cNvPr>
+        <p:cNvGrpSpPr/>
+        <p:nvPr/>
+      </p:nvGrpSpPr>
+      <p:grpSpPr>
+        <a:xfrm>
+          <a:off x="0" y="0"/>
+          <a:ext cx="0" cy="0"/>
+          <a:chOff x="0" y="0"/>
+          <a:chExt cx="0" cy="0"/>
+        </a:xfrm>
+      </p:grpSpPr>
+      <p:pic>
+        <p:nvPicPr>
+          <p:cNvPr id="3" name="Picture 2" descr="A graph of a distribution of heights with Ryugyong Hotel in the background&#10;&#10;AI-generated content may be incorrect.">
+            <a:extLst>
+              <a:ext uri="{FF2B5EF4-FFF2-40B4-BE49-F238E27FC236}">
+                <a16:creationId xmlns:a16="http://schemas.microsoft.com/office/drawing/2014/main" id="{BBC06110-6977-B5FE-538B-37E23AAD9B2E}"/>
+              </a:ext>
+            </a:extLst>
+          </p:cNvPr>
+          <p:cNvPicPr>
+            <a:picLocks noChangeAspect="1"/>
+          </p:cNvPicPr>
+          <p:nvPr/>
+        </p:nvPicPr>
+        <p:blipFill>
+          <a:blip r:embed="rId2"/>
+          <a:stretch>
+            <a:fillRect/>
+          </a:stretch>
+        </p:blipFill>
+        <p:spPr>
+          <a:xfrm>
+            <a:off x="2315999" y="0"/>
+            <a:ext cx="7560001" cy="5400000"/>
+          </a:xfrm>
+          <a:prstGeom prst="rect">
+            <a:avLst/>
+          </a:prstGeom>
+        </p:spPr>
+      </p:pic>
+      <p:sp>
+        <p:nvSpPr>
+          <p:cNvPr id="4" name="Rectangle 3">
+            <a:extLst>
+              <a:ext uri="{FF2B5EF4-FFF2-40B4-BE49-F238E27FC236}">
+                <a16:creationId xmlns:a16="http://schemas.microsoft.com/office/drawing/2014/main" id="{914CA403-B5A8-B611-ECBB-55FD6124577D}"/>
+              </a:ext>
+            </a:extLst>
+          </p:cNvPr>
+          <p:cNvSpPr/>
+          <p:nvPr/>
+        </p:nvSpPr>
+        <p:spPr>
+          <a:xfrm>
+            <a:off x="2073285" y="1053462"/>
+            <a:ext cx="914400" cy="3293076"/>
+          </a:xfrm>
+          <a:prstGeom prst="rect">
+            <a:avLst/>
+          </a:prstGeom>
+          <a:solidFill>
+            <a:schemeClr val="bg1"/>
+          </a:solidFill>
+          <a:ln>
+            <a:noFill/>
+          </a:ln>
+        </p:spPr>
+        <p:style>
+          <a:lnRef idx="2">
+            <a:schemeClr val="accent1">
+              <a:shade val="15000"/>
+            </a:schemeClr>
+          </a:lnRef>
+          <a:fillRef idx="1">
+            <a:schemeClr val="accent1"/>
+          </a:fillRef>
+          <a:effectRef idx="0">
+            <a:schemeClr val="accent1"/>
+          </a:effectRef>
+          <a:fontRef idx="minor">
+            <a:schemeClr val="lt1"/>
+          </a:fontRef>
+        </p:style>
+        <p:txBody>
+          <a:bodyPr rtlCol="0" anchor="ctr"/>
+          <a:lstStyle/>
+          <a:p>
+            <a:pPr algn="ctr"/>
+            <a:endParaRPr lang="en-PH"/>
+          </a:p>
+        </p:txBody>
+      </p:sp>
+      <p:sp>
+        <p:nvSpPr>
+          <p:cNvPr id="12" name="TextBox 11">
+            <a:extLst>
+              <a:ext uri="{FF2B5EF4-FFF2-40B4-BE49-F238E27FC236}">
+                <a16:creationId xmlns:a16="http://schemas.microsoft.com/office/drawing/2014/main" id="{10B26D43-BC31-CD17-FCC7-61C9A9B3A0E7}"/>
+              </a:ext>
+            </a:extLst>
+          </p:cNvPr>
+          <p:cNvSpPr txBox="1"/>
+          <p:nvPr/>
+        </p:nvSpPr>
+        <p:spPr>
+          <a:xfrm>
+            <a:off x="5461358" y="5804538"/>
+            <a:ext cx="1269322" cy="477054"/>
+          </a:xfrm>
+          <a:prstGeom prst="rect">
+            <a:avLst/>
+          </a:prstGeom>
+          <a:noFill/>
+        </p:spPr>
+        <p:txBody>
+          <a:bodyPr wrap="none" rtlCol="0">
+            <a:spAutoFit/>
+          </a:bodyPr>
+          <a:lstStyle/>
+          <a:p>
+            <a:pPr algn="ctr"/>
+            <a:r>
+              <a:rPr lang="en-US" sz="2500" dirty="0"/>
+              <a:t>Average</a:t>
+            </a:r>
+            <a:endParaRPr lang="en-PH" sz="2500" b="1" dirty="0"/>
+          </a:p>
+        </p:txBody>
+      </p:sp>
+      <p:sp>
+        <p:nvSpPr>
+          <p:cNvPr id="2" name="TextBox 1">
+            <a:extLst>
+              <a:ext uri="{FF2B5EF4-FFF2-40B4-BE49-F238E27FC236}">
+                <a16:creationId xmlns:a16="http://schemas.microsoft.com/office/drawing/2014/main" id="{5B6D2000-0C27-D8C8-6A69-BAE14C24BC86}"/>
+              </a:ext>
+            </a:extLst>
+          </p:cNvPr>
+          <p:cNvSpPr txBox="1"/>
+          <p:nvPr/>
+        </p:nvSpPr>
+        <p:spPr>
+          <a:xfrm>
+            <a:off x="3279397" y="5215334"/>
+            <a:ext cx="755335" cy="369332"/>
+          </a:xfrm>
+          <a:prstGeom prst="rect">
+            <a:avLst/>
+          </a:prstGeom>
+          <a:noFill/>
+          <a:ln w="38100">
+            <a:noFill/>
+          </a:ln>
+        </p:spPr>
+        <p:txBody>
+          <a:bodyPr wrap="none" rtlCol="0">
+            <a:spAutoFit/>
+          </a:bodyPr>
+          <a:lstStyle/>
+          <a:p>
+            <a:r>
+              <a:rPr lang="en-US" b="1" dirty="0"/>
+              <a:t>Short</a:t>
+            </a:r>
+            <a:endParaRPr lang="en-PH" b="1" dirty="0"/>
+          </a:p>
+        </p:txBody>
+      </p:sp>
+      <p:sp>
+        <p:nvSpPr>
+          <p:cNvPr id="5" name="TextBox 4">
+            <a:extLst>
+              <a:ext uri="{FF2B5EF4-FFF2-40B4-BE49-F238E27FC236}">
+                <a16:creationId xmlns:a16="http://schemas.microsoft.com/office/drawing/2014/main" id="{22D42725-F776-4EBA-F1C0-30DC66EF5944}"/>
+              </a:ext>
+            </a:extLst>
+          </p:cNvPr>
+          <p:cNvSpPr txBox="1"/>
+          <p:nvPr/>
+        </p:nvSpPr>
+        <p:spPr>
+          <a:xfrm>
+            <a:off x="9069122" y="5215334"/>
+            <a:ext cx="548805" cy="369332"/>
+          </a:xfrm>
+          <a:prstGeom prst="rect">
+            <a:avLst/>
+          </a:prstGeom>
+          <a:noFill/>
+        </p:spPr>
+        <p:txBody>
+          <a:bodyPr wrap="none" rtlCol="0">
+            <a:spAutoFit/>
+          </a:bodyPr>
+          <a:lstStyle/>
+          <a:p>
+            <a:r>
+              <a:rPr lang="en-US" b="1" dirty="0"/>
+              <a:t>Tall</a:t>
+            </a:r>
+            <a:endParaRPr lang="en-PH" b="1" dirty="0"/>
+          </a:p>
+        </p:txBody>
+      </p:sp>
+      <p:sp>
+        <p:nvSpPr>
+          <p:cNvPr id="6" name="TextBox 5">
+            <a:extLst>
+              <a:ext uri="{FF2B5EF4-FFF2-40B4-BE49-F238E27FC236}">
+                <a16:creationId xmlns:a16="http://schemas.microsoft.com/office/drawing/2014/main" id="{236619C9-6B11-A73A-8BED-F8379CBF03C6}"/>
+              </a:ext>
+            </a:extLst>
+          </p:cNvPr>
+          <p:cNvSpPr txBox="1"/>
+          <p:nvPr/>
+        </p:nvSpPr>
+        <p:spPr>
+          <a:xfrm>
+            <a:off x="6045089" y="5215334"/>
+            <a:ext cx="1013675" cy="369332"/>
+          </a:xfrm>
+          <a:prstGeom prst="rect">
+            <a:avLst/>
+          </a:prstGeom>
+          <a:noFill/>
+          <a:ln w="38100">
+            <a:solidFill>
+              <a:srgbClr val="FF0000"/>
+            </a:solidFill>
+          </a:ln>
+        </p:spPr>
+        <p:txBody>
+          <a:bodyPr wrap="none" rtlCol="0">
+            <a:spAutoFit/>
+          </a:bodyPr>
+          <a:lstStyle/>
+          <a:p>
+            <a:r>
+              <a:rPr lang="en-US" b="1" dirty="0"/>
+              <a:t>Average</a:t>
+            </a:r>
+            <a:endParaRPr lang="en-PH" b="1" dirty="0"/>
+          </a:p>
+        </p:txBody>
+      </p:sp>
+    </p:spTree>
+    <p:extLst>
+      <p:ext uri="{BB962C8B-B14F-4D97-AF65-F5344CB8AC3E}">
+        <p14:creationId xmlns:p14="http://schemas.microsoft.com/office/powerpoint/2010/main" val="2484810969"/>
+      </p:ext>
+    </p:extLst>
+  </p:cSld>
+  <p:clrMapOvr>
+    <a:masterClrMapping/>
+  </p:clrMapOvr>
+</p:sld>
+</file>
+
+<file path=ppt/slides/slide8.xml><?xml version="1.0" encoding="utf-8"?>
+<p:sld xmlns:a="http://schemas.openxmlformats.org/drawingml/2006/main" xmlns:r="http://schemas.openxmlformats.org/officeDocument/2006/relationships" xmlns:p="http://schemas.openxmlformats.org/presentationml/2006/main" showMasterSp="0">
+  <p:cSld>
+    <p:spTree>
+      <p:nvGrpSpPr>
+        <p:cNvPr id="1" name="">
+          <a:extLst>
+            <a:ext uri="{FF2B5EF4-FFF2-40B4-BE49-F238E27FC236}">
+              <a16:creationId xmlns:a16="http://schemas.microsoft.com/office/drawing/2014/main" id="{54CE7C7D-149F-05E2-D38A-5CF137BC2428}"/>
+            </a:ext>
+          </a:extLst>
+        </p:cNvPr>
+        <p:cNvGrpSpPr/>
+        <p:nvPr/>
+      </p:nvGrpSpPr>
+      <p:grpSpPr>
+        <a:xfrm>
+          <a:off x="0" y="0"/>
+          <a:ext cx="0" cy="0"/>
+          <a:chOff x="0" y="0"/>
+          <a:chExt cx="0" cy="0"/>
+        </a:xfrm>
+      </p:grpSpPr>
+      <p:pic>
+        <p:nvPicPr>
+          <p:cNvPr id="3" name="Picture 2" descr="A graph of a distribution of heights with Ryugyong Hotel in the background&#10;&#10;AI-generated content may be incorrect.">
+            <a:extLst>
+              <a:ext uri="{FF2B5EF4-FFF2-40B4-BE49-F238E27FC236}">
+                <a16:creationId xmlns:a16="http://schemas.microsoft.com/office/drawing/2014/main" id="{49AE4EF3-72E9-EE69-0C7D-10F252D006B6}"/>
+              </a:ext>
+            </a:extLst>
+          </p:cNvPr>
+          <p:cNvPicPr>
+            <a:picLocks noChangeAspect="1"/>
+          </p:cNvPicPr>
+          <p:nvPr/>
+        </p:nvPicPr>
+        <p:blipFill>
+          <a:blip r:embed="rId2"/>
+          <a:stretch>
+            <a:fillRect/>
+          </a:stretch>
+        </p:blipFill>
+        <p:spPr>
+          <a:xfrm>
+            <a:off x="2315999" y="0"/>
+            <a:ext cx="7560001" cy="5400000"/>
+          </a:xfrm>
+          <a:prstGeom prst="rect">
+            <a:avLst/>
+          </a:prstGeom>
+        </p:spPr>
+      </p:pic>
+      <p:sp>
+        <p:nvSpPr>
+          <p:cNvPr id="4" name="Rectangle 3">
+            <a:extLst>
+              <a:ext uri="{FF2B5EF4-FFF2-40B4-BE49-F238E27FC236}">
+                <a16:creationId xmlns:a16="http://schemas.microsoft.com/office/drawing/2014/main" id="{2E4F8CA1-4971-6C7F-C03C-AFB01D6F2CF8}"/>
+              </a:ext>
+            </a:extLst>
+          </p:cNvPr>
+          <p:cNvSpPr/>
+          <p:nvPr/>
+        </p:nvSpPr>
+        <p:spPr>
+          <a:xfrm>
+            <a:off x="2073285" y="1053462"/>
+            <a:ext cx="914400" cy="3293076"/>
+          </a:xfrm>
+          <a:prstGeom prst="rect">
+            <a:avLst/>
+          </a:prstGeom>
+          <a:solidFill>
+            <a:schemeClr val="bg1"/>
+          </a:solidFill>
+          <a:ln>
+            <a:noFill/>
+          </a:ln>
+        </p:spPr>
+        <p:style>
+          <a:lnRef idx="2">
+            <a:schemeClr val="accent1">
+              <a:shade val="15000"/>
+            </a:schemeClr>
+          </a:lnRef>
+          <a:fillRef idx="1">
+            <a:schemeClr val="accent1"/>
+          </a:fillRef>
+          <a:effectRef idx="0">
+            <a:schemeClr val="accent1"/>
+          </a:effectRef>
+          <a:fontRef idx="minor">
+            <a:schemeClr val="lt1"/>
+          </a:fontRef>
+        </p:style>
+        <p:txBody>
+          <a:bodyPr rtlCol="0" anchor="ctr"/>
+          <a:lstStyle/>
+          <a:p>
+            <a:pPr algn="ctr"/>
+            <a:endParaRPr lang="en-PH"/>
+          </a:p>
+        </p:txBody>
+      </p:sp>
+      <p:sp>
+        <p:nvSpPr>
+          <p:cNvPr id="12" name="TextBox 11">
+            <a:extLst>
+              <a:ext uri="{FF2B5EF4-FFF2-40B4-BE49-F238E27FC236}">
+                <a16:creationId xmlns:a16="http://schemas.microsoft.com/office/drawing/2014/main" id="{12819CCD-D145-D53B-02EE-070ADF4EAB59}"/>
+              </a:ext>
+            </a:extLst>
+          </p:cNvPr>
+          <p:cNvSpPr txBox="1"/>
+          <p:nvPr/>
+        </p:nvSpPr>
+        <p:spPr>
+          <a:xfrm>
+            <a:off x="5488942" y="5786003"/>
+            <a:ext cx="1214115" cy="477054"/>
+          </a:xfrm>
+          <a:prstGeom prst="rect">
+            <a:avLst/>
+          </a:prstGeom>
+          <a:noFill/>
+        </p:spPr>
+        <p:txBody>
+          <a:bodyPr wrap="none" rtlCol="0">
+            <a:spAutoFit/>
+          </a:bodyPr>
+          <a:lstStyle/>
+          <a:p>
+            <a:pPr algn="ctr"/>
+            <a:r>
+              <a:rPr lang="en-US" sz="2500" dirty="0"/>
+              <a:t>Or tall..</a:t>
+            </a:r>
+            <a:endParaRPr lang="en-PH" sz="2500" b="1" dirty="0"/>
+          </a:p>
+        </p:txBody>
+      </p:sp>
+      <p:sp>
+        <p:nvSpPr>
+          <p:cNvPr id="2" name="TextBox 1">
+            <a:extLst>
+              <a:ext uri="{FF2B5EF4-FFF2-40B4-BE49-F238E27FC236}">
+                <a16:creationId xmlns:a16="http://schemas.microsoft.com/office/drawing/2014/main" id="{8849F40F-6E5C-203F-8178-4ED35879CC55}"/>
+              </a:ext>
+            </a:extLst>
+          </p:cNvPr>
+          <p:cNvSpPr txBox="1"/>
+          <p:nvPr/>
+        </p:nvSpPr>
+        <p:spPr>
+          <a:xfrm>
+            <a:off x="3279397" y="5215334"/>
+            <a:ext cx="755335" cy="369332"/>
+          </a:xfrm>
+          <a:prstGeom prst="rect">
+            <a:avLst/>
+          </a:prstGeom>
+          <a:noFill/>
+          <a:ln w="38100">
+            <a:noFill/>
+          </a:ln>
+        </p:spPr>
+        <p:txBody>
+          <a:bodyPr wrap="none" rtlCol="0">
+            <a:spAutoFit/>
+          </a:bodyPr>
+          <a:lstStyle/>
+          <a:p>
+            <a:r>
+              <a:rPr lang="en-US" b="1" dirty="0"/>
+              <a:t>Short</a:t>
+            </a:r>
+            <a:endParaRPr lang="en-PH" b="1" dirty="0"/>
+          </a:p>
+        </p:txBody>
+      </p:sp>
+      <p:sp>
+        <p:nvSpPr>
+          <p:cNvPr id="5" name="TextBox 4">
+            <a:extLst>
+              <a:ext uri="{FF2B5EF4-FFF2-40B4-BE49-F238E27FC236}">
+                <a16:creationId xmlns:a16="http://schemas.microsoft.com/office/drawing/2014/main" id="{1E393CFD-9F61-8A11-BEA0-88996855AEA6}"/>
+              </a:ext>
+            </a:extLst>
+          </p:cNvPr>
+          <p:cNvSpPr txBox="1"/>
+          <p:nvPr/>
+        </p:nvSpPr>
+        <p:spPr>
+          <a:xfrm>
+            <a:off x="9069122" y="5215334"/>
+            <a:ext cx="548805" cy="369332"/>
+          </a:xfrm>
+          <a:prstGeom prst="rect">
+            <a:avLst/>
+          </a:prstGeom>
+          <a:noFill/>
+          <a:ln w="38100">
+            <a:solidFill>
+              <a:srgbClr val="FF0000"/>
+            </a:solidFill>
+          </a:ln>
+        </p:spPr>
+        <p:txBody>
+          <a:bodyPr wrap="none" rtlCol="0">
+            <a:spAutoFit/>
+          </a:bodyPr>
+          <a:lstStyle/>
+          <a:p>
+            <a:r>
+              <a:rPr lang="en-US" b="1" dirty="0"/>
+              <a:t>Tall</a:t>
+            </a:r>
+            <a:endParaRPr lang="en-PH" b="1" dirty="0"/>
+          </a:p>
+        </p:txBody>
+      </p:sp>
+      <p:sp>
+        <p:nvSpPr>
+          <p:cNvPr id="6" name="TextBox 5">
+            <a:extLst>
+              <a:ext uri="{FF2B5EF4-FFF2-40B4-BE49-F238E27FC236}">
+                <a16:creationId xmlns:a16="http://schemas.microsoft.com/office/drawing/2014/main" id="{1EEE1206-62FB-4509-7326-57F72FF3807A}"/>
+              </a:ext>
+            </a:extLst>
+          </p:cNvPr>
+          <p:cNvSpPr txBox="1"/>
+          <p:nvPr/>
+        </p:nvSpPr>
+        <p:spPr>
+          <a:xfrm>
+            <a:off x="6045089" y="5215334"/>
+            <a:ext cx="1013675" cy="369332"/>
+          </a:xfrm>
+          <a:prstGeom prst="rect">
+            <a:avLst/>
+          </a:prstGeom>
+          <a:noFill/>
+          <a:ln w="38100">
+            <a:noFill/>
+          </a:ln>
+        </p:spPr>
+        <p:txBody>
+          <a:bodyPr wrap="none" rtlCol="0">
+            <a:spAutoFit/>
+          </a:bodyPr>
+          <a:lstStyle/>
+          <a:p>
+            <a:r>
+              <a:rPr lang="en-US" b="1" dirty="0"/>
+              <a:t>Average</a:t>
+            </a:r>
+            <a:endParaRPr lang="en-PH" b="1" dirty="0"/>
+          </a:p>
+        </p:txBody>
+      </p:sp>
+    </p:spTree>
+    <p:extLst>
+      <p:ext uri="{BB962C8B-B14F-4D97-AF65-F5344CB8AC3E}">
+        <p14:creationId xmlns:p14="http://schemas.microsoft.com/office/powerpoint/2010/main" val="2628612222"/>
+      </p:ext>
+    </p:extLst>
+  </p:cSld>
+  <p:clrMapOvr>
+    <a:masterClrMapping/>
+  </p:clrMapOvr>
+</p:sld>
+</file>
+
+<file path=ppt/slides/slide9.xml><?xml version="1.0" encoding="utf-8"?>
+<p:sld xmlns:a="http://schemas.openxmlformats.org/drawingml/2006/main" xmlns:r="http://schemas.openxmlformats.org/officeDocument/2006/relationships" xmlns:p="http://schemas.openxmlformats.org/presentationml/2006/main" showMasterSp="0">
+  <p:cSld>
+    <p:spTree>
+      <p:nvGrpSpPr>
+        <p:cNvPr id="1" name="">
+          <a:extLst>
+            <a:ext uri="{FF2B5EF4-FFF2-40B4-BE49-F238E27FC236}">
+              <a16:creationId xmlns:a16="http://schemas.microsoft.com/office/drawing/2014/main" id="{28583CA2-B532-58F4-5F34-DBE691CE8713}"/>
+            </a:ext>
+          </a:extLst>
+        </p:cNvPr>
+        <p:cNvGrpSpPr/>
+        <p:nvPr/>
+      </p:nvGrpSpPr>
+      <p:grpSpPr>
+        <a:xfrm>
+          <a:off x="0" y="0"/>
+          <a:ext cx="0" cy="0"/>
+          <a:chOff x="0" y="0"/>
+          <a:chExt cx="0" cy="0"/>
+        </a:xfrm>
+      </p:grpSpPr>
+      <p:pic>
+        <p:nvPicPr>
+          <p:cNvPr id="3" name="Picture 2" descr="A graph of a distribution of heights with Ryugyong Hotel in the background&#10;&#10;AI-generated content may be incorrect.">
+            <a:extLst>
+              <a:ext uri="{FF2B5EF4-FFF2-40B4-BE49-F238E27FC236}">
+                <a16:creationId xmlns:a16="http://schemas.microsoft.com/office/drawing/2014/main" id="{64DE10C8-C2B2-6314-976E-1F55D562DA0C}"/>
+              </a:ext>
+            </a:extLst>
+          </p:cNvPr>
+          <p:cNvPicPr>
+            <a:picLocks noChangeAspect="1"/>
+          </p:cNvPicPr>
+          <p:nvPr/>
+        </p:nvPicPr>
+        <p:blipFill>
+          <a:blip r:embed="rId2"/>
+          <a:stretch>
+            <a:fillRect/>
+          </a:stretch>
+        </p:blipFill>
+        <p:spPr>
+          <a:xfrm>
+            <a:off x="2315999" y="0"/>
+            <a:ext cx="7560001" cy="5400000"/>
+          </a:xfrm>
+          <a:prstGeom prst="rect">
+            <a:avLst/>
+          </a:prstGeom>
+        </p:spPr>
+      </p:pic>
+      <p:sp>
+        <p:nvSpPr>
+          <p:cNvPr id="4" name="Rectangle 3">
+            <a:extLst>
+              <a:ext uri="{FF2B5EF4-FFF2-40B4-BE49-F238E27FC236}">
+                <a16:creationId xmlns:a16="http://schemas.microsoft.com/office/drawing/2014/main" id="{295D1226-4D8C-4C4B-A60B-DD2751A09FEF}"/>
+              </a:ext>
+            </a:extLst>
+          </p:cNvPr>
+          <p:cNvSpPr/>
+          <p:nvPr/>
+        </p:nvSpPr>
+        <p:spPr>
+          <a:xfrm>
+            <a:off x="2073285" y="1053462"/>
+            <a:ext cx="914400" cy="3293076"/>
+          </a:xfrm>
+          <a:prstGeom prst="rect">
+            <a:avLst/>
+          </a:prstGeom>
+          <a:solidFill>
+            <a:schemeClr val="bg1"/>
+          </a:solidFill>
+          <a:ln>
+            <a:noFill/>
+          </a:ln>
+        </p:spPr>
+        <p:style>
+          <a:lnRef idx="2">
+            <a:schemeClr val="accent1">
+              <a:shade val="15000"/>
+            </a:schemeClr>
+          </a:lnRef>
+          <a:fillRef idx="1">
+            <a:schemeClr val="accent1"/>
+          </a:fillRef>
+          <a:effectRef idx="0">
+            <a:schemeClr val="accent1"/>
+          </a:effectRef>
+          <a:fontRef idx="minor">
+            <a:schemeClr val="lt1"/>
+          </a:fontRef>
+        </p:style>
+        <p:txBody>
+          <a:bodyPr rtlCol="0" anchor="ctr"/>
+          <a:lstStyle/>
+          <a:p>
+            <a:pPr algn="ctr"/>
+            <a:endParaRPr lang="en-PH"/>
+          </a:p>
+        </p:txBody>
+      </p:sp>
+      <p:sp>
+        <p:nvSpPr>
+          <p:cNvPr id="12" name="TextBox 11">
+            <a:extLst>
+              <a:ext uri="{FF2B5EF4-FFF2-40B4-BE49-F238E27FC236}">
+                <a16:creationId xmlns:a16="http://schemas.microsoft.com/office/drawing/2014/main" id="{1CB4C978-C215-5C8B-22B1-5AF07FD7DA77}"/>
+              </a:ext>
+            </a:extLst>
+          </p:cNvPr>
+          <p:cNvSpPr txBox="1"/>
+          <p:nvPr/>
+        </p:nvSpPr>
+        <p:spPr>
+          <a:xfrm>
+            <a:off x="4343473" y="5786003"/>
+            <a:ext cx="3505063" cy="477054"/>
+          </a:xfrm>
+          <a:prstGeom prst="rect">
+            <a:avLst/>
+          </a:prstGeom>
+          <a:noFill/>
+        </p:spPr>
+        <p:txBody>
+          <a:bodyPr wrap="none" rtlCol="0">
+            <a:spAutoFit/>
+          </a:bodyPr>
+          <a:lstStyle/>
+          <a:p>
+            <a:pPr algn="ctr"/>
+            <a:r>
+              <a:rPr lang="en-US" sz="2500" dirty="0"/>
+              <a:t>Or anywhere in between</a:t>
+            </a:r>
+            <a:endParaRPr lang="en-PH" sz="2500" b="1" dirty="0"/>
+          </a:p>
+        </p:txBody>
+      </p:sp>
+      <p:sp>
+        <p:nvSpPr>
+          <p:cNvPr id="2" name="TextBox 1">
+            <a:extLst>
+              <a:ext uri="{FF2B5EF4-FFF2-40B4-BE49-F238E27FC236}">
+                <a16:creationId xmlns:a16="http://schemas.microsoft.com/office/drawing/2014/main" id="{5972A0F0-C2AF-8FFC-70B9-C70071584026}"/>
+              </a:ext>
+            </a:extLst>
+          </p:cNvPr>
+          <p:cNvSpPr txBox="1"/>
+          <p:nvPr/>
+        </p:nvSpPr>
+        <p:spPr>
+          <a:xfrm>
+            <a:off x="3279397" y="5215334"/>
+            <a:ext cx="755335" cy="369332"/>
+          </a:xfrm>
+          <a:prstGeom prst="rect">
+            <a:avLst/>
+          </a:prstGeom>
+          <a:noFill/>
+          <a:ln w="38100">
+            <a:noFill/>
+          </a:ln>
+        </p:spPr>
+        <p:txBody>
+          <a:bodyPr wrap="none" rtlCol="0">
+            <a:spAutoFit/>
+          </a:bodyPr>
+          <a:lstStyle/>
+          <a:p>
+            <a:r>
+              <a:rPr lang="en-US" b="1" dirty="0"/>
+              <a:t>Short</a:t>
+            </a:r>
+            <a:endParaRPr lang="en-PH" b="1" dirty="0"/>
+          </a:p>
+        </p:txBody>
+      </p:sp>
+      <p:sp>
+        <p:nvSpPr>
+          <p:cNvPr id="5" name="TextBox 4">
+            <a:extLst>
+              <a:ext uri="{FF2B5EF4-FFF2-40B4-BE49-F238E27FC236}">
+                <a16:creationId xmlns:a16="http://schemas.microsoft.com/office/drawing/2014/main" id="{C6B1C323-3BA3-7A20-9EA3-70BED4C66331}"/>
+              </a:ext>
+            </a:extLst>
+          </p:cNvPr>
+          <p:cNvSpPr txBox="1"/>
+          <p:nvPr/>
+        </p:nvSpPr>
+        <p:spPr>
+          <a:xfrm>
+            <a:off x="9069122" y="5215334"/>
+            <a:ext cx="548805" cy="369332"/>
+          </a:xfrm>
+          <a:prstGeom prst="rect">
+            <a:avLst/>
+          </a:prstGeom>
+          <a:noFill/>
+          <a:ln w="38100">
+            <a:noFill/>
+          </a:ln>
+        </p:spPr>
+        <p:txBody>
+          <a:bodyPr wrap="none" rtlCol="0">
+            <a:spAutoFit/>
+          </a:bodyPr>
+          <a:lstStyle/>
+          <a:p>
+            <a:r>
+              <a:rPr lang="en-US" b="1" dirty="0"/>
+              <a:t>Tall</a:t>
+            </a:r>
+            <a:endParaRPr lang="en-PH" b="1" dirty="0"/>
+          </a:p>
+        </p:txBody>
+      </p:sp>
+      <p:sp>
+        <p:nvSpPr>
+          <p:cNvPr id="6" name="TextBox 5">
+            <a:extLst>
+              <a:ext uri="{FF2B5EF4-FFF2-40B4-BE49-F238E27FC236}">
+                <a16:creationId xmlns:a16="http://schemas.microsoft.com/office/drawing/2014/main" id="{99EF4F37-1C0D-C829-644C-9200619A7207}"/>
+              </a:ext>
+            </a:extLst>
+          </p:cNvPr>
+          <p:cNvSpPr txBox="1"/>
+          <p:nvPr/>
+        </p:nvSpPr>
+        <p:spPr>
+          <a:xfrm>
+            <a:off x="6045089" y="5215334"/>
+            <a:ext cx="1013675" cy="369332"/>
+          </a:xfrm>
+          <a:prstGeom prst="rect">
+            <a:avLst/>
+          </a:prstGeom>
+          <a:noFill/>
+          <a:ln w="38100">
+            <a:noFill/>
+          </a:ln>
+        </p:spPr>
+        <p:txBody>
+          <a:bodyPr wrap="none" rtlCol="0">
+            <a:spAutoFit/>
+          </a:bodyPr>
+          <a:lstStyle/>
+          <a:p>
+            <a:r>
+              <a:rPr lang="en-US" b="1" dirty="0"/>
+              <a:t>Average</a:t>
+            </a:r>
+            <a:endParaRPr lang="en-PH" b="1" dirty="0"/>
+          </a:p>
+        </p:txBody>
+      </p:sp>
+    </p:spTree>
+    <p:extLst>
+      <p:ext uri="{BB962C8B-B14F-4D97-AF65-F5344CB8AC3E}">
+        <p14:creationId xmlns:p14="http://schemas.microsoft.com/office/powerpoint/2010/main" val="879985883"/>
       </p:ext>
     </p:extLst>
   </p:cSld>
